--- a/3조 발표자료.pptx
+++ b/3조 발표자료.pptx
@@ -4,6 +4,9 @@
   <p:sldMasterIdLst>
     <p:sldMasterId id="2147483648" r:id="rId1"/>
   </p:sldMasterIdLst>
+  <p:notesMasterIdLst>
+    <p:notesMasterId r:id="rId15"/>
+  </p:notesMasterIdLst>
   <p:sldIdLst>
     <p:sldId id="256" r:id="rId2"/>
     <p:sldId id="257" r:id="rId3"/>
@@ -116,7 +119,615 @@
       </a:defRPr>
     </a:lvl9pPr>
   </p:defaultTextStyle>
+  <p:extLst>
+    <p:ext uri="{EFAFB233-063F-42B5-8137-9DF3F51BA10A}">
+      <p15:sldGuideLst xmlns:p15="http://schemas.microsoft.com/office/powerpoint/2012/main">
+        <p15:guide id="1" orient="horz" pos="1620">
+          <p15:clr>
+            <a:srgbClr val="A4A3A4"/>
+          </p15:clr>
+        </p15:guide>
+        <p15:guide id="2" pos="2880">
+          <p15:clr>
+            <a:srgbClr val="A4A3A4"/>
+          </p15:clr>
+        </p15:guide>
+      </p15:sldGuideLst>
+    </p:ext>
+  </p:extLst>
 </p:presentation>
+</file>
+
+<file path=ppt/revisionInfo.xml><?xml version="1.0" encoding="utf-8"?>
+<p1510:revInfo xmlns:a="http://schemas.openxmlformats.org/drawingml/2006/main" xmlns:r="http://schemas.openxmlformats.org/officeDocument/2006/relationships" xmlns:p1510="http://schemas.microsoft.com/office/powerpoint/2015/10/main"/>
+</file>
+
+<file path=ppt/notesMasters/notesMaster1.xml><?xml version="1.0" encoding="utf-8"?>
+<p:notesMaster xmlns:a="http://schemas.openxmlformats.org/drawingml/2006/main" xmlns:r="http://schemas.openxmlformats.org/officeDocument/2006/relationships" xmlns:p="http://schemas.openxmlformats.org/presentationml/2006/main">
+  <p:cSld>
+    <p:bg>
+      <p:bgRef idx="1001">
+        <a:schemeClr val="bg1"/>
+      </p:bgRef>
+    </p:bg>
+    <p:spTree>
+      <p:nvGrpSpPr>
+        <p:cNvPr id="1" name=""/>
+        <p:cNvGrpSpPr/>
+        <p:nvPr/>
+      </p:nvGrpSpPr>
+      <p:grpSpPr>
+        <a:xfrm>
+          <a:off x="0" y="0"/>
+          <a:ext cx="0" cy="0"/>
+          <a:chOff x="0" y="0"/>
+          <a:chExt cx="0" cy="0"/>
+        </a:xfrm>
+      </p:grpSpPr>
+      <p:sp>
+        <p:nvSpPr>
+          <p:cNvPr id="2" name="머리글 개체 틀 1"/>
+          <p:cNvSpPr>
+            <a:spLocks noGrp="1"/>
+          </p:cNvSpPr>
+          <p:nvPr>
+            <p:ph type="hdr" sz="quarter"/>
+          </p:nvPr>
+        </p:nvSpPr>
+        <p:spPr>
+          <a:xfrm>
+            <a:off x="0" y="0"/>
+            <a:ext cx="2971800" cy="458788"/>
+          </a:xfrm>
+          <a:prstGeom prst="rect">
+            <a:avLst/>
+          </a:prstGeom>
+        </p:spPr>
+        <p:txBody>
+          <a:bodyPr vert="horz" lIns="91440" tIns="45720" rIns="91440" bIns="45720" rtlCol="0"/>
+          <a:lstStyle>
+            <a:lvl1pPr algn="l">
+              <a:defRPr sz="1200"/>
+            </a:lvl1pPr>
+          </a:lstStyle>
+          <a:p>
+            <a:endParaRPr lang="ko-KR" altLang="en-US"/>
+          </a:p>
+        </p:txBody>
+      </p:sp>
+      <p:sp>
+        <p:nvSpPr>
+          <p:cNvPr id="3" name="날짜 개체 틀 2"/>
+          <p:cNvSpPr>
+            <a:spLocks noGrp="1"/>
+          </p:cNvSpPr>
+          <p:nvPr>
+            <p:ph type="dt" idx="1"/>
+          </p:nvPr>
+        </p:nvSpPr>
+        <p:spPr>
+          <a:xfrm>
+            <a:off x="3884613" y="0"/>
+            <a:ext cx="2971800" cy="458788"/>
+          </a:xfrm>
+          <a:prstGeom prst="rect">
+            <a:avLst/>
+          </a:prstGeom>
+        </p:spPr>
+        <p:txBody>
+          <a:bodyPr vert="horz" lIns="91440" tIns="45720" rIns="91440" bIns="45720" rtlCol="0"/>
+          <a:lstStyle>
+            <a:lvl1pPr algn="r">
+              <a:defRPr sz="1200"/>
+            </a:lvl1pPr>
+          </a:lstStyle>
+          <a:p>
+            <a:fld id="{CCC93118-BE0E-4CE5-90BB-6DB8F4E62746}" type="datetimeFigureOut">
+              <a:rPr lang="ko-KR" altLang="en-US" smtClean="0"/>
+              <a:t>2017-11-23</a:t>
+            </a:fld>
+            <a:endParaRPr lang="ko-KR" altLang="en-US"/>
+          </a:p>
+        </p:txBody>
+      </p:sp>
+      <p:sp>
+        <p:nvSpPr>
+          <p:cNvPr id="4" name="슬라이드 이미지 개체 틀 3"/>
+          <p:cNvSpPr>
+            <a:spLocks noGrp="1" noRot="1" noChangeAspect="1"/>
+          </p:cNvSpPr>
+          <p:nvPr>
+            <p:ph type="sldImg" idx="2"/>
+          </p:nvPr>
+        </p:nvSpPr>
+        <p:spPr>
+          <a:xfrm>
+            <a:off x="685800" y="1143000"/>
+            <a:ext cx="5486400" cy="3086100"/>
+          </a:xfrm>
+          <a:prstGeom prst="rect">
+            <a:avLst/>
+          </a:prstGeom>
+          <a:noFill/>
+          <a:ln w="12700">
+            <a:solidFill>
+              <a:prstClr val="black"/>
+            </a:solidFill>
+          </a:ln>
+        </p:spPr>
+        <p:txBody>
+          <a:bodyPr vert="horz" lIns="91440" tIns="45720" rIns="91440" bIns="45720" rtlCol="0" anchor="ctr"/>
+          <a:lstStyle/>
+          <a:p>
+            <a:endParaRPr lang="ko-KR" altLang="en-US"/>
+          </a:p>
+        </p:txBody>
+      </p:sp>
+      <p:sp>
+        <p:nvSpPr>
+          <p:cNvPr id="5" name="슬라이드 노트 개체 틀 4"/>
+          <p:cNvSpPr>
+            <a:spLocks noGrp="1"/>
+          </p:cNvSpPr>
+          <p:nvPr>
+            <p:ph type="body" sz="quarter" idx="3"/>
+          </p:nvPr>
+        </p:nvSpPr>
+        <p:spPr>
+          <a:xfrm>
+            <a:off x="685800" y="4400550"/>
+            <a:ext cx="5486400" cy="3600450"/>
+          </a:xfrm>
+          <a:prstGeom prst="rect">
+            <a:avLst/>
+          </a:prstGeom>
+        </p:spPr>
+        <p:txBody>
+          <a:bodyPr vert="horz" lIns="91440" tIns="45720" rIns="91440" bIns="45720" rtlCol="0"/>
+          <a:lstStyle/>
+          <a:p>
+            <a:pPr lvl="0"/>
+            <a:r>
+              <a:rPr lang="ko-KR" altLang="en-US"/>
+              <a:t>마스터 텍스트 스타일 편집</a:t>
+            </a:r>
+          </a:p>
+          <a:p>
+            <a:pPr lvl="1"/>
+            <a:r>
+              <a:rPr lang="ko-KR" altLang="en-US"/>
+              <a:t>둘째 수준</a:t>
+            </a:r>
+          </a:p>
+          <a:p>
+            <a:pPr lvl="2"/>
+            <a:r>
+              <a:rPr lang="ko-KR" altLang="en-US"/>
+              <a:t>셋째 수준</a:t>
+            </a:r>
+          </a:p>
+          <a:p>
+            <a:pPr lvl="3"/>
+            <a:r>
+              <a:rPr lang="ko-KR" altLang="en-US"/>
+              <a:t>넷째 수준</a:t>
+            </a:r>
+          </a:p>
+          <a:p>
+            <a:pPr lvl="4"/>
+            <a:r>
+              <a:rPr lang="ko-KR" altLang="en-US"/>
+              <a:t>다섯째 수준</a:t>
+            </a:r>
+          </a:p>
+        </p:txBody>
+      </p:sp>
+      <p:sp>
+        <p:nvSpPr>
+          <p:cNvPr id="6" name="바닥글 개체 틀 5"/>
+          <p:cNvSpPr>
+            <a:spLocks noGrp="1"/>
+          </p:cNvSpPr>
+          <p:nvPr>
+            <p:ph type="ftr" sz="quarter" idx="4"/>
+          </p:nvPr>
+        </p:nvSpPr>
+        <p:spPr>
+          <a:xfrm>
+            <a:off x="0" y="8685213"/>
+            <a:ext cx="2971800" cy="458787"/>
+          </a:xfrm>
+          <a:prstGeom prst="rect">
+            <a:avLst/>
+          </a:prstGeom>
+        </p:spPr>
+        <p:txBody>
+          <a:bodyPr vert="horz" lIns="91440" tIns="45720" rIns="91440" bIns="45720" rtlCol="0" anchor="b"/>
+          <a:lstStyle>
+            <a:lvl1pPr algn="l">
+              <a:defRPr sz="1200"/>
+            </a:lvl1pPr>
+          </a:lstStyle>
+          <a:p>
+            <a:endParaRPr lang="ko-KR" altLang="en-US"/>
+          </a:p>
+        </p:txBody>
+      </p:sp>
+      <p:sp>
+        <p:nvSpPr>
+          <p:cNvPr id="7" name="슬라이드 번호 개체 틀 6"/>
+          <p:cNvSpPr>
+            <a:spLocks noGrp="1"/>
+          </p:cNvSpPr>
+          <p:nvPr>
+            <p:ph type="sldNum" sz="quarter" idx="5"/>
+          </p:nvPr>
+        </p:nvSpPr>
+        <p:spPr>
+          <a:xfrm>
+            <a:off x="3884613" y="8685213"/>
+            <a:ext cx="2971800" cy="458787"/>
+          </a:xfrm>
+          <a:prstGeom prst="rect">
+            <a:avLst/>
+          </a:prstGeom>
+        </p:spPr>
+        <p:txBody>
+          <a:bodyPr vert="horz" lIns="91440" tIns="45720" rIns="91440" bIns="45720" rtlCol="0" anchor="b"/>
+          <a:lstStyle>
+            <a:lvl1pPr algn="r">
+              <a:defRPr sz="1200"/>
+            </a:lvl1pPr>
+          </a:lstStyle>
+          <a:p>
+            <a:fld id="{25253E3C-AF0E-483E-93B2-4288366BC325}" type="slidenum">
+              <a:rPr lang="ko-KR" altLang="en-US" smtClean="0"/>
+              <a:t>‹#›</a:t>
+            </a:fld>
+            <a:endParaRPr lang="ko-KR" altLang="en-US"/>
+          </a:p>
+        </p:txBody>
+      </p:sp>
+    </p:spTree>
+    <p:extLst>
+      <p:ext uri="{BB962C8B-B14F-4D97-AF65-F5344CB8AC3E}">
+        <p14:creationId xmlns:p14="http://schemas.microsoft.com/office/powerpoint/2010/main" val="3313224122"/>
+      </p:ext>
+    </p:extLst>
+  </p:cSld>
+  <p:clrMap bg1="lt1" tx1="dk1" bg2="lt2" tx2="dk2" accent1="accent1" accent2="accent2" accent3="accent3" accent4="accent4" accent5="accent5" accent6="accent6" hlink="hlink" folHlink="folHlink"/>
+  <p:notesStyle>
+    <a:lvl1pPr marL="0" algn="l" defTabSz="914400" rtl="0" eaLnBrk="1" latinLnBrk="1" hangingPunct="1">
+      <a:defRPr sz="1200" kern="1200">
+        <a:solidFill>
+          <a:schemeClr val="tx1"/>
+        </a:solidFill>
+        <a:latin typeface="+mn-lt"/>
+        <a:ea typeface="+mn-ea"/>
+        <a:cs typeface="+mn-cs"/>
+      </a:defRPr>
+    </a:lvl1pPr>
+    <a:lvl2pPr marL="457200" algn="l" defTabSz="914400" rtl="0" eaLnBrk="1" latinLnBrk="1" hangingPunct="1">
+      <a:defRPr sz="1200" kern="1200">
+        <a:solidFill>
+          <a:schemeClr val="tx1"/>
+        </a:solidFill>
+        <a:latin typeface="+mn-lt"/>
+        <a:ea typeface="+mn-ea"/>
+        <a:cs typeface="+mn-cs"/>
+      </a:defRPr>
+    </a:lvl2pPr>
+    <a:lvl3pPr marL="914400" algn="l" defTabSz="914400" rtl="0" eaLnBrk="1" latinLnBrk="1" hangingPunct="1">
+      <a:defRPr sz="1200" kern="1200">
+        <a:solidFill>
+          <a:schemeClr val="tx1"/>
+        </a:solidFill>
+        <a:latin typeface="+mn-lt"/>
+        <a:ea typeface="+mn-ea"/>
+        <a:cs typeface="+mn-cs"/>
+      </a:defRPr>
+    </a:lvl3pPr>
+    <a:lvl4pPr marL="1371600" algn="l" defTabSz="914400" rtl="0" eaLnBrk="1" latinLnBrk="1" hangingPunct="1">
+      <a:defRPr sz="1200" kern="1200">
+        <a:solidFill>
+          <a:schemeClr val="tx1"/>
+        </a:solidFill>
+        <a:latin typeface="+mn-lt"/>
+        <a:ea typeface="+mn-ea"/>
+        <a:cs typeface="+mn-cs"/>
+      </a:defRPr>
+    </a:lvl4pPr>
+    <a:lvl5pPr marL="1828800" algn="l" defTabSz="914400" rtl="0" eaLnBrk="1" latinLnBrk="1" hangingPunct="1">
+      <a:defRPr sz="1200" kern="1200">
+        <a:solidFill>
+          <a:schemeClr val="tx1"/>
+        </a:solidFill>
+        <a:latin typeface="+mn-lt"/>
+        <a:ea typeface="+mn-ea"/>
+        <a:cs typeface="+mn-cs"/>
+      </a:defRPr>
+    </a:lvl5pPr>
+    <a:lvl6pPr marL="2286000" algn="l" defTabSz="914400" rtl="0" eaLnBrk="1" latinLnBrk="1" hangingPunct="1">
+      <a:defRPr sz="1200" kern="1200">
+        <a:solidFill>
+          <a:schemeClr val="tx1"/>
+        </a:solidFill>
+        <a:latin typeface="+mn-lt"/>
+        <a:ea typeface="+mn-ea"/>
+        <a:cs typeface="+mn-cs"/>
+      </a:defRPr>
+    </a:lvl6pPr>
+    <a:lvl7pPr marL="2743200" algn="l" defTabSz="914400" rtl="0" eaLnBrk="1" latinLnBrk="1" hangingPunct="1">
+      <a:defRPr sz="1200" kern="1200">
+        <a:solidFill>
+          <a:schemeClr val="tx1"/>
+        </a:solidFill>
+        <a:latin typeface="+mn-lt"/>
+        <a:ea typeface="+mn-ea"/>
+        <a:cs typeface="+mn-cs"/>
+      </a:defRPr>
+    </a:lvl7pPr>
+    <a:lvl8pPr marL="3200400" algn="l" defTabSz="914400" rtl="0" eaLnBrk="1" latinLnBrk="1" hangingPunct="1">
+      <a:defRPr sz="1200" kern="1200">
+        <a:solidFill>
+          <a:schemeClr val="tx1"/>
+        </a:solidFill>
+        <a:latin typeface="+mn-lt"/>
+        <a:ea typeface="+mn-ea"/>
+        <a:cs typeface="+mn-cs"/>
+      </a:defRPr>
+    </a:lvl8pPr>
+    <a:lvl9pPr marL="3657600" algn="l" defTabSz="914400" rtl="0" eaLnBrk="1" latinLnBrk="1" hangingPunct="1">
+      <a:defRPr sz="1200" kern="1200">
+        <a:solidFill>
+          <a:schemeClr val="tx1"/>
+        </a:solidFill>
+        <a:latin typeface="+mn-lt"/>
+        <a:ea typeface="+mn-ea"/>
+        <a:cs typeface="+mn-cs"/>
+      </a:defRPr>
+    </a:lvl9pPr>
+  </p:notesStyle>
+</p:notesMaster>
+</file>
+
+<file path=ppt/notesSlides/notesSlide1.xml><?xml version="1.0" encoding="utf-8"?>
+<p:notes xmlns:a="http://schemas.openxmlformats.org/drawingml/2006/main" xmlns:r="http://schemas.openxmlformats.org/officeDocument/2006/relationships" xmlns:p="http://schemas.openxmlformats.org/presentationml/2006/main">
+  <p:cSld>
+    <p:spTree>
+      <p:nvGrpSpPr>
+        <p:cNvPr id="1" name=""/>
+        <p:cNvGrpSpPr/>
+        <p:nvPr/>
+      </p:nvGrpSpPr>
+      <p:grpSpPr>
+        <a:xfrm>
+          <a:off x="0" y="0"/>
+          <a:ext cx="0" cy="0"/>
+          <a:chOff x="0" y="0"/>
+          <a:chExt cx="0" cy="0"/>
+        </a:xfrm>
+      </p:grpSpPr>
+      <p:sp>
+        <p:nvSpPr>
+          <p:cNvPr id="2" name="슬라이드 이미지 개체 틀 1"/>
+          <p:cNvSpPr>
+            <a:spLocks noGrp="1" noRot="1" noChangeAspect="1"/>
+          </p:cNvSpPr>
+          <p:nvPr>
+            <p:ph type="sldImg"/>
+          </p:nvPr>
+        </p:nvSpPr>
+        <p:spPr/>
+      </p:sp>
+      <p:sp>
+        <p:nvSpPr>
+          <p:cNvPr id="3" name="슬라이드 노트 개체 틀 2"/>
+          <p:cNvSpPr>
+            <a:spLocks noGrp="1"/>
+          </p:cNvSpPr>
+          <p:nvPr>
+            <p:ph type="body" idx="1"/>
+          </p:nvPr>
+        </p:nvSpPr>
+        <p:spPr/>
+        <p:txBody>
+          <a:bodyPr/>
+          <a:lstStyle/>
+          <a:p>
+            <a:r>
+              <a:rPr lang="ko-KR" altLang="en-US" dirty="0"/>
+              <a:t>이서진 </a:t>
+            </a:r>
+            <a:r>
+              <a:rPr lang="en-US" altLang="ko-KR" dirty="0"/>
+              <a:t>: </a:t>
+            </a:r>
+            <a:r>
+              <a:rPr lang="ko-KR" altLang="en-US" dirty="0"/>
+              <a:t>처음에는 진짜 </a:t>
+            </a:r>
+            <a:r>
+              <a:rPr lang="ko-KR" altLang="en-US" dirty="0" err="1"/>
+              <a:t>할수있을까라는</a:t>
+            </a:r>
+            <a:r>
+              <a:rPr lang="ko-KR" altLang="en-US" dirty="0"/>
+              <a:t> 생각으로 하게 </a:t>
+            </a:r>
+            <a:r>
+              <a:rPr lang="ko-KR" altLang="en-US" dirty="0" err="1"/>
+              <a:t>된거지만</a:t>
+            </a:r>
+            <a:r>
+              <a:rPr lang="ko-KR" altLang="en-US" dirty="0"/>
+              <a:t> 팀원들과 단합도 잘되고 잘 해주니 하나하나 </a:t>
+            </a:r>
+            <a:r>
+              <a:rPr lang="ko-KR" altLang="en-US" dirty="0" err="1"/>
+              <a:t>할때</a:t>
+            </a:r>
+            <a:r>
+              <a:rPr lang="ko-KR" altLang="en-US" dirty="0"/>
+              <a:t> 뿌듯함이 크고 내가 많이 </a:t>
+            </a:r>
+            <a:r>
+              <a:rPr lang="ko-KR" altLang="en-US" dirty="0" err="1"/>
+              <a:t>도와주지못하고</a:t>
+            </a:r>
+            <a:r>
+              <a:rPr lang="ko-KR" altLang="en-US" dirty="0"/>
+              <a:t> 참여해주지 </a:t>
+            </a:r>
+            <a:r>
+              <a:rPr lang="ko-KR" altLang="en-US" dirty="0" err="1"/>
+              <a:t>못한거에</a:t>
+            </a:r>
+            <a:r>
+              <a:rPr lang="ko-KR" altLang="en-US" dirty="0"/>
+              <a:t> 아쉬움이 </a:t>
+            </a:r>
+            <a:r>
+              <a:rPr lang="ko-KR" altLang="en-US" dirty="0" err="1"/>
+              <a:t>큰거같다</a:t>
+            </a:r>
+            <a:r>
+              <a:rPr lang="ko-KR" altLang="en-US" dirty="0"/>
+              <a:t> 게임을 만들며 </a:t>
+            </a:r>
+            <a:r>
+              <a:rPr lang="ko-KR" altLang="en-US" dirty="0" err="1"/>
+              <a:t>많은걸</a:t>
+            </a:r>
+            <a:r>
+              <a:rPr lang="ko-KR" altLang="en-US" dirty="0"/>
+              <a:t> 배우고 </a:t>
+            </a:r>
+            <a:r>
+              <a:rPr lang="ko-KR" altLang="en-US" dirty="0" err="1"/>
+              <a:t>다양한것들도</a:t>
+            </a:r>
+            <a:r>
+              <a:rPr lang="ko-KR" altLang="en-US" dirty="0"/>
+              <a:t> </a:t>
+            </a:r>
+            <a:r>
+              <a:rPr lang="ko-KR" altLang="en-US" dirty="0" err="1"/>
+              <a:t>하게되고</a:t>
+            </a:r>
+            <a:r>
+              <a:rPr lang="ko-KR" altLang="en-US" dirty="0"/>
+              <a:t> </a:t>
+            </a:r>
+            <a:r>
+              <a:rPr lang="ko-KR" altLang="en-US" dirty="0" err="1"/>
+              <a:t>게임만들기에</a:t>
+            </a:r>
+            <a:r>
+              <a:rPr lang="ko-KR" altLang="en-US" dirty="0"/>
+              <a:t> </a:t>
+            </a:r>
+            <a:r>
+              <a:rPr lang="ko-KR" altLang="en-US" dirty="0" err="1"/>
+              <a:t>자신이없다가</a:t>
+            </a:r>
+            <a:r>
+              <a:rPr lang="ko-KR" altLang="en-US" dirty="0"/>
+              <a:t> 점점 자신이 </a:t>
+            </a:r>
+            <a:r>
+              <a:rPr lang="ko-KR" altLang="en-US" dirty="0" err="1"/>
+              <a:t>붙게된거</a:t>
+            </a:r>
+            <a:r>
+              <a:rPr lang="ko-KR" altLang="en-US" dirty="0"/>
+              <a:t> 같다 무엇보다도 팀원들이 제일 열심히 해주어서 고맙다</a:t>
+            </a:r>
+            <a:endParaRPr lang="en-US" altLang="ko-KR" dirty="0"/>
+          </a:p>
+          <a:p>
+            <a:r>
+              <a:rPr lang="en-US" altLang="ko-KR" dirty="0"/>
+              <a:t>(</a:t>
+            </a:r>
+            <a:r>
+              <a:rPr lang="ko-KR" altLang="en-US" dirty="0" err="1"/>
+              <a:t>윤지섭</a:t>
+            </a:r>
+            <a:r>
+              <a:rPr lang="en-US" altLang="ko-KR" dirty="0"/>
+              <a:t>) </a:t>
+            </a:r>
+            <a:r>
+              <a:rPr lang="ko-KR" altLang="en-US" dirty="0" err="1"/>
+              <a:t>느낀점</a:t>
+            </a:r>
+            <a:r>
+              <a:rPr lang="en-US" altLang="ko-KR" dirty="0"/>
+              <a:t>: </a:t>
+            </a:r>
+            <a:r>
+              <a:rPr lang="ko-KR" altLang="en-US" dirty="0"/>
+              <a:t>처음에는 게임을 </a:t>
+            </a:r>
+            <a:r>
+              <a:rPr lang="ko-KR" altLang="en-US" dirty="0" err="1"/>
+              <a:t>개발해야한다는</a:t>
+            </a:r>
+            <a:r>
+              <a:rPr lang="ko-KR" altLang="en-US" dirty="0"/>
+              <a:t> 막연한 느낌에 고민이 있었으나</a:t>
+            </a:r>
+            <a:r>
+              <a:rPr lang="en-US" altLang="ko-KR" dirty="0"/>
+              <a:t>, </a:t>
+            </a:r>
+            <a:r>
+              <a:rPr lang="ko-KR" altLang="en-US" dirty="0"/>
+              <a:t>개발 과정에서 모르는 부분은 도움을 주고 받으며 해결해나가 게임을 만들어서 좋은 경험이 되었다고 생각한다</a:t>
+            </a:r>
+            <a:r>
+              <a:rPr lang="en-US" altLang="ko-KR" dirty="0"/>
+              <a:t>.</a:t>
+            </a:r>
+            <a:endParaRPr lang="ko-KR" altLang="en-US" dirty="0"/>
+          </a:p>
+        </p:txBody>
+      </p:sp>
+      <p:sp>
+        <p:nvSpPr>
+          <p:cNvPr id="4" name="슬라이드 번호 개체 틀 3"/>
+          <p:cNvSpPr>
+            <a:spLocks noGrp="1"/>
+          </p:cNvSpPr>
+          <p:nvPr>
+            <p:ph type="sldNum" sz="quarter" idx="10"/>
+          </p:nvPr>
+        </p:nvSpPr>
+        <p:spPr/>
+        <p:txBody>
+          <a:bodyPr/>
+          <a:lstStyle/>
+          <a:p>
+            <a:fld id="{25253E3C-AF0E-483E-93B2-4288366BC325}" type="slidenum">
+              <a:rPr lang="ko-KR" altLang="en-US" smtClean="0"/>
+              <a:t>12</a:t>
+            </a:fld>
+            <a:endParaRPr lang="ko-KR" altLang="en-US"/>
+          </a:p>
+        </p:txBody>
+      </p:sp>
+    </p:spTree>
+    <p:extLst>
+      <p:ext uri="{BB962C8B-B14F-4D97-AF65-F5344CB8AC3E}">
+        <p14:creationId xmlns:p14="http://schemas.microsoft.com/office/powerpoint/2010/main" val="4263552992"/>
+      </p:ext>
+    </p:extLst>
+  </p:cSld>
+  <p:clrMapOvr>
+    <a:masterClrMapping/>
+  </p:clrMapOvr>
+</p:notes>
 </file>
 
 <file path=ppt/slideLayouts/slideLayout1.xml><?xml version="1.0" encoding="utf-8"?>
@@ -157,10 +768,9 @@
           <a:lstStyle/>
           <a:p>
             <a:r>
-              <a:rPr lang="ko-KR" altLang="en-US" smtClean="0"/>
+              <a:rPr lang="ko-KR" altLang="en-US"/>
               <a:t>마스터 제목 스타일 편집</a:t>
             </a:r>
-            <a:endParaRPr lang="ko-KR" altLang="en-US"/>
           </a:p>
         </p:txBody>
       </p:sp>
@@ -276,10 +886,9 @@
           </a:lstStyle>
           <a:p>
             <a:r>
-              <a:rPr lang="ko-KR" altLang="en-US" smtClean="0"/>
+              <a:rPr lang="ko-KR" altLang="en-US"/>
               <a:t>마스터 부제목 스타일 편집</a:t>
             </a:r>
-            <a:endParaRPr lang="ko-KR" altLang="en-US"/>
           </a:p>
         </p:txBody>
       </p:sp>
@@ -300,7 +909,7 @@
           <a:p>
             <a:fld id="{9F821F1E-6AE0-46FB-8507-DD12BF640D02}" type="datetimeFigureOut">
               <a:rPr lang="ko-KR" altLang="en-US" smtClean="0"/>
-              <a:t>2017-11-18</a:t>
+              <a:t>2017-11-22</a:t>
             </a:fld>
             <a:endParaRPr lang="ko-KR" altLang="en-US"/>
           </a:p>
@@ -394,10 +1003,9 @@
           <a:lstStyle/>
           <a:p>
             <a:r>
-              <a:rPr lang="ko-KR" altLang="en-US" smtClean="0"/>
+              <a:rPr lang="ko-KR" altLang="en-US"/>
               <a:t>마스터 제목 스타일 편집</a:t>
             </a:r>
-            <a:endParaRPr lang="ko-KR" altLang="en-US"/>
           </a:p>
         </p:txBody>
       </p:sp>
@@ -418,38 +1026,37 @@
           <a:p>
             <a:pPr lvl="0"/>
             <a:r>
-              <a:rPr lang="ko-KR" altLang="en-US" smtClean="0"/>
+              <a:rPr lang="ko-KR" altLang="en-US"/>
               <a:t>마스터 텍스트 스타일을 편집합니다</a:t>
             </a:r>
           </a:p>
           <a:p>
             <a:pPr lvl="1"/>
             <a:r>
-              <a:rPr lang="ko-KR" altLang="en-US" smtClean="0"/>
+              <a:rPr lang="ko-KR" altLang="en-US"/>
               <a:t>둘째 수준</a:t>
             </a:r>
           </a:p>
           <a:p>
             <a:pPr lvl="2"/>
             <a:r>
-              <a:rPr lang="ko-KR" altLang="en-US" smtClean="0"/>
+              <a:rPr lang="ko-KR" altLang="en-US"/>
               <a:t>셋째 수준</a:t>
             </a:r>
           </a:p>
           <a:p>
             <a:pPr lvl="3"/>
             <a:r>
-              <a:rPr lang="ko-KR" altLang="en-US" smtClean="0"/>
+              <a:rPr lang="ko-KR" altLang="en-US"/>
               <a:t>넷째 수준</a:t>
             </a:r>
           </a:p>
           <a:p>
             <a:pPr lvl="4"/>
             <a:r>
-              <a:rPr lang="ko-KR" altLang="en-US" smtClean="0"/>
+              <a:rPr lang="ko-KR" altLang="en-US"/>
               <a:t>다섯째 수준</a:t>
             </a:r>
-            <a:endParaRPr lang="ko-KR" altLang="en-US"/>
           </a:p>
         </p:txBody>
       </p:sp>
@@ -470,7 +1077,7 @@
           <a:p>
             <a:fld id="{9F821F1E-6AE0-46FB-8507-DD12BF640D02}" type="datetimeFigureOut">
               <a:rPr lang="ko-KR" altLang="en-US" smtClean="0"/>
-              <a:t>2017-11-18</a:t>
+              <a:t>2017-11-22</a:t>
             </a:fld>
             <a:endParaRPr lang="ko-KR" altLang="en-US"/>
           </a:p>
@@ -569,10 +1176,9 @@
           <a:lstStyle/>
           <a:p>
             <a:r>
-              <a:rPr lang="ko-KR" altLang="en-US" smtClean="0"/>
+              <a:rPr lang="ko-KR" altLang="en-US"/>
               <a:t>마스터 제목 스타일 편집</a:t>
             </a:r>
-            <a:endParaRPr lang="ko-KR" altLang="en-US"/>
           </a:p>
         </p:txBody>
       </p:sp>
@@ -598,38 +1204,37 @@
           <a:p>
             <a:pPr lvl="0"/>
             <a:r>
-              <a:rPr lang="ko-KR" altLang="en-US" smtClean="0"/>
+              <a:rPr lang="ko-KR" altLang="en-US"/>
               <a:t>마스터 텍스트 스타일을 편집합니다</a:t>
             </a:r>
           </a:p>
           <a:p>
             <a:pPr lvl="1"/>
             <a:r>
-              <a:rPr lang="ko-KR" altLang="en-US" smtClean="0"/>
+              <a:rPr lang="ko-KR" altLang="en-US"/>
               <a:t>둘째 수준</a:t>
             </a:r>
           </a:p>
           <a:p>
             <a:pPr lvl="2"/>
             <a:r>
-              <a:rPr lang="ko-KR" altLang="en-US" smtClean="0"/>
+              <a:rPr lang="ko-KR" altLang="en-US"/>
               <a:t>셋째 수준</a:t>
             </a:r>
           </a:p>
           <a:p>
             <a:pPr lvl="3"/>
             <a:r>
-              <a:rPr lang="ko-KR" altLang="en-US" smtClean="0"/>
+              <a:rPr lang="ko-KR" altLang="en-US"/>
               <a:t>넷째 수준</a:t>
             </a:r>
           </a:p>
           <a:p>
             <a:pPr lvl="4"/>
             <a:r>
-              <a:rPr lang="ko-KR" altLang="en-US" smtClean="0"/>
+              <a:rPr lang="ko-KR" altLang="en-US"/>
               <a:t>다섯째 수준</a:t>
             </a:r>
-            <a:endParaRPr lang="ko-KR" altLang="en-US"/>
           </a:p>
         </p:txBody>
       </p:sp>
@@ -650,7 +1255,7 @@
           <a:p>
             <a:fld id="{9F821F1E-6AE0-46FB-8507-DD12BF640D02}" type="datetimeFigureOut">
               <a:rPr lang="ko-KR" altLang="en-US" smtClean="0"/>
-              <a:t>2017-11-18</a:t>
+              <a:t>2017-11-22</a:t>
             </a:fld>
             <a:endParaRPr lang="ko-KR" altLang="en-US"/>
           </a:p>
@@ -744,10 +1349,9 @@
           <a:lstStyle/>
           <a:p>
             <a:r>
-              <a:rPr lang="ko-KR" altLang="en-US" smtClean="0"/>
+              <a:rPr lang="ko-KR" altLang="en-US"/>
               <a:t>마스터 제목 스타일 편집</a:t>
             </a:r>
-            <a:endParaRPr lang="ko-KR" altLang="en-US"/>
           </a:p>
         </p:txBody>
       </p:sp>
@@ -768,38 +1372,37 @@
           <a:p>
             <a:pPr lvl="0"/>
             <a:r>
-              <a:rPr lang="ko-KR" altLang="en-US" smtClean="0"/>
+              <a:rPr lang="ko-KR" altLang="en-US"/>
               <a:t>마스터 텍스트 스타일을 편집합니다</a:t>
             </a:r>
           </a:p>
           <a:p>
             <a:pPr lvl="1"/>
             <a:r>
-              <a:rPr lang="ko-KR" altLang="en-US" smtClean="0"/>
+              <a:rPr lang="ko-KR" altLang="en-US"/>
               <a:t>둘째 수준</a:t>
             </a:r>
           </a:p>
           <a:p>
             <a:pPr lvl="2"/>
             <a:r>
-              <a:rPr lang="ko-KR" altLang="en-US" smtClean="0"/>
+              <a:rPr lang="ko-KR" altLang="en-US"/>
               <a:t>셋째 수준</a:t>
             </a:r>
           </a:p>
           <a:p>
             <a:pPr lvl="3"/>
             <a:r>
-              <a:rPr lang="ko-KR" altLang="en-US" smtClean="0"/>
+              <a:rPr lang="ko-KR" altLang="en-US"/>
               <a:t>넷째 수준</a:t>
             </a:r>
           </a:p>
           <a:p>
             <a:pPr lvl="4"/>
             <a:r>
-              <a:rPr lang="ko-KR" altLang="en-US" smtClean="0"/>
+              <a:rPr lang="ko-KR" altLang="en-US"/>
               <a:t>다섯째 수준</a:t>
             </a:r>
-            <a:endParaRPr lang="ko-KR" altLang="en-US"/>
           </a:p>
         </p:txBody>
       </p:sp>
@@ -820,7 +1423,7 @@
           <a:p>
             <a:fld id="{9F821F1E-6AE0-46FB-8507-DD12BF640D02}" type="datetimeFigureOut">
               <a:rPr lang="ko-KR" altLang="en-US" smtClean="0"/>
-              <a:t>2017-11-18</a:t>
+              <a:t>2017-11-22</a:t>
             </a:fld>
             <a:endParaRPr lang="ko-KR" altLang="en-US"/>
           </a:p>
@@ -923,10 +1526,9 @@
           </a:lstStyle>
           <a:p>
             <a:r>
-              <a:rPr lang="ko-KR" altLang="en-US" smtClean="0"/>
+              <a:rPr lang="ko-KR" altLang="en-US"/>
               <a:t>마스터 제목 스타일 편집</a:t>
             </a:r>
-            <a:endParaRPr lang="ko-KR" altLang="en-US"/>
           </a:p>
         </p:txBody>
       </p:sp>
@@ -1043,7 +1645,7 @@
           <a:p>
             <a:pPr lvl="0"/>
             <a:r>
-              <a:rPr lang="ko-KR" altLang="en-US" smtClean="0"/>
+              <a:rPr lang="ko-KR" altLang="en-US"/>
               <a:t>마스터 텍스트 스타일을 편집합니다</a:t>
             </a:r>
           </a:p>
@@ -1066,7 +1668,7 @@
           <a:p>
             <a:fld id="{9F821F1E-6AE0-46FB-8507-DD12BF640D02}" type="datetimeFigureOut">
               <a:rPr lang="ko-KR" altLang="en-US" smtClean="0"/>
-              <a:t>2017-11-18</a:t>
+              <a:t>2017-11-22</a:t>
             </a:fld>
             <a:endParaRPr lang="ko-KR" altLang="en-US"/>
           </a:p>
@@ -1160,10 +1762,9 @@
           <a:lstStyle/>
           <a:p>
             <a:r>
-              <a:rPr lang="ko-KR" altLang="en-US" smtClean="0"/>
+              <a:rPr lang="ko-KR" altLang="en-US"/>
               <a:t>마스터 제목 스타일 편집</a:t>
             </a:r>
-            <a:endParaRPr lang="ko-KR" altLang="en-US"/>
           </a:p>
         </p:txBody>
       </p:sp>
@@ -1217,38 +1818,37 @@
           <a:p>
             <a:pPr lvl="0"/>
             <a:r>
-              <a:rPr lang="ko-KR" altLang="en-US" smtClean="0"/>
+              <a:rPr lang="ko-KR" altLang="en-US"/>
               <a:t>마스터 텍스트 스타일을 편집합니다</a:t>
             </a:r>
           </a:p>
           <a:p>
             <a:pPr lvl="1"/>
             <a:r>
-              <a:rPr lang="ko-KR" altLang="en-US" smtClean="0"/>
+              <a:rPr lang="ko-KR" altLang="en-US"/>
               <a:t>둘째 수준</a:t>
             </a:r>
           </a:p>
           <a:p>
             <a:pPr lvl="2"/>
             <a:r>
-              <a:rPr lang="ko-KR" altLang="en-US" smtClean="0"/>
+              <a:rPr lang="ko-KR" altLang="en-US"/>
               <a:t>셋째 수준</a:t>
             </a:r>
           </a:p>
           <a:p>
             <a:pPr lvl="3"/>
             <a:r>
-              <a:rPr lang="ko-KR" altLang="en-US" smtClean="0"/>
+              <a:rPr lang="ko-KR" altLang="en-US"/>
               <a:t>넷째 수준</a:t>
             </a:r>
           </a:p>
           <a:p>
             <a:pPr lvl="4"/>
             <a:r>
-              <a:rPr lang="ko-KR" altLang="en-US" smtClean="0"/>
+              <a:rPr lang="ko-KR" altLang="en-US"/>
               <a:t>다섯째 수준</a:t>
             </a:r>
-            <a:endParaRPr lang="ko-KR" altLang="en-US"/>
           </a:p>
         </p:txBody>
       </p:sp>
@@ -1302,38 +1902,37 @@
           <a:p>
             <a:pPr lvl="0"/>
             <a:r>
-              <a:rPr lang="ko-KR" altLang="en-US" smtClean="0"/>
+              <a:rPr lang="ko-KR" altLang="en-US"/>
               <a:t>마스터 텍스트 스타일을 편집합니다</a:t>
             </a:r>
           </a:p>
           <a:p>
             <a:pPr lvl="1"/>
             <a:r>
-              <a:rPr lang="ko-KR" altLang="en-US" smtClean="0"/>
+              <a:rPr lang="ko-KR" altLang="en-US"/>
               <a:t>둘째 수준</a:t>
             </a:r>
           </a:p>
           <a:p>
             <a:pPr lvl="2"/>
             <a:r>
-              <a:rPr lang="ko-KR" altLang="en-US" smtClean="0"/>
+              <a:rPr lang="ko-KR" altLang="en-US"/>
               <a:t>셋째 수준</a:t>
             </a:r>
           </a:p>
           <a:p>
             <a:pPr lvl="3"/>
             <a:r>
-              <a:rPr lang="ko-KR" altLang="en-US" smtClean="0"/>
+              <a:rPr lang="ko-KR" altLang="en-US"/>
               <a:t>넷째 수준</a:t>
             </a:r>
           </a:p>
           <a:p>
             <a:pPr lvl="4"/>
             <a:r>
-              <a:rPr lang="ko-KR" altLang="en-US" smtClean="0"/>
+              <a:rPr lang="ko-KR" altLang="en-US"/>
               <a:t>다섯째 수준</a:t>
             </a:r>
-            <a:endParaRPr lang="ko-KR" altLang="en-US"/>
           </a:p>
         </p:txBody>
       </p:sp>
@@ -1354,7 +1953,7 @@
           <a:p>
             <a:fld id="{9F821F1E-6AE0-46FB-8507-DD12BF640D02}" type="datetimeFigureOut">
               <a:rPr lang="ko-KR" altLang="en-US" smtClean="0"/>
-              <a:t>2017-11-18</a:t>
+              <a:t>2017-11-22</a:t>
             </a:fld>
             <a:endParaRPr lang="ko-KR" altLang="en-US"/>
           </a:p>
@@ -1452,10 +2051,9 @@
           </a:lstStyle>
           <a:p>
             <a:r>
-              <a:rPr lang="ko-KR" altLang="en-US" smtClean="0"/>
+              <a:rPr lang="ko-KR" altLang="en-US"/>
               <a:t>마스터 제목 스타일 편집</a:t>
             </a:r>
-            <a:endParaRPr lang="ko-KR" altLang="en-US"/>
           </a:p>
         </p:txBody>
       </p:sp>
@@ -1518,7 +2116,7 @@
           <a:p>
             <a:pPr lvl="0"/>
             <a:r>
-              <a:rPr lang="ko-KR" altLang="en-US" smtClean="0"/>
+              <a:rPr lang="ko-KR" altLang="en-US"/>
               <a:t>마스터 텍스트 스타일을 편집합니다</a:t>
             </a:r>
           </a:p>
@@ -1574,38 +2172,37 @@
           <a:p>
             <a:pPr lvl="0"/>
             <a:r>
-              <a:rPr lang="ko-KR" altLang="en-US" smtClean="0"/>
+              <a:rPr lang="ko-KR" altLang="en-US"/>
               <a:t>마스터 텍스트 스타일을 편집합니다</a:t>
             </a:r>
           </a:p>
           <a:p>
             <a:pPr lvl="1"/>
             <a:r>
-              <a:rPr lang="ko-KR" altLang="en-US" smtClean="0"/>
+              <a:rPr lang="ko-KR" altLang="en-US"/>
               <a:t>둘째 수준</a:t>
             </a:r>
           </a:p>
           <a:p>
             <a:pPr lvl="2"/>
             <a:r>
-              <a:rPr lang="ko-KR" altLang="en-US" smtClean="0"/>
+              <a:rPr lang="ko-KR" altLang="en-US"/>
               <a:t>셋째 수준</a:t>
             </a:r>
           </a:p>
           <a:p>
             <a:pPr lvl="3"/>
             <a:r>
-              <a:rPr lang="ko-KR" altLang="en-US" smtClean="0"/>
+              <a:rPr lang="ko-KR" altLang="en-US"/>
               <a:t>넷째 수준</a:t>
             </a:r>
           </a:p>
           <a:p>
             <a:pPr lvl="4"/>
             <a:r>
-              <a:rPr lang="ko-KR" altLang="en-US" smtClean="0"/>
+              <a:rPr lang="ko-KR" altLang="en-US"/>
               <a:t>다섯째 수준</a:t>
             </a:r>
-            <a:endParaRPr lang="ko-KR" altLang="en-US"/>
           </a:p>
         </p:txBody>
       </p:sp>
@@ -1668,7 +2265,7 @@
           <a:p>
             <a:pPr lvl="0"/>
             <a:r>
-              <a:rPr lang="ko-KR" altLang="en-US" smtClean="0"/>
+              <a:rPr lang="ko-KR" altLang="en-US"/>
               <a:t>마스터 텍스트 스타일을 편집합니다</a:t>
             </a:r>
           </a:p>
@@ -1724,38 +2321,37 @@
           <a:p>
             <a:pPr lvl="0"/>
             <a:r>
-              <a:rPr lang="ko-KR" altLang="en-US" smtClean="0"/>
+              <a:rPr lang="ko-KR" altLang="en-US"/>
               <a:t>마스터 텍스트 스타일을 편집합니다</a:t>
             </a:r>
           </a:p>
           <a:p>
             <a:pPr lvl="1"/>
             <a:r>
-              <a:rPr lang="ko-KR" altLang="en-US" smtClean="0"/>
+              <a:rPr lang="ko-KR" altLang="en-US"/>
               <a:t>둘째 수준</a:t>
             </a:r>
           </a:p>
           <a:p>
             <a:pPr lvl="2"/>
             <a:r>
-              <a:rPr lang="ko-KR" altLang="en-US" smtClean="0"/>
+              <a:rPr lang="ko-KR" altLang="en-US"/>
               <a:t>셋째 수준</a:t>
             </a:r>
           </a:p>
           <a:p>
             <a:pPr lvl="3"/>
             <a:r>
-              <a:rPr lang="ko-KR" altLang="en-US" smtClean="0"/>
+              <a:rPr lang="ko-KR" altLang="en-US"/>
               <a:t>넷째 수준</a:t>
             </a:r>
           </a:p>
           <a:p>
             <a:pPr lvl="4"/>
             <a:r>
-              <a:rPr lang="ko-KR" altLang="en-US" smtClean="0"/>
+              <a:rPr lang="ko-KR" altLang="en-US"/>
               <a:t>다섯째 수준</a:t>
             </a:r>
-            <a:endParaRPr lang="ko-KR" altLang="en-US"/>
           </a:p>
         </p:txBody>
       </p:sp>
@@ -1776,7 +2372,7 @@
           <a:p>
             <a:fld id="{9F821F1E-6AE0-46FB-8507-DD12BF640D02}" type="datetimeFigureOut">
               <a:rPr lang="ko-KR" altLang="en-US" smtClean="0"/>
-              <a:t>2017-11-18</a:t>
+              <a:t>2017-11-22</a:t>
             </a:fld>
             <a:endParaRPr lang="ko-KR" altLang="en-US"/>
           </a:p>
@@ -1870,10 +2466,9 @@
           <a:lstStyle/>
           <a:p>
             <a:r>
-              <a:rPr lang="ko-KR" altLang="en-US" smtClean="0"/>
+              <a:rPr lang="ko-KR" altLang="en-US"/>
               <a:t>마스터 제목 스타일 편집</a:t>
             </a:r>
-            <a:endParaRPr lang="ko-KR" altLang="en-US"/>
           </a:p>
         </p:txBody>
       </p:sp>
@@ -1894,7 +2489,7 @@
           <a:p>
             <a:fld id="{9F821F1E-6AE0-46FB-8507-DD12BF640D02}" type="datetimeFigureOut">
               <a:rPr lang="ko-KR" altLang="en-US" smtClean="0"/>
-              <a:t>2017-11-18</a:t>
+              <a:t>2017-11-22</a:t>
             </a:fld>
             <a:endParaRPr lang="ko-KR" altLang="en-US"/>
           </a:p>
@@ -1989,7 +2584,7 @@
           <a:p>
             <a:fld id="{9F821F1E-6AE0-46FB-8507-DD12BF640D02}" type="datetimeFigureOut">
               <a:rPr lang="ko-KR" altLang="en-US" smtClean="0"/>
-              <a:t>2017-11-18</a:t>
+              <a:t>2017-11-22</a:t>
             </a:fld>
             <a:endParaRPr lang="ko-KR" altLang="en-US"/>
           </a:p>
@@ -2092,10 +2687,9 @@
           </a:lstStyle>
           <a:p>
             <a:r>
-              <a:rPr lang="ko-KR" altLang="en-US" smtClean="0"/>
+              <a:rPr lang="ko-KR" altLang="en-US"/>
               <a:t>마스터 제목 스타일 편집</a:t>
             </a:r>
-            <a:endParaRPr lang="ko-KR" altLang="en-US"/>
           </a:p>
         </p:txBody>
       </p:sp>
@@ -2149,38 +2743,37 @@
           <a:p>
             <a:pPr lvl="0"/>
             <a:r>
-              <a:rPr lang="ko-KR" altLang="en-US" smtClean="0"/>
+              <a:rPr lang="ko-KR" altLang="en-US"/>
               <a:t>마스터 텍스트 스타일을 편집합니다</a:t>
             </a:r>
           </a:p>
           <a:p>
             <a:pPr lvl="1"/>
             <a:r>
-              <a:rPr lang="ko-KR" altLang="en-US" smtClean="0"/>
+              <a:rPr lang="ko-KR" altLang="en-US"/>
               <a:t>둘째 수준</a:t>
             </a:r>
           </a:p>
           <a:p>
             <a:pPr lvl="2"/>
             <a:r>
-              <a:rPr lang="ko-KR" altLang="en-US" smtClean="0"/>
+              <a:rPr lang="ko-KR" altLang="en-US"/>
               <a:t>셋째 수준</a:t>
             </a:r>
           </a:p>
           <a:p>
             <a:pPr lvl="3"/>
             <a:r>
-              <a:rPr lang="ko-KR" altLang="en-US" smtClean="0"/>
+              <a:rPr lang="ko-KR" altLang="en-US"/>
               <a:t>넷째 수준</a:t>
             </a:r>
           </a:p>
           <a:p>
             <a:pPr lvl="4"/>
             <a:r>
-              <a:rPr lang="ko-KR" altLang="en-US" smtClean="0"/>
+              <a:rPr lang="ko-KR" altLang="en-US"/>
               <a:t>다섯째 수준</a:t>
             </a:r>
-            <a:endParaRPr lang="ko-KR" altLang="en-US"/>
           </a:p>
         </p:txBody>
       </p:sp>
@@ -2243,7 +2836,7 @@
           <a:p>
             <a:pPr lvl="0"/>
             <a:r>
-              <a:rPr lang="ko-KR" altLang="en-US" smtClean="0"/>
+              <a:rPr lang="ko-KR" altLang="en-US"/>
               <a:t>마스터 텍스트 스타일을 편집합니다</a:t>
             </a:r>
           </a:p>
@@ -2266,7 +2859,7 @@
           <a:p>
             <a:fld id="{9F821F1E-6AE0-46FB-8507-DD12BF640D02}" type="datetimeFigureOut">
               <a:rPr lang="ko-KR" altLang="en-US" smtClean="0"/>
-              <a:t>2017-11-18</a:t>
+              <a:t>2017-11-22</a:t>
             </a:fld>
             <a:endParaRPr lang="ko-KR" altLang="en-US"/>
           </a:p>
@@ -2369,10 +2962,9 @@
           </a:lstStyle>
           <a:p>
             <a:r>
-              <a:rPr lang="ko-KR" altLang="en-US" smtClean="0"/>
+              <a:rPr lang="ko-KR" altLang="en-US"/>
               <a:t>마스터 제목 스타일 편집</a:t>
             </a:r>
-            <a:endParaRPr lang="ko-KR" altLang="en-US"/>
           </a:p>
         </p:txBody>
       </p:sp>
@@ -2496,7 +3088,7 @@
           <a:p>
             <a:pPr lvl="0"/>
             <a:r>
-              <a:rPr lang="ko-KR" altLang="en-US" smtClean="0"/>
+              <a:rPr lang="ko-KR" altLang="en-US"/>
               <a:t>마스터 텍스트 스타일을 편집합니다</a:t>
             </a:r>
           </a:p>
@@ -2519,7 +3111,7 @@
           <a:p>
             <a:fld id="{9F821F1E-6AE0-46FB-8507-DD12BF640D02}" type="datetimeFigureOut">
               <a:rPr lang="ko-KR" altLang="en-US" smtClean="0"/>
-              <a:t>2017-11-18</a:t>
+              <a:t>2017-11-22</a:t>
             </a:fld>
             <a:endParaRPr lang="ko-KR" altLang="en-US"/>
           </a:p>
@@ -2628,10 +3220,9 @@
           <a:lstStyle/>
           <a:p>
             <a:r>
-              <a:rPr lang="ko-KR" altLang="en-US" smtClean="0"/>
+              <a:rPr lang="ko-KR" altLang="en-US"/>
               <a:t>마스터 제목 스타일 편집</a:t>
             </a:r>
-            <a:endParaRPr lang="ko-KR" altLang="en-US"/>
           </a:p>
         </p:txBody>
       </p:sp>
@@ -2662,38 +3253,37 @@
           <a:p>
             <a:pPr lvl="0"/>
             <a:r>
-              <a:rPr lang="ko-KR" altLang="en-US" smtClean="0"/>
+              <a:rPr lang="ko-KR" altLang="en-US"/>
               <a:t>마스터 텍스트 스타일을 편집합니다</a:t>
             </a:r>
           </a:p>
           <a:p>
             <a:pPr lvl="1"/>
             <a:r>
-              <a:rPr lang="ko-KR" altLang="en-US" smtClean="0"/>
+              <a:rPr lang="ko-KR" altLang="en-US"/>
               <a:t>둘째 수준</a:t>
             </a:r>
           </a:p>
           <a:p>
             <a:pPr lvl="2"/>
             <a:r>
-              <a:rPr lang="ko-KR" altLang="en-US" smtClean="0"/>
+              <a:rPr lang="ko-KR" altLang="en-US"/>
               <a:t>셋째 수준</a:t>
             </a:r>
           </a:p>
           <a:p>
             <a:pPr lvl="3"/>
             <a:r>
-              <a:rPr lang="ko-KR" altLang="en-US" smtClean="0"/>
+              <a:rPr lang="ko-KR" altLang="en-US"/>
               <a:t>넷째 수준</a:t>
             </a:r>
           </a:p>
           <a:p>
             <a:pPr lvl="4"/>
             <a:r>
-              <a:rPr lang="ko-KR" altLang="en-US" smtClean="0"/>
+              <a:rPr lang="ko-KR" altLang="en-US"/>
               <a:t>다섯째 수준</a:t>
             </a:r>
-            <a:endParaRPr lang="ko-KR" altLang="en-US"/>
           </a:p>
         </p:txBody>
       </p:sp>
@@ -2732,7 +3322,7 @@
           <a:p>
             <a:fld id="{9F821F1E-6AE0-46FB-8507-DD12BF640D02}" type="datetimeFigureOut">
               <a:rPr lang="ko-KR" altLang="en-US" smtClean="0"/>
-              <a:t>2017-11-18</a:t>
+              <a:t>2017-11-22</a:t>
             </a:fld>
             <a:endParaRPr lang="ko-KR" altLang="en-US"/>
           </a:p>
@@ -3226,7 +3816,7 @@
           <a:lstStyle/>
           <a:p>
             <a:r>
-              <a:rPr lang="ko-KR" altLang="en-US" sz="6600" dirty="0" smtClean="0">
+              <a:rPr lang="ko-KR" altLang="en-US" sz="6600" dirty="0">
                 <a:solidFill>
                   <a:schemeClr val="bg1"/>
                 </a:solidFill>
@@ -3242,20 +3832,6 @@
               </a:rPr>
               <a:t>리듬패밀리</a:t>
             </a:r>
-            <a:endParaRPr lang="ko-KR" altLang="en-US" sz="6600" dirty="0">
-              <a:solidFill>
-                <a:schemeClr val="bg1"/>
-              </a:solidFill>
-              <a:effectLst>
-                <a:outerShdw blurRad="304800" sx="102000" sy="102000" algn="ctr" rotWithShape="0">
-                  <a:prstClr val="black">
-                    <a:alpha val="98000"/>
-                  </a:prstClr>
-                </a:outerShdw>
-              </a:effectLst>
-              <a:latin typeface="HY나무B" pitchFamily="18" charset="-127"/>
-              <a:ea typeface="HY나무B" pitchFamily="18" charset="-127"/>
-            </a:endParaRPr>
           </a:p>
         </p:txBody>
       </p:sp>
@@ -3282,7 +3858,7 @@
           <a:lstStyle/>
           <a:p>
             <a:r>
-              <a:rPr lang="ko-KR" altLang="en-US" b="1" dirty="0" smtClean="0">
+              <a:rPr lang="ko-KR" altLang="en-US" b="1" dirty="0">
                 <a:solidFill>
                   <a:schemeClr val="bg1"/>
                 </a:solidFill>
@@ -3299,7 +3875,7 @@
               <a:t>개발팀</a:t>
             </a:r>
             <a:r>
-              <a:rPr lang="en-US" altLang="ko-KR" b="1" dirty="0" smtClean="0">
+              <a:rPr lang="en-US" altLang="ko-KR" b="1" dirty="0">
                 <a:solidFill>
                   <a:schemeClr val="bg1"/>
                 </a:solidFill>
@@ -3316,7 +3892,7 @@
               <a:t>: </a:t>
             </a:r>
             <a:r>
-              <a:rPr lang="ko-KR" altLang="en-US" dirty="0" smtClean="0">
+              <a:rPr lang="ko-KR" altLang="en-US" dirty="0">
                 <a:solidFill>
                   <a:schemeClr val="bg1"/>
                 </a:solidFill>
@@ -3333,7 +3909,7 @@
               <a:t>딜러</a:t>
             </a:r>
             <a:r>
-              <a:rPr lang="en-US" altLang="ko-KR" dirty="0" smtClean="0">
+              <a:rPr lang="en-US" altLang="ko-KR" dirty="0">
                 <a:solidFill>
                   <a:schemeClr val="bg1"/>
                 </a:solidFill>
@@ -3350,7 +3926,7 @@
               <a:t>S</a:t>
             </a:r>
             <a:r>
-              <a:rPr lang="en-US" altLang="ko-KR" dirty="0" smtClean="0">
+              <a:rPr lang="en-US" altLang="ko-KR" dirty="0">
                 <a:solidFill>
                   <a:schemeClr val="bg1"/>
                 </a:solidFill>
@@ -3367,7 +3943,7 @@
               <a:t> (</a:t>
             </a:r>
             <a:r>
-              <a:rPr lang="ko-KR" altLang="en-US" dirty="0" smtClean="0">
+              <a:rPr lang="ko-KR" altLang="en-US" dirty="0">
                 <a:solidFill>
                   <a:schemeClr val="bg1"/>
                 </a:solidFill>
@@ -3384,7 +3960,7 @@
               <a:t>강지원</a:t>
             </a:r>
             <a:r>
-              <a:rPr lang="en-US" altLang="ko-KR" dirty="0" smtClean="0">
+              <a:rPr lang="en-US" altLang="ko-KR" dirty="0">
                 <a:solidFill>
                   <a:schemeClr val="bg1"/>
                 </a:solidFill>
@@ -3401,7 +3977,7 @@
               <a:t>, </a:t>
             </a:r>
             <a:r>
-              <a:rPr lang="ko-KR" altLang="en-US" dirty="0" smtClean="0">
+              <a:rPr lang="ko-KR" altLang="en-US" dirty="0">
                 <a:solidFill>
                   <a:schemeClr val="bg1"/>
                 </a:solidFill>
@@ -3418,7 +3994,7 @@
               <a:t>신동환</a:t>
             </a:r>
             <a:r>
-              <a:rPr lang="en-US" altLang="ko-KR" dirty="0" smtClean="0">
+              <a:rPr lang="en-US" altLang="ko-KR" dirty="0">
                 <a:solidFill>
                   <a:schemeClr val="bg1"/>
                 </a:solidFill>
@@ -3435,7 +4011,7 @@
               <a:t>, </a:t>
             </a:r>
             <a:r>
-              <a:rPr lang="ko-KR" altLang="en-US" dirty="0" smtClean="0">
+              <a:rPr lang="ko-KR" altLang="en-US" dirty="0">
                 <a:solidFill>
                   <a:schemeClr val="bg1"/>
                 </a:solidFill>
@@ -3452,7 +4028,7 @@
               <a:t>조민준</a:t>
             </a:r>
             <a:r>
-              <a:rPr lang="en-US" altLang="ko-KR" dirty="0" smtClean="0">
+              <a:rPr lang="en-US" altLang="ko-KR" dirty="0">
                 <a:solidFill>
                   <a:schemeClr val="bg1"/>
                 </a:solidFill>
@@ -3469,7 +4045,7 @@
               <a:t>, </a:t>
             </a:r>
             <a:r>
-              <a:rPr lang="ko-KR" altLang="en-US" dirty="0" smtClean="0">
+              <a:rPr lang="ko-KR" altLang="en-US" dirty="0">
                 <a:solidFill>
                   <a:schemeClr val="bg1"/>
                 </a:solidFill>
@@ -3486,7 +4062,7 @@
               <a:t>윤지섭</a:t>
             </a:r>
             <a:r>
-              <a:rPr lang="en-US" altLang="ko-KR" dirty="0" smtClean="0">
+              <a:rPr lang="en-US" altLang="ko-KR" dirty="0">
                 <a:solidFill>
                   <a:schemeClr val="bg1"/>
                 </a:solidFill>
@@ -3503,7 +4079,7 @@
               <a:t>, </a:t>
             </a:r>
             <a:r>
-              <a:rPr lang="ko-KR" altLang="en-US" dirty="0" smtClean="0">
+              <a:rPr lang="ko-KR" altLang="en-US" dirty="0">
                 <a:solidFill>
                   <a:schemeClr val="bg1"/>
                 </a:solidFill>
@@ -3520,7 +4096,7 @@
               <a:t>이서진</a:t>
             </a:r>
             <a:r>
-              <a:rPr lang="en-US" altLang="ko-KR" dirty="0" smtClean="0">
+              <a:rPr lang="en-US" altLang="ko-KR" dirty="0">
                 <a:solidFill>
                   <a:schemeClr val="bg1"/>
                 </a:solidFill>
@@ -3537,7 +4113,7 @@
               <a:t>, </a:t>
             </a:r>
             <a:r>
-              <a:rPr lang="ko-KR" altLang="en-US" dirty="0" err="1" smtClean="0">
+              <a:rPr lang="ko-KR" altLang="en-US" dirty="0" err="1">
                 <a:solidFill>
                   <a:schemeClr val="bg1"/>
                 </a:solidFill>
@@ -3554,7 +4130,7 @@
               <a:t>이웅표</a:t>
             </a:r>
             <a:r>
-              <a:rPr lang="en-US" altLang="ko-KR" dirty="0" smtClean="0">
+              <a:rPr lang="en-US" altLang="ko-KR" dirty="0">
                 <a:solidFill>
                   <a:schemeClr val="bg1"/>
                 </a:solidFill>
@@ -3573,7 +4149,7 @@
           </a:p>
           <a:p>
             <a:r>
-              <a:rPr lang="ko-KR" altLang="en-US" b="1" dirty="0" err="1" smtClean="0">
+              <a:rPr lang="ko-KR" altLang="en-US" b="1" dirty="0" err="1">
                 <a:solidFill>
                   <a:schemeClr val="bg1"/>
                 </a:solidFill>
@@ -3590,7 +4166,7 @@
               <a:t>멘토</a:t>
             </a:r>
             <a:r>
-              <a:rPr lang="en-US" altLang="ko-KR" b="1" dirty="0" smtClean="0">
+              <a:rPr lang="en-US" altLang="ko-KR" b="1" dirty="0">
                 <a:solidFill>
                   <a:schemeClr val="bg1"/>
                 </a:solidFill>
@@ -3607,7 +4183,7 @@
               <a:t>: </a:t>
             </a:r>
             <a:r>
-              <a:rPr lang="ko-KR" altLang="en-US" dirty="0" smtClean="0">
+              <a:rPr lang="ko-KR" altLang="en-US" dirty="0">
                 <a:solidFill>
                   <a:schemeClr val="bg1"/>
                 </a:solidFill>
@@ -3624,7 +4200,7 @@
               <a:t>손명진 </a:t>
             </a:r>
             <a:r>
-              <a:rPr lang="ko-KR" altLang="en-US" dirty="0" err="1" smtClean="0">
+              <a:rPr lang="ko-KR" altLang="en-US" dirty="0" err="1">
                 <a:solidFill>
                   <a:schemeClr val="bg1"/>
                 </a:solidFill>
@@ -3667,25 +4243,18 @@
   <p:clrMapOvr>
     <a:masterClrMapping/>
   </p:clrMapOvr>
-  <mc:AlternateContent xmlns:mc="http://schemas.openxmlformats.org/markup-compatibility/2006">
-    <mc:Choice xmlns:p14="http://schemas.microsoft.com/office/powerpoint/2010/main" Requires="p14">
+  <mc:AlternateContent xmlns:mc="http://schemas.openxmlformats.org/markup-compatibility/2006" xmlns:p14="http://schemas.microsoft.com/office/powerpoint/2010/main">
+    <mc:Choice Requires="p14">
       <p:transition spd="med" p14:dur="700">
         <p:fade/>
       </p:transition>
     </mc:Choice>
-    <mc:Fallback>
+    <mc:Fallback xmlns="">
       <p:transition spd="med">
         <p:fade/>
       </p:transition>
     </mc:Fallback>
   </mc:AlternateContent>
-  <p:timing>
-    <p:tnLst>
-      <p:par>
-        <p:cTn id="1" dur="indefinite" restart="never" nodeType="tmRoot"/>
-      </p:par>
-    </p:tnLst>
-  </p:timing>
 </p:sld>
 </file>
 
@@ -3823,10 +4392,9 @@
           <a:lstStyle/>
           <a:p>
             <a:r>
-              <a:rPr lang="ko-KR" altLang="en-US" sz="3200" b="1" dirty="0" smtClean="0"/>
+              <a:rPr lang="ko-KR" altLang="en-US" sz="3200" b="1" dirty="0"/>
               <a:t>플레이 방법</a:t>
             </a:r>
-            <a:endParaRPr lang="ko-KR" altLang="en-US" sz="3200" b="1" dirty="0"/>
           </a:p>
         </p:txBody>
       </p:sp>
@@ -3945,20 +4513,20 @@
           <a:lstStyle/>
           <a:p>
             <a:r>
-              <a:rPr lang="en-US" altLang="ko-KR" sz="3600" dirty="0" smtClean="0">
+              <a:rPr lang="en-US" altLang="ko-KR" sz="3600" dirty="0">
                 <a:latin typeface="HY수평선M" pitchFamily="18" charset="-127"/>
                 <a:ea typeface="HY수평선M" pitchFamily="18" charset="-127"/>
               </a:rPr>
               <a:t>3. </a:t>
             </a:r>
             <a:r>
-              <a:rPr lang="ko-KR" altLang="en-US" sz="3600" dirty="0" smtClean="0">
+              <a:rPr lang="ko-KR" altLang="en-US" sz="3600" dirty="0">
                 <a:latin typeface="HY수평선M" pitchFamily="18" charset="-127"/>
                 <a:ea typeface="HY수평선M" pitchFamily="18" charset="-127"/>
               </a:rPr>
               <a:t>설명에 따라 리듬에 맞춰 플레이</a:t>
             </a:r>
-            <a:endParaRPr lang="en-US" altLang="ko-KR" sz="3600" dirty="0" smtClean="0">
+            <a:endParaRPr lang="en-US" altLang="ko-KR" sz="3600" dirty="0">
               <a:latin typeface="HY수평선M" pitchFamily="18" charset="-127"/>
               <a:ea typeface="HY수평선M" pitchFamily="18" charset="-127"/>
             </a:endParaRPr>
@@ -4328,16 +4896,12 @@
           <a:lstStyle/>
           <a:p>
             <a:r>
-              <a:rPr lang="ko-KR" altLang="en-US" sz="8000" b="1" dirty="0" smtClean="0">
+              <a:rPr lang="ko-KR" altLang="en-US" sz="8000" b="1" dirty="0">
                 <a:latin typeface="HY강M" pitchFamily="18" charset="-127"/>
                 <a:ea typeface="HY강M" pitchFamily="18" charset="-127"/>
               </a:rPr>
               <a:t>영상</a:t>
             </a:r>
-            <a:endParaRPr lang="ko-KR" altLang="en-US" sz="8000" b="1" dirty="0">
-              <a:latin typeface="HY강M" pitchFamily="18" charset="-127"/>
-              <a:ea typeface="HY강M" pitchFamily="18" charset="-127"/>
-            </a:endParaRPr>
           </a:p>
         </p:txBody>
       </p:sp>
@@ -4351,13 +4915,6 @@
   <p:clrMapOvr>
     <a:masterClrMapping/>
   </p:clrMapOvr>
-  <p:timing>
-    <p:tnLst>
-      <p:par>
-        <p:cTn id="1" dur="indefinite" restart="never" nodeType="tmRoot"/>
-      </p:par>
-    </p:tnLst>
-  </p:timing>
 </p:sld>
 </file>
 
@@ -4435,7 +4992,7 @@
           <a:lstStyle/>
           <a:p>
             <a:r>
-              <a:rPr lang="ko-KR" altLang="en-US" sz="3200" b="1" dirty="0" err="1" smtClean="0"/>
+              <a:rPr lang="ko-KR" altLang="en-US" sz="3200" b="1" dirty="0" err="1"/>
               <a:t>느낀점</a:t>
             </a:r>
             <a:endParaRPr lang="ko-KR" altLang="en-US" sz="3200" b="1" dirty="0"/>
@@ -4451,7 +5008,7 @@
         <p:spPr>
           <a:xfrm>
             <a:off x="35496" y="627534"/>
-            <a:ext cx="9433048" cy="3970318"/>
+            <a:ext cx="9001000" cy="3785652"/>
           </a:xfrm>
           <a:prstGeom prst="rect">
             <a:avLst/>
@@ -4465,51 +5022,42 @@
           <a:lstStyle/>
           <a:p>
             <a:r>
-              <a:rPr lang="ko-KR" altLang="en-US" dirty="0" smtClean="0">
+              <a:rPr lang="ko-KR" altLang="en-US" sz="1600" dirty="0">
                 <a:latin typeface="HY수평선M" pitchFamily="18" charset="-127"/>
                 <a:ea typeface="HY수평선M" pitchFamily="18" charset="-127"/>
               </a:rPr>
               <a:t>강지원</a:t>
             </a:r>
             <a:r>
-              <a:rPr lang="en-US" altLang="ko-KR" dirty="0" smtClean="0">
+              <a:rPr lang="en-US" altLang="ko-KR" sz="1600" dirty="0">
                 <a:latin typeface="HY수평선M" pitchFamily="18" charset="-127"/>
                 <a:ea typeface="HY수평선M" pitchFamily="18" charset="-127"/>
               </a:rPr>
               <a:t>: </a:t>
             </a:r>
             <a:r>
-              <a:rPr lang="ko-KR" altLang="en-US" dirty="0" smtClean="0">
+              <a:rPr lang="ko-KR" altLang="en-US" sz="1600" dirty="0">
                 <a:latin typeface="HY수평선M" pitchFamily="18" charset="-127"/>
                 <a:ea typeface="HY수평선M" pitchFamily="18" charset="-127"/>
               </a:rPr>
               <a:t>게임기획자가 꿈이어서 캠프에 지원했는데 여기서 어떻게</a:t>
             </a:r>
             <a:r>
-              <a:rPr lang="en-US" altLang="ko-KR" dirty="0" smtClean="0">
+              <a:rPr lang="en-US" altLang="ko-KR" sz="1600" dirty="0">
                 <a:latin typeface="HY수평선M" pitchFamily="18" charset="-127"/>
                 <a:ea typeface="HY수평선M" pitchFamily="18" charset="-127"/>
               </a:rPr>
-              <a:t>,</a:t>
-            </a:r>
-          </a:p>
-          <a:p>
-            <a:r>
-              <a:rPr lang="en-US" altLang="ko-KR" dirty="0" smtClean="0">
-                <a:latin typeface="HY수평선M" pitchFamily="18" charset="-127"/>
-                <a:ea typeface="HY수평선M" pitchFamily="18" charset="-127"/>
-              </a:rPr>
-              <a:t>           </a:t>
-            </a:r>
-            <a:r>
-              <a:rPr lang="ko-KR" altLang="en-US" dirty="0" smtClean="0">
+              <a:t>, </a:t>
+            </a:r>
+            <a:r>
+              <a:rPr lang="ko-KR" altLang="en-US" sz="1600" dirty="0">
                 <a:latin typeface="HY수평선M" pitchFamily="18" charset="-127"/>
                 <a:ea typeface="HY수평선M" pitchFamily="18" charset="-127"/>
               </a:rPr>
               <a:t>어떤 단계를 거쳐서 게임을 만드는지 알 수 있어서 좋았다</a:t>
             </a:r>
             <a:r>
-              <a:rPr lang="en-US" altLang="ko-KR" dirty="0" smtClean="0">
+              <a:rPr lang="en-US" altLang="ko-KR" sz="1600" dirty="0">
                 <a:latin typeface="HY수평선M" pitchFamily="18" charset="-127"/>
                 <a:ea typeface="HY수평선M" pitchFamily="18" charset="-127"/>
               </a:rPr>
@@ -4518,14 +5066,14 @@
           </a:p>
           <a:p>
             <a:r>
-              <a:rPr lang="ko-KR" altLang="en-US" dirty="0" smtClean="0">
+              <a:rPr lang="ko-KR" altLang="en-US" sz="1600" dirty="0">
                 <a:latin typeface="HY수평선M" pitchFamily="18" charset="-127"/>
                 <a:ea typeface="HY수평선M" pitchFamily="18" charset="-127"/>
               </a:rPr>
               <a:t>신동환</a:t>
             </a:r>
             <a:r>
-              <a:rPr lang="en-US" altLang="ko-KR" dirty="0" smtClean="0">
+              <a:rPr lang="en-US" altLang="ko-KR" sz="1600" dirty="0">
                 <a:latin typeface="HY수평선M" pitchFamily="18" charset="-127"/>
                 <a:ea typeface="HY수평선M" pitchFamily="18" charset="-127"/>
               </a:rPr>
@@ -4533,21 +5081,21 @@
             </a:r>
           </a:p>
           <a:p>
-            <a:endParaRPr lang="en-US" altLang="ko-KR" dirty="0" smtClean="0">
+            <a:endParaRPr lang="en-US" altLang="ko-KR" sz="1600" dirty="0">
               <a:latin typeface="HY수평선M" pitchFamily="18" charset="-127"/>
               <a:ea typeface="HY수평선M" pitchFamily="18" charset="-127"/>
             </a:endParaRPr>
           </a:p>
           <a:p>
             <a:r>
-              <a:rPr lang="ko-KR" altLang="en-US" dirty="0" smtClean="0">
+              <a:rPr lang="ko-KR" altLang="en-US" sz="1600" dirty="0">
                 <a:latin typeface="HY수평선M" pitchFamily="18" charset="-127"/>
                 <a:ea typeface="HY수평선M" pitchFamily="18" charset="-127"/>
               </a:rPr>
               <a:t>조민준</a:t>
             </a:r>
             <a:r>
-              <a:rPr lang="en-US" altLang="ko-KR" dirty="0" smtClean="0">
+              <a:rPr lang="en-US" altLang="ko-KR" sz="1600" dirty="0">
                 <a:latin typeface="HY수평선M" pitchFamily="18" charset="-127"/>
                 <a:ea typeface="HY수평선M" pitchFamily="18" charset="-127"/>
               </a:rPr>
@@ -4555,43 +5103,129 @@
             </a:r>
           </a:p>
           <a:p>
-            <a:endParaRPr lang="en-US" altLang="ko-KR" dirty="0" smtClean="0">
+            <a:endParaRPr lang="en-US" altLang="ko-KR" sz="1600" dirty="0">
               <a:latin typeface="HY수평선M" pitchFamily="18" charset="-127"/>
               <a:ea typeface="HY수평선M" pitchFamily="18" charset="-127"/>
             </a:endParaRPr>
           </a:p>
           <a:p>
             <a:r>
-              <a:rPr lang="ko-KR" altLang="en-US" dirty="0" smtClean="0">
+              <a:rPr lang="ko-KR" altLang="en-US" sz="1600" dirty="0" err="1">
                 <a:latin typeface="HY수평선M" pitchFamily="18" charset="-127"/>
                 <a:ea typeface="HY수평선M" pitchFamily="18" charset="-127"/>
               </a:rPr>
               <a:t>윤지섭</a:t>
             </a:r>
             <a:r>
-              <a:rPr lang="en-US" altLang="ko-KR" dirty="0" smtClean="0">
+              <a:rPr lang="en-US" altLang="ko-KR" sz="1600" dirty="0">
                 <a:latin typeface="HY수평선M" pitchFamily="18" charset="-127"/>
                 <a:ea typeface="HY수평선M" pitchFamily="18" charset="-127"/>
               </a:rPr>
-              <a:t>:</a:t>
+              <a:t>: </a:t>
+            </a:r>
+            <a:r>
+              <a:rPr lang="ko-KR" altLang="en-US" sz="1600" dirty="0">
+                <a:latin typeface="HY수평선M" pitchFamily="18" charset="-127"/>
+                <a:ea typeface="HY수평선M" pitchFamily="18" charset="-127"/>
+              </a:rPr>
+              <a:t>처음에는 게임을 개발해야 한다는 막연한 느낌에 고민이 있었으나</a:t>
+            </a:r>
+            <a:r>
+              <a:rPr lang="en-US" altLang="ko-KR" sz="1600" dirty="0">
+                <a:latin typeface="HY수평선M" pitchFamily="18" charset="-127"/>
+                <a:ea typeface="HY수평선M" pitchFamily="18" charset="-127"/>
+              </a:rPr>
+              <a:t>, </a:t>
+            </a:r>
+            <a:r>
+              <a:rPr lang="ko-KR" altLang="en-US" sz="1600" dirty="0">
+                <a:latin typeface="HY수평선M" pitchFamily="18" charset="-127"/>
+                <a:ea typeface="HY수평선M" pitchFamily="18" charset="-127"/>
+              </a:rPr>
+              <a:t>개발 과정에서 모르는 부분은 도움을 주고 받으며 해결해나가 게임을 만들어서 좋은 경험이 되었다고 생각한다</a:t>
+            </a:r>
+            <a:r>
+              <a:rPr lang="en-US" altLang="ko-KR" sz="1600" dirty="0">
+                <a:latin typeface="HY수평선M" pitchFamily="18" charset="-127"/>
+                <a:ea typeface="HY수평선M" pitchFamily="18" charset="-127"/>
+              </a:rPr>
+              <a:t>.</a:t>
             </a:r>
           </a:p>
           <a:p>
-            <a:endParaRPr lang="en-US" altLang="ko-KR" dirty="0" smtClean="0">
+            <a:r>
+              <a:rPr lang="ko-KR" altLang="en-US" sz="1600" dirty="0">
+                <a:latin typeface="HY수평선M" pitchFamily="18" charset="-127"/>
+                <a:ea typeface="HY수평선M" pitchFamily="18" charset="-127"/>
+              </a:rPr>
+              <a:t>이서진</a:t>
+            </a:r>
+            <a:r>
+              <a:rPr lang="en-US" altLang="ko-KR" sz="1600" dirty="0">
+                <a:latin typeface="HY수평선M" pitchFamily="18" charset="-127"/>
+                <a:ea typeface="HY수평선M" pitchFamily="18" charset="-127"/>
+              </a:rPr>
+              <a:t>: </a:t>
+            </a:r>
+            <a:r>
+              <a:rPr lang="ko-KR" altLang="en-US" sz="1600" dirty="0">
+                <a:latin typeface="HY수평선M" pitchFamily="18" charset="-127"/>
+                <a:ea typeface="HY수평선M" pitchFamily="18" charset="-127"/>
+              </a:rPr>
+              <a:t>처음에는 진짜 할 수 있을까 걱정됐지만</a:t>
+            </a:r>
+            <a:r>
+              <a:rPr lang="en-US" altLang="ko-KR" sz="1600" dirty="0">
+                <a:latin typeface="HY수평선M" pitchFamily="18" charset="-127"/>
+                <a:ea typeface="HY수평선M" pitchFamily="18" charset="-127"/>
+              </a:rPr>
+              <a:t> </a:t>
+            </a:r>
+            <a:r>
+              <a:rPr lang="ko-KR" altLang="en-US" sz="1600" dirty="0">
+                <a:latin typeface="HY수평선M" pitchFamily="18" charset="-127"/>
+                <a:ea typeface="HY수평선M" pitchFamily="18" charset="-127"/>
+              </a:rPr>
+              <a:t>게임을 만들며 뿌듯하고 많이 도와주지 못해서 미안하고 아쉬운 점이 많다</a:t>
+            </a:r>
+            <a:r>
+              <a:rPr lang="en-US" altLang="ko-KR" sz="1600" dirty="0">
+                <a:latin typeface="HY수평선M" pitchFamily="18" charset="-127"/>
+                <a:ea typeface="HY수평선M" pitchFamily="18" charset="-127"/>
+              </a:rPr>
+              <a:t>. </a:t>
+            </a:r>
+            <a:r>
+              <a:rPr lang="ko-KR" altLang="en-US" sz="1600" dirty="0">
+                <a:latin typeface="HY수평선M" pitchFamily="18" charset="-127"/>
+                <a:ea typeface="HY수평선M" pitchFamily="18" charset="-127"/>
+              </a:rPr>
+              <a:t>많은 걸 배우면서 점점 자신이 붙게 된 것 같다</a:t>
+            </a:r>
+            <a:r>
+              <a:rPr lang="en-US" altLang="ko-KR" sz="1600" dirty="0">
+                <a:latin typeface="HY수평선M" pitchFamily="18" charset="-127"/>
+                <a:ea typeface="HY수평선M" pitchFamily="18" charset="-127"/>
+              </a:rPr>
+              <a:t>.</a:t>
+            </a:r>
+          </a:p>
+          <a:p>
+            <a:endParaRPr lang="en-US" altLang="ko-KR" sz="1600" dirty="0">
               <a:latin typeface="HY수평선M" pitchFamily="18" charset="-127"/>
               <a:ea typeface="HY수평선M" pitchFamily="18" charset="-127"/>
             </a:endParaRPr>
           </a:p>
           <a:p>
             <a:r>
-              <a:rPr lang="ko-KR" altLang="en-US" dirty="0" smtClean="0">
+              <a:rPr lang="ko-KR" altLang="en-US" sz="1600" dirty="0" err="1">
                 <a:latin typeface="HY수평선M" pitchFamily="18" charset="-127"/>
                 <a:ea typeface="HY수평선M" pitchFamily="18" charset="-127"/>
               </a:rPr>
-              <a:t>이서진</a:t>
-            </a:r>
-            <a:r>
-              <a:rPr lang="en-US" altLang="ko-KR" dirty="0" smtClean="0">
+              <a:t>이웅표</a:t>
+            </a:r>
+            <a:r>
+              <a:rPr lang="en-US" altLang="ko-KR" sz="1600" dirty="0">
                 <a:latin typeface="HY수평선M" pitchFamily="18" charset="-127"/>
                 <a:ea typeface="HY수평선M" pitchFamily="18" charset="-127"/>
               </a:rPr>
@@ -4599,56 +5233,34 @@
             </a:r>
           </a:p>
           <a:p>
-            <a:endParaRPr lang="en-US" altLang="ko-KR" dirty="0" smtClean="0">
+            <a:endParaRPr lang="en-US" altLang="ko-KR" sz="1600" dirty="0">
               <a:latin typeface="HY수평선M" pitchFamily="18" charset="-127"/>
               <a:ea typeface="HY수평선M" pitchFamily="18" charset="-127"/>
             </a:endParaRPr>
           </a:p>
           <a:p>
-            <a:r>
-              <a:rPr lang="ko-KR" altLang="en-US" dirty="0" err="1" smtClean="0">
-                <a:latin typeface="HY수평선M" pitchFamily="18" charset="-127"/>
-                <a:ea typeface="HY수평선M" pitchFamily="18" charset="-127"/>
-              </a:rPr>
-              <a:t>이웅표</a:t>
-            </a:r>
-            <a:r>
-              <a:rPr lang="en-US" altLang="ko-KR" dirty="0" smtClean="0">
-                <a:latin typeface="HY수평선M" pitchFamily="18" charset="-127"/>
-                <a:ea typeface="HY수평선M" pitchFamily="18" charset="-127"/>
-              </a:rPr>
-              <a:t>:</a:t>
-            </a:r>
-          </a:p>
-          <a:p>
-            <a:endParaRPr lang="en-US" altLang="ko-KR" dirty="0">
+            <a:endParaRPr lang="en-US" altLang="ko-KR" sz="1600" dirty="0">
               <a:latin typeface="HY수평선M" pitchFamily="18" charset="-127"/>
               <a:ea typeface="HY수평선M" pitchFamily="18" charset="-127"/>
             </a:endParaRPr>
           </a:p>
           <a:p>
-            <a:endParaRPr lang="en-US" altLang="ko-KR" dirty="0" smtClean="0">
-              <a:latin typeface="HY수평선M" pitchFamily="18" charset="-127"/>
-              <a:ea typeface="HY수평선M" pitchFamily="18" charset="-127"/>
-            </a:endParaRPr>
-          </a:p>
-          <a:p>
-            <a:r>
-              <a:rPr lang="ko-KR" altLang="en-US" dirty="0" smtClean="0">
+            <a:r>
+              <a:rPr lang="ko-KR" altLang="en-US" sz="1600" dirty="0" err="1">
                 <a:latin typeface="HY수평선M" pitchFamily="18" charset="-127"/>
                 <a:ea typeface="HY수평선M" pitchFamily="18" charset="-127"/>
               </a:rPr>
-              <a:t>손명진 </a:t>
-            </a:r>
-            <a:r>
-              <a:rPr lang="ko-KR" altLang="en-US" dirty="0" err="1" smtClean="0">
+              <a:t>손명진</a:t>
+            </a:r>
+            <a:r>
+              <a:rPr lang="ko-KR" altLang="en-US" sz="1600" dirty="0">
                 <a:latin typeface="HY수평선M" pitchFamily="18" charset="-127"/>
                 <a:ea typeface="HY수평선M" pitchFamily="18" charset="-127"/>
               </a:rPr>
-              <a:t>멘토</a:t>
-            </a:r>
-            <a:r>
-              <a:rPr lang="en-US" altLang="ko-KR" dirty="0" smtClean="0">
+              <a:t> 멘토</a:t>
+            </a:r>
+            <a:r>
+              <a:rPr lang="en-US" altLang="ko-KR" sz="1600" dirty="0">
                 <a:latin typeface="HY수평선M" pitchFamily="18" charset="-127"/>
                 <a:ea typeface="HY수평선M" pitchFamily="18" charset="-127"/>
               </a:rPr>
@@ -4716,13 +5328,6 @@
   <p:clrMapOvr>
     <a:masterClrMapping/>
   </p:clrMapOvr>
-  <p:timing>
-    <p:tnLst>
-      <p:par>
-        <p:cTn id="1" dur="indefinite" restart="never" nodeType="tmRoot"/>
-      </p:par>
-    </p:tnLst>
-  </p:timing>
 </p:sld>
 </file>
 
@@ -4766,7 +5371,7 @@
           <a:lstStyle/>
           <a:p>
             <a:r>
-              <a:rPr lang="en-US" altLang="ko-KR" sz="9600" b="1" dirty="0" smtClean="0">
+              <a:rPr lang="en-US" altLang="ko-KR" sz="9600" b="1" dirty="0">
                 <a:latin typeface="HY강M" pitchFamily="18" charset="-127"/>
                 <a:ea typeface="HY강M" pitchFamily="18" charset="-127"/>
               </a:rPr>
@@ -4789,13 +5394,6 @@
   <p:clrMapOvr>
     <a:masterClrMapping/>
   </p:clrMapOvr>
-  <p:timing>
-    <p:tnLst>
-      <p:par>
-        <p:cTn id="1" dur="indefinite" restart="never" nodeType="tmRoot"/>
-      </p:par>
-    </p:tnLst>
-  </p:timing>
 </p:sld>
 </file>
 
@@ -4890,27 +5488,27 @@
           <a:lstStyle/>
           <a:p>
             <a:r>
-              <a:rPr lang="ko-KR" altLang="en-US" b="1" dirty="0" smtClean="0">
+              <a:rPr lang="ko-KR" altLang="en-US" b="1" dirty="0">
                 <a:latin typeface="HY수평선M" pitchFamily="18" charset="-127"/>
                 <a:ea typeface="HY수평선M" pitchFamily="18" charset="-127"/>
               </a:rPr>
               <a:t>게임 설명</a:t>
             </a:r>
             <a:r>
-              <a:rPr lang="en-US" altLang="ko-KR" b="1" dirty="0" smtClean="0">
+              <a:rPr lang="en-US" altLang="ko-KR" b="1" dirty="0">
                 <a:latin typeface="HY수평선M" pitchFamily="18" charset="-127"/>
                 <a:ea typeface="HY수평선M" pitchFamily="18" charset="-127"/>
               </a:rPr>
               <a:t>: </a:t>
             </a:r>
             <a:r>
-              <a:rPr lang="ko-KR" altLang="en-US" dirty="0" smtClean="0">
+              <a:rPr lang="ko-KR" altLang="en-US" dirty="0">
                 <a:latin typeface="HY수평선M" pitchFamily="18" charset="-127"/>
                 <a:ea typeface="HY수평선M" pitchFamily="18" charset="-127"/>
               </a:rPr>
               <a:t>가족 구성원 모두가 쉽게 즐길 수 있는 리듬게임</a:t>
             </a:r>
-            <a:endParaRPr lang="en-US" altLang="ko-KR" dirty="0" smtClean="0">
+            <a:endParaRPr lang="en-US" altLang="ko-KR" dirty="0">
               <a:latin typeface="HY수평선M" pitchFamily="18" charset="-127"/>
               <a:ea typeface="HY수평선M" pitchFamily="18" charset="-127"/>
             </a:endParaRPr>
@@ -4921,26 +5519,15 @@
                 <a:latin typeface="HY수평선M" pitchFamily="18" charset="-127"/>
                 <a:ea typeface="HY수평선M" pitchFamily="18" charset="-127"/>
               </a:rPr>
-              <a:t> </a:t>
-            </a:r>
-            <a:r>
-              <a:rPr lang="en-US" altLang="ko-KR" dirty="0" smtClean="0">
-                <a:latin typeface="HY수평선M" pitchFamily="18" charset="-127"/>
-                <a:ea typeface="HY수평선M" pitchFamily="18" charset="-127"/>
-              </a:rPr>
-              <a:t>             </a:t>
-            </a:r>
-            <a:r>
-              <a:rPr lang="ko-KR" altLang="en-US" dirty="0" smtClean="0">
+              <a:t>              </a:t>
+            </a:r>
+            <a:r>
+              <a:rPr lang="ko-KR" altLang="en-US" dirty="0">
                 <a:latin typeface="HY수평선M" pitchFamily="18" charset="-127"/>
                 <a:ea typeface="HY수평선M" pitchFamily="18" charset="-127"/>
               </a:rPr>
               <a:t>생활 속의 리듬으로 게임을 진행</a:t>
             </a:r>
-            <a:endParaRPr lang="ko-KR" altLang="en-US" dirty="0">
-              <a:latin typeface="HY수평선M" pitchFamily="18" charset="-127"/>
-              <a:ea typeface="HY수평선M" pitchFamily="18" charset="-127"/>
-            </a:endParaRPr>
           </a:p>
         </p:txBody>
       </p:sp>
@@ -4967,28 +5554,28 @@
           <a:lstStyle/>
           <a:p>
             <a:r>
-              <a:rPr lang="ko-KR" altLang="en-US" b="1" dirty="0" smtClean="0">
+              <a:rPr lang="ko-KR" altLang="en-US" b="1" dirty="0">
                 <a:latin typeface="HY수평선M" pitchFamily="18" charset="-127"/>
                 <a:ea typeface="HY수평선M" pitchFamily="18" charset="-127"/>
               </a:rPr>
               <a:t>주제와의 연관성</a:t>
             </a:r>
             <a:r>
-              <a:rPr lang="en-US" altLang="ko-KR" b="1" dirty="0" smtClean="0">
+              <a:rPr lang="en-US" altLang="ko-KR" b="1" dirty="0">
                 <a:latin typeface="HY수평선M" pitchFamily="18" charset="-127"/>
                 <a:ea typeface="HY수평선M" pitchFamily="18" charset="-127"/>
               </a:rPr>
               <a:t>: </a:t>
             </a:r>
             <a:r>
-              <a:rPr lang="ko-KR" altLang="en-US" dirty="0" smtClean="0">
+              <a:rPr lang="ko-KR" altLang="en-US" dirty="0">
                 <a:latin typeface="HY수평선M" pitchFamily="18" charset="-127"/>
                 <a:ea typeface="HY수평선M" pitchFamily="18" charset="-127"/>
               </a:rPr>
               <a:t>모든 스테이지가 </a:t>
             </a:r>
             <a:r>
-              <a:rPr lang="en-US" altLang="ko-KR" b="1" dirty="0" smtClean="0">
+              <a:rPr lang="en-US" altLang="ko-KR" b="1" dirty="0">
                 <a:solidFill>
                   <a:srgbClr val="FF0000"/>
                 </a:solidFill>
@@ -4998,7 +5585,7 @@
               <a:t>2</a:t>
             </a:r>
             <a:r>
-              <a:rPr lang="ko-KR" altLang="en-US" b="1" dirty="0" smtClean="0">
+              <a:rPr lang="ko-KR" altLang="en-US" b="1" dirty="0">
                 <a:solidFill>
                   <a:srgbClr val="FF0000"/>
                 </a:solidFill>
@@ -5008,14 +5595,14 @@
               <a:t>인용</a:t>
             </a:r>
             <a:r>
-              <a:rPr lang="ko-KR" altLang="en-US" dirty="0" smtClean="0">
+              <a:rPr lang="ko-KR" altLang="en-US" dirty="0">
                 <a:latin typeface="HY수평선M" pitchFamily="18" charset="-127"/>
                 <a:ea typeface="HY수평선M" pitchFamily="18" charset="-127"/>
               </a:rPr>
               <a:t>으로 구성되어 있고</a:t>
             </a:r>
             <a:r>
-              <a:rPr lang="en-US" altLang="ko-KR" dirty="0" smtClean="0">
+              <a:rPr lang="en-US" altLang="ko-KR" dirty="0">
                 <a:latin typeface="HY수평선M" pitchFamily="18" charset="-127"/>
                 <a:ea typeface="HY수평선M" pitchFamily="18" charset="-127"/>
               </a:rPr>
@@ -5024,14 +5611,14 @@
           </a:p>
           <a:p>
             <a:r>
-              <a:rPr lang="en-US" altLang="ko-KR" dirty="0" smtClean="0">
+              <a:rPr lang="en-US" altLang="ko-KR" dirty="0">
                 <a:latin typeface="HY수평선M" pitchFamily="18" charset="-127"/>
                 <a:ea typeface="HY수평선M" pitchFamily="18" charset="-127"/>
               </a:rPr>
               <a:t>                       </a:t>
             </a:r>
             <a:r>
-              <a:rPr lang="ko-KR" altLang="en-US" b="1" dirty="0" smtClean="0">
+              <a:rPr lang="ko-KR" altLang="en-US" b="1" dirty="0">
                 <a:solidFill>
                   <a:srgbClr val="FF0000"/>
                 </a:solidFill>
@@ -5041,14 +5628,14 @@
               <a:t>쉬운 조작법</a:t>
             </a:r>
             <a:r>
-              <a:rPr lang="ko-KR" altLang="en-US" dirty="0" smtClean="0">
+              <a:rPr lang="ko-KR" altLang="en-US" dirty="0">
                 <a:latin typeface="HY수평선M" pitchFamily="18" charset="-127"/>
                 <a:ea typeface="HY수평선M" pitchFamily="18" charset="-127"/>
               </a:rPr>
               <a:t>과 </a:t>
             </a:r>
             <a:r>
-              <a:rPr lang="ko-KR" altLang="en-US" b="1" dirty="0" smtClean="0">
+              <a:rPr lang="ko-KR" altLang="en-US" b="1" dirty="0">
                 <a:solidFill>
                   <a:srgbClr val="FF0000"/>
                 </a:solidFill>
@@ -5058,13 +5645,13 @@
               <a:t>폭력성이 적어 </a:t>
             </a:r>
             <a:r>
-              <a:rPr lang="ko-KR" altLang="en-US" dirty="0" smtClean="0">
+              <a:rPr lang="ko-KR" altLang="en-US" dirty="0">
                 <a:latin typeface="HY수평선M" pitchFamily="18" charset="-127"/>
                 <a:ea typeface="HY수평선M" pitchFamily="18" charset="-127"/>
               </a:rPr>
               <a:t>모든 가족 구성원이</a:t>
             </a:r>
-            <a:endParaRPr lang="en-US" altLang="ko-KR" dirty="0" smtClean="0">
+            <a:endParaRPr lang="en-US" altLang="ko-KR" dirty="0">
               <a:latin typeface="HY수평선M" pitchFamily="18" charset="-127"/>
               <a:ea typeface="HY수평선M" pitchFamily="18" charset="-127"/>
             </a:endParaRPr>
@@ -5075,24 +5662,17 @@
                 <a:latin typeface="HY수평선M" pitchFamily="18" charset="-127"/>
                 <a:ea typeface="HY수평선M" pitchFamily="18" charset="-127"/>
               </a:rPr>
-              <a:t> </a:t>
-            </a:r>
-            <a:r>
-              <a:rPr lang="en-US" altLang="ko-KR" dirty="0" smtClean="0">
-                <a:latin typeface="HY수평선M" pitchFamily="18" charset="-127"/>
-                <a:ea typeface="HY수평선M" pitchFamily="18" charset="-127"/>
-              </a:rPr>
-              <a:t>                      </a:t>
-            </a:r>
-            <a:r>
-              <a:rPr lang="ko-KR" altLang="en-US" dirty="0" smtClean="0">
+              <a:t>                       </a:t>
+            </a:r>
+            <a:r>
+              <a:rPr lang="ko-KR" altLang="en-US" dirty="0">
                 <a:latin typeface="HY수평선M" pitchFamily="18" charset="-127"/>
                 <a:ea typeface="HY수평선M" pitchFamily="18" charset="-127"/>
               </a:rPr>
               <a:t>게임을 즐길 수 있음</a:t>
             </a:r>
             <a:r>
-              <a:rPr lang="en-US" altLang="ko-KR" dirty="0" smtClean="0">
+              <a:rPr lang="en-US" altLang="ko-KR" dirty="0">
                 <a:latin typeface="HY수평선M" pitchFamily="18" charset="-127"/>
                 <a:ea typeface="HY수평선M" pitchFamily="18" charset="-127"/>
               </a:rPr>
@@ -5162,10 +5742,9 @@
           <a:lstStyle/>
           <a:p>
             <a:r>
-              <a:rPr lang="ko-KR" altLang="en-US" sz="3200" b="1" smtClean="0"/>
+              <a:rPr lang="ko-KR" altLang="en-US" sz="3200" b="1"/>
               <a:t>게임 소개</a:t>
             </a:r>
-            <a:endParaRPr lang="ko-KR" altLang="en-US" sz="3200" b="1"/>
           </a:p>
         </p:txBody>
       </p:sp>
@@ -5179,13 +5758,6 @@
   <p:clrMapOvr>
     <a:masterClrMapping/>
   </p:clrMapOvr>
-  <p:timing>
-    <p:tnLst>
-      <p:par>
-        <p:cTn id="1" dur="indefinite" restart="never" nodeType="tmRoot"/>
-      </p:par>
-    </p:tnLst>
-  </p:timing>
 </p:sld>
 </file>
 
@@ -5263,18 +5835,17 @@
           <a:lstStyle/>
           <a:p>
             <a:r>
-              <a:rPr lang="ko-KR" altLang="en-US" sz="3200" b="1" dirty="0" smtClean="0"/>
+              <a:rPr lang="ko-KR" altLang="en-US" sz="3200" b="1" dirty="0"/>
               <a:t>기획 </a:t>
             </a:r>
             <a:r>
-              <a:rPr lang="en-US" altLang="ko-KR" sz="3200" b="1" dirty="0" smtClean="0"/>
+              <a:rPr lang="en-US" altLang="ko-KR" sz="3200" b="1" dirty="0"/>
               <a:t>/ </a:t>
             </a:r>
             <a:r>
-              <a:rPr lang="ko-KR" altLang="en-US" sz="3200" b="1" dirty="0" smtClean="0"/>
+              <a:rPr lang="ko-KR" altLang="en-US" sz="3200" b="1" dirty="0"/>
               <a:t>개발 의도</a:t>
             </a:r>
-            <a:endParaRPr lang="ko-KR" altLang="en-US" sz="3200" b="1" dirty="0"/>
           </a:p>
         </p:txBody>
       </p:sp>
@@ -8162,21 +8733,21 @@
           <a:lstStyle/>
           <a:p>
             <a:r>
-              <a:rPr lang="en-US" altLang="ko-KR" sz="2400" dirty="0" smtClean="0">
+              <a:rPr lang="en-US" altLang="ko-KR" sz="2400" dirty="0">
                 <a:latin typeface="HY수평선M" pitchFamily="18" charset="-127"/>
                 <a:ea typeface="HY수평선M" pitchFamily="18" charset="-127"/>
               </a:rPr>
               <a:t>‘</a:t>
             </a:r>
             <a:r>
-              <a:rPr lang="ko-KR" altLang="en-US" sz="2400" dirty="0" smtClean="0">
+              <a:rPr lang="ko-KR" altLang="en-US" sz="2400" dirty="0">
                 <a:latin typeface="HY수평선M" pitchFamily="18" charset="-127"/>
                 <a:ea typeface="HY수평선M" pitchFamily="18" charset="-127"/>
               </a:rPr>
               <a:t>어떤 게임을 만들어야 모든 가족 구성원이 플레이 할 수 있을까</a:t>
             </a:r>
             <a:r>
-              <a:rPr lang="en-US" altLang="ko-KR" sz="2400" dirty="0" smtClean="0">
+              <a:rPr lang="en-US" altLang="ko-KR" sz="2400" dirty="0">
                 <a:latin typeface="HY수평선M" pitchFamily="18" charset="-127"/>
                 <a:ea typeface="HY수평선M" pitchFamily="18" charset="-127"/>
               </a:rPr>
@@ -8185,48 +8756,48 @@
           </a:p>
           <a:p>
             <a:r>
-              <a:rPr lang="en-US" altLang="ko-KR" sz="2400" dirty="0" smtClean="0">
+              <a:rPr lang="en-US" altLang="ko-KR" sz="2400" dirty="0">
                 <a:latin typeface="HY수평선M" pitchFamily="18" charset="-127"/>
                 <a:ea typeface="HY수평선M" pitchFamily="18" charset="-127"/>
               </a:rPr>
               <a:t>   </a:t>
             </a:r>
             <a:r>
-              <a:rPr lang="ko-KR" altLang="en-US" sz="2400" dirty="0" smtClean="0">
+              <a:rPr lang="ko-KR" altLang="en-US" sz="2400" dirty="0">
                 <a:latin typeface="HY수평선M" pitchFamily="18" charset="-127"/>
                 <a:ea typeface="HY수평선M" pitchFamily="18" charset="-127"/>
               </a:rPr>
               <a:t>라고 생각한 끝에 플레이 방법</a:t>
             </a:r>
             <a:r>
-              <a:rPr lang="en-US" altLang="ko-KR" sz="2400" dirty="0" smtClean="0">
+              <a:rPr lang="en-US" altLang="ko-KR" sz="2400" dirty="0">
                 <a:latin typeface="HY수평선M" pitchFamily="18" charset="-127"/>
                 <a:ea typeface="HY수평선M" pitchFamily="18" charset="-127"/>
               </a:rPr>
               <a:t>(</a:t>
             </a:r>
             <a:r>
-              <a:rPr lang="ko-KR" altLang="en-US" sz="2400" dirty="0" smtClean="0">
+              <a:rPr lang="ko-KR" altLang="en-US" sz="2400" dirty="0">
                 <a:latin typeface="HY수평선M" pitchFamily="18" charset="-127"/>
                 <a:ea typeface="HY수평선M" pitchFamily="18" charset="-127"/>
               </a:rPr>
               <a:t>조작 등</a:t>
             </a:r>
             <a:r>
-              <a:rPr lang="en-US" altLang="ko-KR" sz="2400" dirty="0" smtClean="0">
+              <a:rPr lang="en-US" altLang="ko-KR" sz="2400" dirty="0">
                 <a:latin typeface="HY수평선M" pitchFamily="18" charset="-127"/>
                 <a:ea typeface="HY수평선M" pitchFamily="18" charset="-127"/>
               </a:rPr>
               <a:t>)</a:t>
             </a:r>
             <a:r>
-              <a:rPr lang="ko-KR" altLang="en-US" sz="2400" dirty="0" smtClean="0">
+              <a:rPr lang="ko-KR" altLang="en-US" sz="2400" dirty="0">
                 <a:latin typeface="HY수평선M" pitchFamily="18" charset="-127"/>
                 <a:ea typeface="HY수평선M" pitchFamily="18" charset="-127"/>
               </a:rPr>
               <a:t>이 쉽고 폭력성이 적은</a:t>
             </a:r>
-            <a:endParaRPr lang="en-US" altLang="ko-KR" sz="2400" dirty="0" smtClean="0">
+            <a:endParaRPr lang="en-US" altLang="ko-KR" sz="2400" dirty="0">
               <a:latin typeface="HY수평선M" pitchFamily="18" charset="-127"/>
               <a:ea typeface="HY수평선M" pitchFamily="18" charset="-127"/>
             </a:endParaRPr>
@@ -8237,24 +8808,17 @@
                 <a:latin typeface="HY수평선M" pitchFamily="18" charset="-127"/>
                 <a:ea typeface="HY수평선M" pitchFamily="18" charset="-127"/>
               </a:rPr>
-              <a:t> </a:t>
-            </a:r>
-            <a:r>
-              <a:rPr lang="en-US" altLang="ko-KR" sz="2400" dirty="0" smtClean="0">
-                <a:latin typeface="HY수평선M" pitchFamily="18" charset="-127"/>
-                <a:ea typeface="HY수평선M" pitchFamily="18" charset="-127"/>
-              </a:rPr>
-              <a:t>  </a:t>
-            </a:r>
-            <a:r>
-              <a:rPr lang="ko-KR" altLang="en-US" sz="2400" dirty="0" smtClean="0">
+              <a:t>   </a:t>
+            </a:r>
+            <a:r>
+              <a:rPr lang="ko-KR" altLang="en-US" sz="2400" dirty="0">
                 <a:latin typeface="HY수평선M" pitchFamily="18" charset="-127"/>
                 <a:ea typeface="HY수평선M" pitchFamily="18" charset="-127"/>
               </a:rPr>
               <a:t>장르의 리듬게임을 만들어야겠다고 생각했고</a:t>
             </a:r>
             <a:r>
-              <a:rPr lang="en-US" altLang="ko-KR" sz="2400" dirty="0" smtClean="0">
+              <a:rPr lang="en-US" altLang="ko-KR" sz="2400" dirty="0">
                 <a:latin typeface="HY수평선M" pitchFamily="18" charset="-127"/>
                 <a:ea typeface="HY수평선M" pitchFamily="18" charset="-127"/>
               </a:rPr>
@@ -8267,38 +8831,31 @@
                 <a:latin typeface="HY수평선M" pitchFamily="18" charset="-127"/>
                 <a:ea typeface="HY수평선M" pitchFamily="18" charset="-127"/>
               </a:rPr>
-              <a:t> </a:t>
-            </a:r>
-            <a:r>
-              <a:rPr lang="en-US" altLang="ko-KR" sz="2400" dirty="0" smtClean="0">
-                <a:latin typeface="HY수평선M" pitchFamily="18" charset="-127"/>
-                <a:ea typeface="HY수평선M" pitchFamily="18" charset="-127"/>
-              </a:rPr>
-              <a:t>  [ </a:t>
-            </a:r>
-            <a:r>
-              <a:rPr lang="ko-KR" altLang="en-US" sz="2400" dirty="0" smtClean="0">
+              <a:t>   [ </a:t>
+            </a:r>
+            <a:r>
+              <a:rPr lang="ko-KR" altLang="en-US" sz="2400" dirty="0">
                 <a:latin typeface="HY수평선M" pitchFamily="18" charset="-127"/>
                 <a:ea typeface="HY수평선M" pitchFamily="18" charset="-127"/>
               </a:rPr>
               <a:t>리듬패밀리 </a:t>
             </a:r>
             <a:r>
-              <a:rPr lang="en-US" altLang="ko-KR" sz="2400" dirty="0" smtClean="0">
+              <a:rPr lang="en-US" altLang="ko-KR" sz="2400" dirty="0">
                 <a:latin typeface="HY수평선M" pitchFamily="18" charset="-127"/>
                 <a:ea typeface="HY수평선M" pitchFamily="18" charset="-127"/>
               </a:rPr>
               <a:t>]</a:t>
             </a:r>
             <a:r>
-              <a:rPr lang="ko-KR" altLang="en-US" sz="2400" dirty="0" smtClean="0">
+              <a:rPr lang="ko-KR" altLang="en-US" sz="2400" dirty="0">
                 <a:latin typeface="HY수평선M" pitchFamily="18" charset="-127"/>
                 <a:ea typeface="HY수평선M" pitchFamily="18" charset="-127"/>
               </a:rPr>
               <a:t> 라는 게임을 제작하게 됨</a:t>
             </a:r>
             <a:r>
-              <a:rPr lang="en-US" altLang="ko-KR" sz="2400" dirty="0" smtClean="0">
+              <a:rPr lang="en-US" altLang="ko-KR" sz="2400" dirty="0">
                 <a:latin typeface="HY수평선M" pitchFamily="18" charset="-127"/>
                 <a:ea typeface="HY수평선M" pitchFamily="18" charset="-127"/>
               </a:rPr>
@@ -8737,10 +9294,9 @@
           <a:lstStyle/>
           <a:p>
             <a:r>
-              <a:rPr lang="ko-KR" altLang="en-US" sz="3200" b="1" dirty="0" smtClean="0"/>
+              <a:rPr lang="ko-KR" altLang="en-US" sz="3200" b="1" dirty="0"/>
               <a:t>게임의 재미요소</a:t>
             </a:r>
-            <a:endParaRPr lang="ko-KR" altLang="en-US" sz="3200" b="1" dirty="0"/>
           </a:p>
         </p:txBody>
       </p:sp>
@@ -8770,7 +9326,7 @@
               <a:buAutoNum type="arabicPeriod"/>
             </a:pPr>
             <a:r>
-              <a:rPr lang="ko-KR" altLang="en-US" sz="3600" dirty="0" smtClean="0">
+              <a:rPr lang="ko-KR" altLang="en-US" sz="3600" dirty="0">
                 <a:solidFill>
                   <a:srgbClr val="C00000"/>
                 </a:solidFill>
@@ -8780,14 +9336,14 @@
               <a:t>하나의 키보드</a:t>
             </a:r>
             <a:r>
-              <a:rPr lang="ko-KR" altLang="en-US" sz="3600" dirty="0" smtClean="0">
+              <a:rPr lang="ko-KR" altLang="en-US" sz="3600" dirty="0">
                 <a:latin typeface="HY수평선M" pitchFamily="18" charset="-127"/>
                 <a:ea typeface="HY수평선M" pitchFamily="18" charset="-127"/>
               </a:rPr>
               <a:t>와 각자 </a:t>
             </a:r>
             <a:r>
-              <a:rPr lang="ko-KR" altLang="en-US" sz="3600" dirty="0" smtClean="0">
+              <a:rPr lang="ko-KR" altLang="en-US" sz="3600" dirty="0">
                 <a:solidFill>
                   <a:srgbClr val="C00000"/>
                 </a:solidFill>
@@ -8797,7 +9353,7 @@
               <a:t>버튼 </a:t>
             </a:r>
             <a:r>
-              <a:rPr lang="en-US" altLang="ko-KR" sz="3600" dirty="0" smtClean="0">
+              <a:rPr lang="en-US" altLang="ko-KR" sz="3600" dirty="0">
                 <a:solidFill>
                   <a:srgbClr val="C00000"/>
                 </a:solidFill>
@@ -8807,7 +9363,7 @@
               <a:t>1~2</a:t>
             </a:r>
             <a:r>
-              <a:rPr lang="ko-KR" altLang="en-US" sz="3600" dirty="0" smtClean="0">
+              <a:rPr lang="ko-KR" altLang="en-US" sz="3600" dirty="0">
                 <a:solidFill>
                   <a:srgbClr val="C00000"/>
                 </a:solidFill>
@@ -8817,7 +9373,7 @@
               <a:t>개</a:t>
             </a:r>
             <a:r>
-              <a:rPr lang="ko-KR" altLang="en-US" sz="3600" dirty="0" smtClean="0">
+              <a:rPr lang="ko-KR" altLang="en-US" sz="3600" dirty="0">
                 <a:latin typeface="HY수평선M" pitchFamily="18" charset="-127"/>
                 <a:ea typeface="HY수평선M" pitchFamily="18" charset="-127"/>
               </a:rPr>
@@ -8830,41 +9386,41 @@
           </a:p>
           <a:p>
             <a:r>
-              <a:rPr lang="ko-KR" altLang="en-US" sz="3600" dirty="0" smtClean="0">
+              <a:rPr lang="ko-KR" altLang="en-US" sz="3600" dirty="0">
                 <a:latin typeface="HY수평선M" pitchFamily="18" charset="-127"/>
                 <a:ea typeface="HY수평선M" pitchFamily="18" charset="-127"/>
               </a:rPr>
               <a:t>    </a:t>
             </a:r>
             <a:r>
-              <a:rPr lang="ko-KR" altLang="en-US" sz="2400" dirty="0" smtClean="0">
+              <a:rPr lang="ko-KR" altLang="en-US" sz="2400" dirty="0">
                 <a:latin typeface="HY수평선M" pitchFamily="18" charset="-127"/>
                 <a:ea typeface="HY수평선M" pitchFamily="18" charset="-127"/>
               </a:rPr>
               <a:t> </a:t>
             </a:r>
             <a:r>
-              <a:rPr lang="ko-KR" altLang="en-US" sz="3600" dirty="0" smtClean="0">
+              <a:rPr lang="ko-KR" altLang="en-US" sz="3600" dirty="0">
                 <a:latin typeface="HY수평선M" pitchFamily="18" charset="-127"/>
                 <a:ea typeface="HY수평선M" pitchFamily="18" charset="-127"/>
               </a:rPr>
               <a:t>간단하고</a:t>
             </a:r>
             <a:r>
-              <a:rPr lang="en-US" altLang="ko-KR" sz="3600" dirty="0" smtClean="0">
+              <a:rPr lang="en-US" altLang="ko-KR" sz="3600" dirty="0">
                 <a:latin typeface="HY수평선M" pitchFamily="18" charset="-127"/>
                 <a:ea typeface="HY수평선M" pitchFamily="18" charset="-127"/>
               </a:rPr>
               <a:t> </a:t>
             </a:r>
             <a:r>
-              <a:rPr lang="ko-KR" altLang="en-US" sz="3600" dirty="0" smtClean="0">
+              <a:rPr lang="ko-KR" altLang="en-US" sz="3600" dirty="0">
                 <a:latin typeface="HY수평선M" pitchFamily="18" charset="-127"/>
                 <a:ea typeface="HY수평선M" pitchFamily="18" charset="-127"/>
               </a:rPr>
               <a:t>쉽게 조작 가능</a:t>
             </a:r>
-            <a:endParaRPr lang="en-US" altLang="ko-KR" sz="3600" dirty="0" smtClean="0">
+            <a:endParaRPr lang="en-US" altLang="ko-KR" sz="3600" dirty="0">
               <a:latin typeface="HY수평선M" pitchFamily="18" charset="-127"/>
               <a:ea typeface="HY수평선M" pitchFamily="18" charset="-127"/>
             </a:endParaRPr>
@@ -12206,10 +12762,9 @@
           <a:lstStyle/>
           <a:p>
             <a:r>
-              <a:rPr lang="ko-KR" altLang="en-US" sz="3200" b="1" dirty="0" smtClean="0"/>
+              <a:rPr lang="ko-KR" altLang="en-US" sz="3200" b="1" dirty="0"/>
               <a:t>게임의 재미요소</a:t>
             </a:r>
-            <a:endParaRPr lang="ko-KR" altLang="en-US" sz="3200" b="1" dirty="0"/>
           </a:p>
         </p:txBody>
       </p:sp>
@@ -12240,17 +12795,10 @@
                 <a:latin typeface="HY수평선M" pitchFamily="18" charset="-127"/>
                 <a:ea typeface="HY수평선M" pitchFamily="18" charset="-127"/>
               </a:rPr>
-              <a:t>2</a:t>
-            </a:r>
-            <a:r>
-              <a:rPr lang="en-US" altLang="ko-KR" sz="3600" b="1" dirty="0" smtClean="0">
-                <a:latin typeface="HY수평선M" pitchFamily="18" charset="-127"/>
-                <a:ea typeface="HY수평선M" pitchFamily="18" charset="-127"/>
-              </a:rPr>
-              <a:t>. </a:t>
-            </a:r>
-            <a:r>
-              <a:rPr lang="ko-KR" altLang="en-US" sz="3600" dirty="0" smtClean="0">
+              <a:t>2. </a:t>
+            </a:r>
+            <a:r>
+              <a:rPr lang="ko-KR" altLang="en-US" sz="3600" dirty="0">
                 <a:solidFill>
                   <a:srgbClr val="C00000"/>
                 </a:solidFill>
@@ -12260,14 +12808,14 @@
               <a:t>협동 모드</a:t>
             </a:r>
             <a:r>
-              <a:rPr lang="ko-KR" altLang="en-US" sz="3600" dirty="0" smtClean="0">
+              <a:rPr lang="ko-KR" altLang="en-US" sz="3600" dirty="0">
                 <a:latin typeface="HY수평선M" pitchFamily="18" charset="-127"/>
                 <a:ea typeface="HY수평선M" pitchFamily="18" charset="-127"/>
               </a:rPr>
               <a:t>와 </a:t>
             </a:r>
             <a:r>
-              <a:rPr lang="ko-KR" altLang="en-US" sz="3600" dirty="0" smtClean="0">
+              <a:rPr lang="ko-KR" altLang="en-US" sz="3600" dirty="0">
                 <a:solidFill>
                   <a:srgbClr val="C00000"/>
                 </a:solidFill>
@@ -12277,7 +12825,7 @@
               <a:t>경쟁 모드</a:t>
             </a:r>
             <a:r>
-              <a:rPr lang="ko-KR" altLang="en-US" sz="3600" dirty="0" smtClean="0">
+              <a:rPr lang="ko-KR" altLang="en-US" sz="3600" dirty="0">
                 <a:latin typeface="HY수평선M" pitchFamily="18" charset="-127"/>
                 <a:ea typeface="HY수평선M" pitchFamily="18" charset="-127"/>
               </a:rPr>
@@ -12290,23 +12838,19 @@
           </a:p>
           <a:p>
             <a:r>
-              <a:rPr lang="en-US" altLang="ko-KR" sz="3600" dirty="0" smtClean="0">
+              <a:rPr lang="en-US" altLang="ko-KR" sz="3600" dirty="0">
                 <a:latin typeface="HY수평선M" pitchFamily="18" charset="-127"/>
                 <a:ea typeface="HY수평선M" pitchFamily="18" charset="-127"/>
               </a:rPr>
               <a:t>    </a:t>
             </a:r>
             <a:r>
-              <a:rPr lang="ko-KR" altLang="en-US" sz="3600" dirty="0" smtClean="0">
+              <a:rPr lang="ko-KR" altLang="en-US" sz="3600" dirty="0">
                 <a:latin typeface="HY수평선M" pitchFamily="18" charset="-127"/>
                 <a:ea typeface="HY수평선M" pitchFamily="18" charset="-127"/>
               </a:rPr>
               <a:t>각각 다른 스타일의 플레이가 가능</a:t>
             </a:r>
-            <a:endParaRPr lang="ko-KR" altLang="en-US" sz="3600" dirty="0">
-              <a:latin typeface="HY수평선M" pitchFamily="18" charset="-127"/>
-              <a:ea typeface="HY수평선M" pitchFamily="18" charset="-127"/>
-            </a:endParaRPr>
           </a:p>
         </p:txBody>
       </p:sp>
@@ -13000,7 +13544,7 @@
               <a:lstStyle/>
               <a:p>
                 <a:r>
-                  <a:rPr lang="en-US" altLang="ko-KR" sz="7200" b="1" dirty="0" smtClean="0">
+                  <a:rPr lang="en-US" altLang="ko-KR" sz="7200" b="1" dirty="0">
                     <a:solidFill>
                       <a:schemeClr val="bg1"/>
                     </a:solidFill>
@@ -14582,7 +15126,7 @@
               <a:lstStyle/>
               <a:p>
                 <a:r>
-                  <a:rPr lang="en-US" altLang="ko-KR" sz="7200" b="1" dirty="0" smtClean="0">
+                  <a:rPr lang="en-US" altLang="ko-KR" sz="7200" b="1" dirty="0">
                     <a:solidFill>
                       <a:schemeClr val="bg1"/>
                     </a:solidFill>
@@ -16234,10 +16778,9 @@
           <a:lstStyle/>
           <a:p>
             <a:r>
-              <a:rPr lang="ko-KR" altLang="en-US" sz="3200" b="1" dirty="0" smtClean="0"/>
+              <a:rPr lang="ko-KR" altLang="en-US" sz="3200" b="1" dirty="0"/>
               <a:t>게임의 재미요소</a:t>
             </a:r>
-            <a:endParaRPr lang="ko-KR" altLang="en-US" sz="3200" b="1" dirty="0"/>
           </a:p>
         </p:txBody>
       </p:sp>
@@ -16268,17 +16811,10 @@
                 <a:latin typeface="HY수평선M" pitchFamily="18" charset="-127"/>
                 <a:ea typeface="HY수평선M" pitchFamily="18" charset="-127"/>
               </a:rPr>
-              <a:t>3</a:t>
-            </a:r>
-            <a:r>
-              <a:rPr lang="en-US" altLang="ko-KR" sz="3600" b="1" dirty="0" smtClean="0">
-                <a:latin typeface="HY수평선M" pitchFamily="18" charset="-127"/>
-                <a:ea typeface="HY수평선M" pitchFamily="18" charset="-127"/>
-              </a:rPr>
-              <a:t>. </a:t>
-            </a:r>
-            <a:r>
-              <a:rPr lang="ko-KR" altLang="en-US" sz="3600" dirty="0" smtClean="0">
+              <a:t>3. </a:t>
+            </a:r>
+            <a:r>
+              <a:rPr lang="ko-KR" altLang="en-US" sz="3600" dirty="0">
                 <a:latin typeface="HY수평선M" pitchFamily="18" charset="-127"/>
                 <a:ea typeface="HY수평선M" pitchFamily="18" charset="-127"/>
               </a:rPr>
@@ -16292,7 +16828,7 @@
               <a:t> </a:t>
             </a:r>
             <a:r>
-              <a:rPr lang="ko-KR" altLang="en-US" sz="3600" dirty="0" smtClean="0">
+              <a:rPr lang="ko-KR" altLang="en-US" sz="3600" dirty="0">
                 <a:solidFill>
                   <a:srgbClr val="C00000"/>
                 </a:solidFill>
@@ -16301,7 +16837,7 @@
               </a:rPr>
               <a:t>다양한 패턴의</a:t>
             </a:r>
-            <a:endParaRPr lang="en-US" altLang="ko-KR" sz="3600" dirty="0" smtClean="0">
+            <a:endParaRPr lang="en-US" altLang="ko-KR" sz="3600" dirty="0">
               <a:solidFill>
                 <a:srgbClr val="C00000"/>
               </a:solidFill>
@@ -16318,20 +16854,10 @@
                 <a:latin typeface="HY수평선M" pitchFamily="18" charset="-127"/>
                 <a:ea typeface="HY수평선M" pitchFamily="18" charset="-127"/>
               </a:rPr>
-              <a:t> </a:t>
-            </a:r>
-            <a:r>
-              <a:rPr lang="en-US" altLang="ko-KR" sz="3600" dirty="0" smtClean="0">
-                <a:solidFill>
-                  <a:srgbClr val="C00000"/>
-                </a:solidFill>
-                <a:latin typeface="HY수평선M" pitchFamily="18" charset="-127"/>
-                <a:ea typeface="HY수평선M" pitchFamily="18" charset="-127"/>
-              </a:rPr>
-              <a:t>   </a:t>
-            </a:r>
-            <a:r>
-              <a:rPr lang="ko-KR" altLang="en-US" sz="3600" dirty="0" smtClean="0">
+              <a:t>    </a:t>
+            </a:r>
+            <a:r>
+              <a:rPr lang="ko-KR" altLang="en-US" sz="3600" dirty="0">
                 <a:solidFill>
                   <a:srgbClr val="C00000"/>
                 </a:solidFill>
@@ -16341,16 +16867,12 @@
               <a:t>리듬</a:t>
             </a:r>
             <a:r>
-              <a:rPr lang="ko-KR" altLang="en-US" sz="3600" dirty="0" smtClean="0">
+              <a:rPr lang="ko-KR" altLang="en-US" sz="3600" dirty="0">
                 <a:latin typeface="HY수평선M" pitchFamily="18" charset="-127"/>
                 <a:ea typeface="HY수평선M" pitchFamily="18" charset="-127"/>
               </a:rPr>
               <a:t>이 나와 더 즐겁게 플레이 가능</a:t>
             </a:r>
-            <a:endParaRPr lang="ko-KR" altLang="en-US" sz="3600" dirty="0">
-              <a:latin typeface="HY수평선M" pitchFamily="18" charset="-127"/>
-              <a:ea typeface="HY수평선M" pitchFamily="18" charset="-127"/>
-            </a:endParaRPr>
           </a:p>
         </p:txBody>
       </p:sp>
@@ -18773,7 +19295,7 @@
                 <a:lstStyle/>
                 <a:p>
                   <a:r>
-                    <a:rPr lang="ko-KR" altLang="en-US" b="1" dirty="0" smtClean="0">
+                    <a:rPr lang="ko-KR" altLang="en-US" b="1" dirty="0">
                       <a:solidFill>
                         <a:schemeClr val="tx1"/>
                       </a:solidFill>
@@ -18781,7 +19303,7 @@
                     <a:t>패턴 </a:t>
                   </a:r>
                   <a:r>
-                    <a:rPr lang="en-US" altLang="ko-KR" b="1" dirty="0" smtClean="0">
+                    <a:rPr lang="en-US" altLang="ko-KR" b="1" dirty="0">
                       <a:solidFill>
                         <a:schemeClr val="tx1"/>
                       </a:solidFill>
@@ -18797,7 +19319,7 @@
                   </a:endParaRPr>
                 </a:p>
                 <a:p>
-                  <a:endParaRPr lang="en-US" altLang="ko-KR" b="1" dirty="0" smtClean="0">
+                  <a:endParaRPr lang="en-US" altLang="ko-KR" b="1" dirty="0">
                     <a:solidFill>
                       <a:schemeClr val="tx1"/>
                     </a:solidFill>
@@ -20053,7 +20575,7 @@
                 <a:lstStyle/>
                 <a:p>
                   <a:r>
-                    <a:rPr lang="ko-KR" altLang="en-US" b="1" dirty="0" smtClean="0">
+                    <a:rPr lang="ko-KR" altLang="en-US" b="1" dirty="0">
                       <a:solidFill>
                         <a:schemeClr val="tx1"/>
                       </a:solidFill>
@@ -20061,7 +20583,7 @@
                     <a:t>패턴 </a:t>
                   </a:r>
                   <a:r>
-                    <a:rPr lang="en-US" altLang="ko-KR" b="1" dirty="0" smtClean="0">
+                    <a:rPr lang="en-US" altLang="ko-KR" b="1" dirty="0">
                       <a:solidFill>
                         <a:schemeClr val="tx1"/>
                       </a:solidFill>
@@ -20077,7 +20599,7 @@
                   </a:endParaRPr>
                 </a:p>
                 <a:p>
-                  <a:endParaRPr lang="en-US" altLang="ko-KR" b="1" dirty="0" smtClean="0">
+                  <a:endParaRPr lang="en-US" altLang="ko-KR" b="1" dirty="0">
                     <a:solidFill>
                       <a:schemeClr val="tx1"/>
                     </a:solidFill>
@@ -20959,18 +21481,13 @@
           <a:p>
             <a:pPr algn="ctr"/>
             <a:r>
-              <a:rPr lang="ko-KR" altLang="en-US" sz="6600" b="1" dirty="0" smtClean="0">
+              <a:rPr lang="ko-KR" altLang="en-US" sz="6600" b="1" dirty="0">
                 <a:solidFill>
                   <a:schemeClr val="bg1"/>
                 </a:solidFill>
               </a:rPr>
               <a:t>플레이 방법</a:t>
             </a:r>
-            <a:endParaRPr lang="ko-KR" altLang="en-US" sz="6600" b="1" dirty="0">
-              <a:solidFill>
-                <a:schemeClr val="bg1"/>
-              </a:solidFill>
-            </a:endParaRPr>
           </a:p>
         </p:txBody>
       </p:sp>
@@ -20984,25 +21501,18 @@
   <p:clrMapOvr>
     <a:masterClrMapping/>
   </p:clrMapOvr>
-  <mc:AlternateContent xmlns:mc="http://schemas.openxmlformats.org/markup-compatibility/2006">
-    <mc:Choice xmlns:p14="http://schemas.microsoft.com/office/powerpoint/2010/main" Requires="p14">
+  <mc:AlternateContent xmlns:mc="http://schemas.openxmlformats.org/markup-compatibility/2006" xmlns:p14="http://schemas.microsoft.com/office/powerpoint/2010/main">
+    <mc:Choice Requires="p14">
       <p:transition spd="med" p14:dur="700">
         <p:fade/>
       </p:transition>
     </mc:Choice>
-    <mc:Fallback>
+    <mc:Fallback xmlns="">
       <p:transition spd="med">
         <p:fade/>
       </p:transition>
     </mc:Fallback>
   </mc:AlternateContent>
-  <p:timing>
-    <p:tnLst>
-      <p:par>
-        <p:cTn id="1" dur="indefinite" restart="never" nodeType="tmRoot"/>
-      </p:par>
-    </p:tnLst>
-  </p:timing>
 </p:sld>
 </file>
 
@@ -21080,10 +21590,9 @@
           <a:lstStyle/>
           <a:p>
             <a:r>
-              <a:rPr lang="ko-KR" altLang="en-US" sz="3200" b="1" dirty="0" smtClean="0"/>
+              <a:rPr lang="ko-KR" altLang="en-US" sz="3200" b="1" dirty="0"/>
               <a:t>플레이 방법</a:t>
             </a:r>
-            <a:endParaRPr lang="ko-KR" altLang="en-US" sz="3200" b="1" dirty="0"/>
           </a:p>
         </p:txBody>
       </p:sp>
@@ -21185,34 +21694,34 @@
           <a:lstStyle/>
           <a:p>
             <a:r>
-              <a:rPr lang="en-US" altLang="ko-KR" sz="3600" dirty="0" smtClean="0">
+              <a:rPr lang="en-US" altLang="ko-KR" sz="3600" dirty="0">
                 <a:latin typeface="HY수평선M" pitchFamily="18" charset="-127"/>
                 <a:ea typeface="HY수평선M" pitchFamily="18" charset="-127"/>
               </a:rPr>
               <a:t>1. </a:t>
             </a:r>
             <a:r>
-              <a:rPr lang="ko-KR" altLang="en-US" sz="3600" dirty="0" smtClean="0">
+              <a:rPr lang="ko-KR" altLang="en-US" sz="3600" dirty="0">
                 <a:latin typeface="HY수평선M" pitchFamily="18" charset="-127"/>
                 <a:ea typeface="HY수평선M" pitchFamily="18" charset="-127"/>
               </a:rPr>
               <a:t>경쟁 모드와 협동 </a:t>
             </a:r>
             <a:r>
-              <a:rPr lang="ko-KR" altLang="en-US" sz="3600" dirty="0" err="1" smtClean="0">
+              <a:rPr lang="ko-KR" altLang="en-US" sz="3600" dirty="0" err="1">
                 <a:latin typeface="HY수평선M" pitchFamily="18" charset="-127"/>
                 <a:ea typeface="HY수평선M" pitchFamily="18" charset="-127"/>
               </a:rPr>
               <a:t>모드중</a:t>
             </a:r>
             <a:r>
-              <a:rPr lang="ko-KR" altLang="en-US" sz="3600" dirty="0" smtClean="0">
+              <a:rPr lang="ko-KR" altLang="en-US" sz="3600" dirty="0">
                 <a:latin typeface="HY수평선M" pitchFamily="18" charset="-127"/>
                 <a:ea typeface="HY수평선M" pitchFamily="18" charset="-127"/>
               </a:rPr>
               <a:t> 하나를 선택</a:t>
             </a:r>
-            <a:endParaRPr lang="en-US" altLang="ko-KR" sz="3600" dirty="0" smtClean="0">
+            <a:endParaRPr lang="en-US" altLang="ko-KR" sz="3600" dirty="0">
               <a:latin typeface="HY수평선M" pitchFamily="18" charset="-127"/>
               <a:ea typeface="HY수평선M" pitchFamily="18" charset="-127"/>
             </a:endParaRPr>
@@ -21518,10 +22027,9 @@
           <a:lstStyle/>
           <a:p>
             <a:r>
-              <a:rPr lang="ko-KR" altLang="en-US" sz="3200" b="1" dirty="0" smtClean="0"/>
+              <a:rPr lang="ko-KR" altLang="en-US" sz="3200" b="1" dirty="0"/>
               <a:t>플레이 방법</a:t>
             </a:r>
-            <a:endParaRPr lang="ko-KR" altLang="en-US" sz="3200" b="1" dirty="0"/>
           </a:p>
         </p:txBody>
       </p:sp>
@@ -21552,23 +22060,16 @@
                 <a:latin typeface="HY수평선M" pitchFamily="18" charset="-127"/>
                 <a:ea typeface="HY수평선M" pitchFamily="18" charset="-127"/>
               </a:rPr>
-              <a:t>2</a:t>
-            </a:r>
-            <a:r>
-              <a:rPr lang="en-US" altLang="ko-KR" sz="3600" dirty="0" smtClean="0">
-                <a:latin typeface="HY수평선M" pitchFamily="18" charset="-127"/>
-                <a:ea typeface="HY수평선M" pitchFamily="18" charset="-127"/>
-              </a:rPr>
-              <a:t>. </a:t>
-            </a:r>
-            <a:r>
-              <a:rPr lang="ko-KR" altLang="en-US" sz="3600" dirty="0" smtClean="0">
+              <a:t>2. </a:t>
+            </a:r>
+            <a:r>
+              <a:rPr lang="ko-KR" altLang="en-US" sz="3600" dirty="0">
                 <a:latin typeface="HY수평선M" pitchFamily="18" charset="-127"/>
                 <a:ea typeface="HY수평선M" pitchFamily="18" charset="-127"/>
               </a:rPr>
               <a:t>그 모드에 해당하는 게임을 선택</a:t>
             </a:r>
-            <a:endParaRPr lang="en-US" altLang="ko-KR" sz="3600" dirty="0" smtClean="0">
+            <a:endParaRPr lang="en-US" altLang="ko-KR" sz="3600" dirty="0">
               <a:latin typeface="HY수평선M" pitchFamily="18" charset="-127"/>
               <a:ea typeface="HY수평선M" pitchFamily="18" charset="-127"/>
             </a:endParaRPr>
@@ -21680,7 +22181,7 @@
           <a:lstStyle/>
           <a:p>
             <a:r>
-              <a:rPr lang="ko-KR" altLang="en-US" sz="2000" dirty="0" smtClean="0">
+              <a:rPr lang="ko-KR" altLang="en-US" sz="2000" dirty="0">
                 <a:effectLst>
                   <a:outerShdw blurRad="469900" sx="102000" sy="102000" algn="ctr" rotWithShape="0">
                     <a:prstClr val="black">
@@ -21694,7 +22195,7 @@
               <a:t>협동모드</a:t>
             </a:r>
             <a:r>
-              <a:rPr lang="en-US" altLang="ko-KR" sz="2000" dirty="0" smtClean="0">
+              <a:rPr lang="en-US" altLang="ko-KR" sz="2000" dirty="0">
                 <a:effectLst>
                   <a:outerShdw blurRad="469900" sx="102000" sy="102000" algn="ctr" rotWithShape="0">
                     <a:prstClr val="black">
@@ -21710,7 +22211,7 @@
           </a:p>
           <a:p>
             <a:r>
-              <a:rPr lang="ko-KR" altLang="en-US" sz="5400" dirty="0" smtClean="0">
+              <a:rPr lang="ko-KR" altLang="en-US" sz="5400" dirty="0">
                 <a:effectLst>
                   <a:outerShdw blurRad="469900" sx="102000" sy="102000" algn="ctr" rotWithShape="0">
                     <a:prstClr val="black">
@@ -21723,7 +22224,7 @@
               </a:rPr>
               <a:t>악령퇴치</a:t>
             </a:r>
-            <a:endParaRPr lang="en-US" altLang="ko-KR" sz="5400" dirty="0" smtClean="0">
+            <a:endParaRPr lang="en-US" altLang="ko-KR" sz="5400" dirty="0">
               <a:effectLst>
                 <a:outerShdw blurRad="469900" sx="102000" sy="102000" algn="ctr" rotWithShape="0">
                   <a:prstClr val="black">
@@ -21760,20 +22261,6 @@
           <a:lstStyle/>
           <a:p>
             <a:r>
-              <a:rPr lang="ko-KR" altLang="en-US" sz="2000" dirty="0" smtClean="0">
-                <a:effectLst>
-                  <a:outerShdw blurRad="469900" sx="102000" sy="102000" algn="ctr" rotWithShape="0">
-                    <a:prstClr val="black">
-                      <a:alpha val="82000"/>
-                    </a:prstClr>
-                  </a:outerShdw>
-                </a:effectLst>
-                <a:latin typeface="HY수평선M" pitchFamily="18" charset="-127"/>
-                <a:ea typeface="HY수평선M" pitchFamily="18" charset="-127"/>
-              </a:rPr>
-              <a:t>경</a:t>
-            </a:r>
-            <a:r>
               <a:rPr lang="ko-KR" altLang="en-US" sz="2000" dirty="0">
                 <a:effectLst>
                   <a:outerShdw blurRad="469900" sx="102000" sy="102000" algn="ctr" rotWithShape="0">
@@ -21785,10 +22272,10 @@
                 <a:latin typeface="HY수평선M" pitchFamily="18" charset="-127"/>
                 <a:ea typeface="HY수평선M" pitchFamily="18" charset="-127"/>
               </a:rPr>
-              <a:t>쟁</a:t>
-            </a:r>
-            <a:r>
-              <a:rPr lang="en-US" altLang="ko-KR" sz="2000" dirty="0" smtClean="0">
+              <a:t>경쟁</a:t>
+            </a:r>
+            <a:r>
+              <a:rPr lang="en-US" altLang="ko-KR" sz="2000" dirty="0">
                 <a:effectLst>
                   <a:outerShdw blurRad="469900" sx="102000" sy="102000" algn="ctr" rotWithShape="0">
                     <a:prstClr val="black">
@@ -21804,7 +22291,7 @@
           </a:p>
           <a:p>
             <a:r>
-              <a:rPr lang="ko-KR" altLang="en-US" sz="5400" dirty="0" smtClean="0">
+              <a:rPr lang="ko-KR" altLang="en-US" sz="5400" dirty="0">
                 <a:effectLst>
                   <a:outerShdw blurRad="469900" sx="102000" sy="102000" algn="ctr" rotWithShape="0">
                     <a:prstClr val="black">
@@ -21817,7 +22304,7 @@
               </a:rPr>
               <a:t>파리잡기</a:t>
             </a:r>
-            <a:endParaRPr lang="en-US" altLang="ko-KR" sz="5400" dirty="0" smtClean="0">
+            <a:endParaRPr lang="en-US" altLang="ko-KR" sz="5400" dirty="0">
               <a:effectLst>
                 <a:outerShdw blurRad="469900" sx="102000" sy="102000" algn="ctr" rotWithShape="0">
                   <a:prstClr val="black">
@@ -21841,13 +22328,6 @@
   <p:clrMapOvr>
     <a:masterClrMapping/>
   </p:clrMapOvr>
-  <p:timing>
-    <p:tnLst>
-      <p:par>
-        <p:cTn id="1" dur="indefinite" restart="never" nodeType="tmRoot"/>
-      </p:par>
-    </p:tnLst>
-  </p:timing>
 </p:sld>
 </file>
 
@@ -22134,4 +22614,299 @@
   <a:objectDefaults/>
   <a:extraClrSchemeLst/>
 </a:theme>
+</file>
+
+<file path=ppt/theme/theme2.xml><?xml version="1.0" encoding="utf-8"?>
+<a:theme xmlns:a="http://schemas.openxmlformats.org/drawingml/2006/main" name="Office 테마">
+  <a:themeElements>
+    <a:clrScheme name="Office">
+      <a:dk1>
+        <a:sysClr val="windowText" lastClr="000000"/>
+      </a:dk1>
+      <a:lt1>
+        <a:sysClr val="window" lastClr="FFFFFF"/>
+      </a:lt1>
+      <a:dk2>
+        <a:srgbClr val="44546A"/>
+      </a:dk2>
+      <a:lt2>
+        <a:srgbClr val="E7E6E6"/>
+      </a:lt2>
+      <a:accent1>
+        <a:srgbClr val="4472C4"/>
+      </a:accent1>
+      <a:accent2>
+        <a:srgbClr val="ED7D31"/>
+      </a:accent2>
+      <a:accent3>
+        <a:srgbClr val="A5A5A5"/>
+      </a:accent3>
+      <a:accent4>
+        <a:srgbClr val="FFC000"/>
+      </a:accent4>
+      <a:accent5>
+        <a:srgbClr val="5B9BD5"/>
+      </a:accent5>
+      <a:accent6>
+        <a:srgbClr val="70AD47"/>
+      </a:accent6>
+      <a:hlink>
+        <a:srgbClr val="0563C1"/>
+      </a:hlink>
+      <a:folHlink>
+        <a:srgbClr val="954F72"/>
+      </a:folHlink>
+    </a:clrScheme>
+    <a:fontScheme name="Office">
+      <a:majorFont>
+        <a:latin typeface="맑은 고딕" panose="020F0302020204030204"/>
+        <a:ea typeface=""/>
+        <a:cs typeface=""/>
+        <a:font script="Jpan" typeface="游ゴシック Light"/>
+        <a:font script="Hang" typeface="맑은 고딕"/>
+        <a:font script="Hans" typeface="等线 Light"/>
+        <a:font script="Hant" typeface="新細明體"/>
+        <a:font script="Arab" typeface="Times New Roman"/>
+        <a:font script="Hebr" typeface="Times New Roman"/>
+        <a:font script="Thai" typeface="Angsana New"/>
+        <a:font script="Ethi" typeface="Nyala"/>
+        <a:font script="Beng" typeface="Vrinda"/>
+        <a:font script="Gujr" typeface="Shruti"/>
+        <a:font script="Khmr" typeface="MoolBoran"/>
+        <a:font script="Knda" typeface="Tunga"/>
+        <a:font script="Guru" typeface="Raavi"/>
+        <a:font script="Cans" typeface="Euphemia"/>
+        <a:font script="Cher" typeface="Plantagenet Cherokee"/>
+        <a:font script="Yiii" typeface="Microsoft Yi Baiti"/>
+        <a:font script="Tibt" typeface="Microsoft Himalaya"/>
+        <a:font script="Thaa" typeface="MV Boli"/>
+        <a:font script="Deva" typeface="Mangal"/>
+        <a:font script="Telu" typeface="Gautami"/>
+        <a:font script="Taml" typeface="Latha"/>
+        <a:font script="Syrc" typeface="Estrangelo Edessa"/>
+        <a:font script="Orya" typeface="Kalinga"/>
+        <a:font script="Mlym" typeface="Kartika"/>
+        <a:font script="Laoo" typeface="DokChampa"/>
+        <a:font script="Sinh" typeface="Iskoola Pota"/>
+        <a:font script="Mong" typeface="Mongolian Baiti"/>
+        <a:font script="Viet" typeface="Times New Roman"/>
+        <a:font script="Uigh" typeface="Microsoft Uighur"/>
+        <a:font script="Geor" typeface="Sylfaen"/>
+        <a:font script="Armn" typeface="Arial"/>
+        <a:font script="Bugi" typeface="Leelawadee UI"/>
+        <a:font script="Bopo" typeface="Microsoft JhengHei"/>
+        <a:font script="Java" typeface="Javanese Text"/>
+        <a:font script="Lisu" typeface="Segoe UI"/>
+        <a:font script="Mymr" typeface="Myanmar Text"/>
+        <a:font script="Nkoo" typeface="Ebrima"/>
+        <a:font script="Olck" typeface="Nirmala UI"/>
+        <a:font script="Osma" typeface="Ebrima"/>
+        <a:font script="Phag" typeface="Phagspa"/>
+        <a:font script="Syrn" typeface="Estrangelo Edessa"/>
+        <a:font script="Syrj" typeface="Estrangelo Edessa"/>
+        <a:font script="Syre" typeface="Estrangelo Edessa"/>
+        <a:font script="Sora" typeface="Nirmala UI"/>
+        <a:font script="Tale" typeface="Microsoft Tai Le"/>
+        <a:font script="Talu" typeface="Microsoft New Tai Lue"/>
+        <a:font script="Tfng" typeface="Ebrima"/>
+      </a:majorFont>
+      <a:minorFont>
+        <a:latin typeface="맑은 고딕" panose="020F0502020204030204"/>
+        <a:ea typeface=""/>
+        <a:cs typeface=""/>
+        <a:font script="Jpan" typeface="游ゴシック"/>
+        <a:font script="Hang" typeface="맑은 고딕"/>
+        <a:font script="Hans" typeface="等线"/>
+        <a:font script="Hant" typeface="新細明體"/>
+        <a:font script="Arab" typeface="Arial"/>
+        <a:font script="Hebr" typeface="Arial"/>
+        <a:font script="Thai" typeface="Cordia New"/>
+        <a:font script="Ethi" typeface="Nyala"/>
+        <a:font script="Beng" typeface="Vrinda"/>
+        <a:font script="Gujr" typeface="Shruti"/>
+        <a:font script="Khmr" typeface="DaunPenh"/>
+        <a:font script="Knda" typeface="Tunga"/>
+        <a:font script="Guru" typeface="Raavi"/>
+        <a:font script="Cans" typeface="Euphemia"/>
+        <a:font script="Cher" typeface="Plantagenet Cherokee"/>
+        <a:font script="Yiii" typeface="Microsoft Yi Baiti"/>
+        <a:font script="Tibt" typeface="Microsoft Himalaya"/>
+        <a:font script="Thaa" typeface="MV Boli"/>
+        <a:font script="Deva" typeface="Mangal"/>
+        <a:font script="Telu" typeface="Gautami"/>
+        <a:font script="Taml" typeface="Latha"/>
+        <a:font script="Syrc" typeface="Estrangelo Edessa"/>
+        <a:font script="Orya" typeface="Kalinga"/>
+        <a:font script="Mlym" typeface="Kartika"/>
+        <a:font script="Laoo" typeface="DokChampa"/>
+        <a:font script="Sinh" typeface="Iskoola Pota"/>
+        <a:font script="Mong" typeface="Mongolian Baiti"/>
+        <a:font script="Viet" typeface="Arial"/>
+        <a:font script="Uigh" typeface="Microsoft Uighur"/>
+        <a:font script="Geor" typeface="Sylfaen"/>
+        <a:font script="Armn" typeface="Arial"/>
+        <a:font script="Bugi" typeface="Leelawadee UI"/>
+        <a:font script="Bopo" typeface="Microsoft JhengHei"/>
+        <a:font script="Java" typeface="Javanese Text"/>
+        <a:font script="Lisu" typeface="Segoe UI"/>
+        <a:font script="Mymr" typeface="Myanmar Text"/>
+        <a:font script="Nkoo" typeface="Ebrima"/>
+        <a:font script="Olck" typeface="Nirmala UI"/>
+        <a:font script="Osma" typeface="Ebrima"/>
+        <a:font script="Phag" typeface="Phagspa"/>
+        <a:font script="Syrn" typeface="Estrangelo Edessa"/>
+        <a:font script="Syrj" typeface="Estrangelo Edessa"/>
+        <a:font script="Syre" typeface="Estrangelo Edessa"/>
+        <a:font script="Sora" typeface="Nirmala UI"/>
+        <a:font script="Tale" typeface="Microsoft Tai Le"/>
+        <a:font script="Talu" typeface="Microsoft New Tai Lue"/>
+        <a:font script="Tfng" typeface="Ebrima"/>
+      </a:minorFont>
+    </a:fontScheme>
+    <a:fmtScheme name="Office">
+      <a:fillStyleLst>
+        <a:solidFill>
+          <a:schemeClr val="phClr"/>
+        </a:solidFill>
+        <a:gradFill rotWithShape="1">
+          <a:gsLst>
+            <a:gs pos="0">
+              <a:schemeClr val="phClr">
+                <a:lumMod val="110000"/>
+                <a:satMod val="105000"/>
+                <a:tint val="67000"/>
+              </a:schemeClr>
+            </a:gs>
+            <a:gs pos="50000">
+              <a:schemeClr val="phClr">
+                <a:lumMod val="105000"/>
+                <a:satMod val="103000"/>
+                <a:tint val="73000"/>
+              </a:schemeClr>
+            </a:gs>
+            <a:gs pos="100000">
+              <a:schemeClr val="phClr">
+                <a:lumMod val="105000"/>
+                <a:satMod val="109000"/>
+                <a:tint val="81000"/>
+              </a:schemeClr>
+            </a:gs>
+          </a:gsLst>
+          <a:lin ang="5400000" scaled="0"/>
+        </a:gradFill>
+        <a:gradFill rotWithShape="1">
+          <a:gsLst>
+            <a:gs pos="0">
+              <a:schemeClr val="phClr">
+                <a:satMod val="103000"/>
+                <a:lumMod val="102000"/>
+                <a:tint val="94000"/>
+              </a:schemeClr>
+            </a:gs>
+            <a:gs pos="50000">
+              <a:schemeClr val="phClr">
+                <a:satMod val="110000"/>
+                <a:lumMod val="100000"/>
+                <a:shade val="100000"/>
+              </a:schemeClr>
+            </a:gs>
+            <a:gs pos="100000">
+              <a:schemeClr val="phClr">
+                <a:lumMod val="99000"/>
+                <a:satMod val="120000"/>
+                <a:shade val="78000"/>
+              </a:schemeClr>
+            </a:gs>
+          </a:gsLst>
+          <a:lin ang="5400000" scaled="0"/>
+        </a:gradFill>
+      </a:fillStyleLst>
+      <a:lnStyleLst>
+        <a:ln w="6350" cap="flat" cmpd="sng" algn="ctr">
+          <a:solidFill>
+            <a:schemeClr val="phClr"/>
+          </a:solidFill>
+          <a:prstDash val="solid"/>
+          <a:miter lim="800000"/>
+        </a:ln>
+        <a:ln w="12700" cap="flat" cmpd="sng" algn="ctr">
+          <a:solidFill>
+            <a:schemeClr val="phClr"/>
+          </a:solidFill>
+          <a:prstDash val="solid"/>
+          <a:miter lim="800000"/>
+        </a:ln>
+        <a:ln w="19050" cap="flat" cmpd="sng" algn="ctr">
+          <a:solidFill>
+            <a:schemeClr val="phClr"/>
+          </a:solidFill>
+          <a:prstDash val="solid"/>
+          <a:miter lim="800000"/>
+        </a:ln>
+      </a:lnStyleLst>
+      <a:effectStyleLst>
+        <a:effectStyle>
+          <a:effectLst/>
+        </a:effectStyle>
+        <a:effectStyle>
+          <a:effectLst/>
+        </a:effectStyle>
+        <a:effectStyle>
+          <a:effectLst>
+            <a:outerShdw blurRad="57150" dist="19050" dir="5400000" algn="ctr" rotWithShape="0">
+              <a:srgbClr val="000000">
+                <a:alpha val="63000"/>
+              </a:srgbClr>
+            </a:outerShdw>
+          </a:effectLst>
+        </a:effectStyle>
+      </a:effectStyleLst>
+      <a:bgFillStyleLst>
+        <a:solidFill>
+          <a:schemeClr val="phClr"/>
+        </a:solidFill>
+        <a:solidFill>
+          <a:schemeClr val="phClr">
+            <a:tint val="95000"/>
+            <a:satMod val="170000"/>
+          </a:schemeClr>
+        </a:solidFill>
+        <a:gradFill rotWithShape="1">
+          <a:gsLst>
+            <a:gs pos="0">
+              <a:schemeClr val="phClr">
+                <a:tint val="93000"/>
+                <a:satMod val="150000"/>
+                <a:shade val="98000"/>
+                <a:lumMod val="102000"/>
+              </a:schemeClr>
+            </a:gs>
+            <a:gs pos="50000">
+              <a:schemeClr val="phClr">
+                <a:tint val="98000"/>
+                <a:satMod val="130000"/>
+                <a:shade val="90000"/>
+                <a:lumMod val="103000"/>
+              </a:schemeClr>
+            </a:gs>
+            <a:gs pos="100000">
+              <a:schemeClr val="phClr">
+                <a:shade val="63000"/>
+                <a:satMod val="120000"/>
+              </a:schemeClr>
+            </a:gs>
+          </a:gsLst>
+          <a:lin ang="5400000" scaled="0"/>
+        </a:gradFill>
+      </a:bgFillStyleLst>
+    </a:fmtScheme>
+  </a:themeElements>
+  <a:objectDefaults/>
+  <a:extraClrSchemeLst/>
+  <a:extLst>
+    <a:ext uri="{05A4C25C-085E-4340-85A3-A5531E510DB2}">
+      <thm15:themeFamily xmlns:thm15="http://schemas.microsoft.com/office/thememl/2012/main" name="Office Theme" id="{62F939B6-93AF-4DB8-9C6B-D6C7DFDC589F}" vid="{4A3C46E8-61CC-4603-A589-7422A47A8E4A}"/>
+    </a:ext>
+  </a:extLst>
+</a:theme>
 </file>
--- a/3조 발표자료.pptx
+++ b/3조 발표자료.pptx
@@ -537,6 +537,139 @@
           <a:p>
             <a:r>
               <a:rPr lang="ko-KR" altLang="en-US" dirty="0"/>
+              <a:t>신동환 </a:t>
+            </a:r>
+            <a:r>
+              <a:rPr lang="en-US" altLang="ko-KR" dirty="0"/>
+              <a:t>: </a:t>
+            </a:r>
+            <a:r>
+              <a:rPr lang="ko-KR" altLang="en-US" dirty="0"/>
+              <a:t>게임을 한번 만들어보고는 싶었는데 </a:t>
+            </a:r>
+            <a:r>
+              <a:rPr lang="ko-KR" altLang="en-US" dirty="0" err="1"/>
+              <a:t>만드는법을</a:t>
+            </a:r>
+            <a:r>
+              <a:rPr lang="ko-KR" altLang="en-US" dirty="0"/>
+              <a:t> 몰라서 못 만들었다</a:t>
+            </a:r>
+            <a:r>
+              <a:rPr lang="en-US" altLang="ko-KR" dirty="0"/>
+              <a:t>. </a:t>
+            </a:r>
+            <a:r>
+              <a:rPr lang="ko-KR" altLang="en-US" dirty="0"/>
+              <a:t>근데 이번 캠프를 계기로 어느정도 </a:t>
+            </a:r>
+            <a:r>
+              <a:rPr lang="ko-KR" altLang="en-US" dirty="0" err="1"/>
+              <a:t>만드는법을</a:t>
+            </a:r>
+            <a:r>
+              <a:rPr lang="ko-KR" altLang="en-US" dirty="0"/>
+              <a:t> </a:t>
+            </a:r>
+            <a:r>
+              <a:rPr lang="ko-KR" altLang="en-US" dirty="0" err="1"/>
+              <a:t>알게되었고</a:t>
+            </a:r>
+            <a:r>
+              <a:rPr lang="en-US" altLang="ko-KR" dirty="0"/>
+              <a:t>, </a:t>
+            </a:r>
+            <a:r>
+              <a:rPr lang="ko-KR" altLang="en-US" dirty="0"/>
+              <a:t>멘토님도 잘 알려주셔서 좋았다</a:t>
+            </a:r>
+            <a:r>
+              <a:rPr lang="en-US" altLang="ko-KR" dirty="0"/>
+              <a:t>. </a:t>
+            </a:r>
+            <a:r>
+              <a:rPr lang="ko-KR" altLang="en-US" dirty="0"/>
+              <a:t>다만 미완성 상태로 </a:t>
+            </a:r>
+            <a:r>
+              <a:rPr lang="ko-KR" altLang="en-US" dirty="0" err="1"/>
+              <a:t>끝난것이</a:t>
+            </a:r>
+            <a:r>
+              <a:rPr lang="ko-KR" altLang="en-US" dirty="0"/>
+              <a:t> 조금 아쉬움이 남는다</a:t>
+            </a:r>
+            <a:r>
+              <a:rPr lang="en-US" altLang="ko-KR" dirty="0"/>
+              <a:t>.</a:t>
+            </a:r>
+          </a:p>
+          <a:p>
+            <a:r>
+              <a:rPr lang="en-US" altLang="ko-KR" dirty="0"/>
+              <a:t>(</a:t>
+            </a:r>
+            <a:r>
+              <a:rPr lang="ko-KR" altLang="en-US" dirty="0" err="1"/>
+              <a:t>윤지섭</a:t>
+            </a:r>
+            <a:r>
+              <a:rPr lang="en-US" altLang="ko-KR" dirty="0"/>
+              <a:t>) </a:t>
+            </a:r>
+            <a:r>
+              <a:rPr lang="ko-KR" altLang="en-US" dirty="0" err="1"/>
+              <a:t>느낀점</a:t>
+            </a:r>
+            <a:r>
+              <a:rPr lang="en-US" altLang="ko-KR" dirty="0"/>
+              <a:t>: </a:t>
+            </a:r>
+            <a:r>
+              <a:rPr lang="ko-KR" altLang="en-US" dirty="0"/>
+              <a:t>처음에는 게임을 </a:t>
+            </a:r>
+            <a:r>
+              <a:rPr lang="ko-KR" altLang="en-US" dirty="0" err="1"/>
+              <a:t>개발해야한다는</a:t>
+            </a:r>
+            <a:r>
+              <a:rPr lang="ko-KR" altLang="en-US" dirty="0"/>
+              <a:t> 막연한 느낌에 고민이 있었으나</a:t>
+            </a:r>
+            <a:r>
+              <a:rPr lang="en-US" altLang="ko-KR" dirty="0"/>
+              <a:t>, </a:t>
+            </a:r>
+            <a:r>
+              <a:rPr lang="ko-KR" altLang="en-US" dirty="0"/>
+              <a:t>개발 과정에서 모르는 부분은 도움을 주고 받으며 해결해나가 게임을 만들어서 좋은 경험이 되었다고 생각한다</a:t>
+            </a:r>
+            <a:r>
+              <a:rPr lang="en-US" altLang="ko-KR" dirty="0"/>
+              <a:t>.</a:t>
+            </a:r>
+          </a:p>
+          <a:p>
+            <a:pPr marL="0" marR="0" lvl="0" indent="0" algn="l" defTabSz="914400" rtl="0" eaLnBrk="1" fontAlgn="auto" latinLnBrk="1" hangingPunct="1">
+              <a:lnSpc>
+                <a:spcPct val="100000"/>
+              </a:lnSpc>
+              <a:spcBef>
+                <a:spcPts val="0"/>
+              </a:spcBef>
+              <a:spcAft>
+                <a:spcPts val="0"/>
+              </a:spcAft>
+              <a:buClrTx/>
+              <a:buSzTx/>
+              <a:buFontTx/>
+              <a:buNone/>
+              <a:tabLst/>
+              <a:defRPr/>
+            </a:pPr>
+            <a:r>
+              <a:rPr lang="ko-KR" altLang="en-US" dirty="0"/>
               <a:t>이서진 </a:t>
             </a:r>
             <a:r>
@@ -647,20 +780,12 @@
           </a:p>
           <a:p>
             <a:r>
-              <a:rPr lang="en-US" altLang="ko-KR" dirty="0"/>
-              <a:t>(</a:t>
-            </a:r>
-            <a:r>
               <a:rPr lang="ko-KR" altLang="en-US" dirty="0" err="1"/>
-              <a:t>윤지섭</a:t>
-            </a:r>
-            <a:r>
-              <a:rPr lang="en-US" altLang="ko-KR" dirty="0"/>
-              <a:t>) </a:t>
-            </a:r>
-            <a:r>
-              <a:rPr lang="ko-KR" altLang="en-US" dirty="0" err="1"/>
-              <a:t>느낀점</a:t>
+              <a:t>이웅표</a:t>
+            </a:r>
+            <a:r>
+              <a:rPr lang="ko-KR" altLang="en-US" dirty="0"/>
+              <a:t> </a:t>
             </a:r>
             <a:r>
               <a:rPr lang="en-US" altLang="ko-KR" dirty="0"/>
@@ -668,29 +793,36 @@
             </a:r>
             <a:r>
               <a:rPr lang="ko-KR" altLang="en-US" dirty="0"/>
-              <a:t>처음에는 게임을 </a:t>
+              <a:t>저희 팀원들은 비록 게임을 완성시키지 못했지만 그 과정만큼은 다른 무엇보다 값지다고 생각합니다</a:t>
+            </a:r>
+            <a:r>
+              <a:rPr lang="en-US" altLang="ko-KR" dirty="0"/>
+              <a:t>. </a:t>
+            </a:r>
+            <a:r>
+              <a:rPr lang="ko-KR" altLang="en-US" dirty="0"/>
+              <a:t>또한 팀원들과 게임을 만들고 역할을 분담하여 게임을 만드는 과정을 실제로 해보면서 다양한 교훈과 게임 개발에 필요한 것들을 알게 되었습니다</a:t>
+            </a:r>
+            <a:r>
+              <a:rPr lang="en-US" altLang="ko-KR" dirty="0"/>
+              <a:t>. </a:t>
+            </a:r>
+            <a:r>
+              <a:rPr lang="ko-KR" altLang="en-US" dirty="0"/>
+              <a:t>우리가 비록 게임을 완성하지 못했더라도 다음에 이런 비슷한 활동이나 작업을 할 때에 이 활동을 떠올려서 고치는 계기가 되었으면 </a:t>
             </a:r>
             <a:r>
               <a:rPr lang="ko-KR" altLang="en-US" dirty="0" err="1"/>
-              <a:t>개발해야한다는</a:t>
+              <a:t>좋겠어</a:t>
+            </a:r>
+            <a:r>
+              <a:rPr lang="en-US" altLang="ko-KR" dirty="0"/>
+              <a:t>! </a:t>
             </a:r>
             <a:r>
               <a:rPr lang="ko-KR" altLang="en-US" dirty="0"/>
-              <a:t> 막연한 느낌에 고민이 있었으나</a:t>
-            </a:r>
-            <a:r>
-              <a:rPr lang="en-US" altLang="ko-KR" dirty="0"/>
-              <a:t>, </a:t>
-            </a:r>
-            <a:r>
-              <a:rPr lang="ko-KR" altLang="en-US" dirty="0"/>
-              <a:t>개발 과정에서 모르는 부분은 도움을 주고 받으며 해결해나가 게임을 만들어서 좋은 경험이 되었다고 생각한다</a:t>
-            </a:r>
-            <a:r>
-              <a:rPr lang="en-US" altLang="ko-KR" dirty="0"/>
-              <a:t>.</a:t>
-            </a:r>
-            <a:endParaRPr lang="ko-KR" altLang="en-US" dirty="0"/>
+              <a:t>그리고 아트 담당도 고마워 우리 프로그래밍이 미흡해도 불평을 하지 않아줘서</a:t>
+            </a:r>
           </a:p>
         </p:txBody>
       </p:sp>
@@ -909,7 +1041,7 @@
           <a:p>
             <a:fld id="{9F821F1E-6AE0-46FB-8507-DD12BF640D02}" type="datetimeFigureOut">
               <a:rPr lang="ko-KR" altLang="en-US" smtClean="0"/>
-              <a:t>2017-11-22</a:t>
+              <a:t>2017-11-23</a:t>
             </a:fld>
             <a:endParaRPr lang="ko-KR" altLang="en-US"/>
           </a:p>
@@ -1077,7 +1209,7 @@
           <a:p>
             <a:fld id="{9F821F1E-6AE0-46FB-8507-DD12BF640D02}" type="datetimeFigureOut">
               <a:rPr lang="ko-KR" altLang="en-US" smtClean="0"/>
-              <a:t>2017-11-22</a:t>
+              <a:t>2017-11-23</a:t>
             </a:fld>
             <a:endParaRPr lang="ko-KR" altLang="en-US"/>
           </a:p>
@@ -1255,7 +1387,7 @@
           <a:p>
             <a:fld id="{9F821F1E-6AE0-46FB-8507-DD12BF640D02}" type="datetimeFigureOut">
               <a:rPr lang="ko-KR" altLang="en-US" smtClean="0"/>
-              <a:t>2017-11-22</a:t>
+              <a:t>2017-11-23</a:t>
             </a:fld>
             <a:endParaRPr lang="ko-KR" altLang="en-US"/>
           </a:p>
@@ -1423,7 +1555,7 @@
           <a:p>
             <a:fld id="{9F821F1E-6AE0-46FB-8507-DD12BF640D02}" type="datetimeFigureOut">
               <a:rPr lang="ko-KR" altLang="en-US" smtClean="0"/>
-              <a:t>2017-11-22</a:t>
+              <a:t>2017-11-23</a:t>
             </a:fld>
             <a:endParaRPr lang="ko-KR" altLang="en-US"/>
           </a:p>
@@ -1668,7 +1800,7 @@
           <a:p>
             <a:fld id="{9F821F1E-6AE0-46FB-8507-DD12BF640D02}" type="datetimeFigureOut">
               <a:rPr lang="ko-KR" altLang="en-US" smtClean="0"/>
-              <a:t>2017-11-22</a:t>
+              <a:t>2017-11-23</a:t>
             </a:fld>
             <a:endParaRPr lang="ko-KR" altLang="en-US"/>
           </a:p>
@@ -1953,7 +2085,7 @@
           <a:p>
             <a:fld id="{9F821F1E-6AE0-46FB-8507-DD12BF640D02}" type="datetimeFigureOut">
               <a:rPr lang="ko-KR" altLang="en-US" smtClean="0"/>
-              <a:t>2017-11-22</a:t>
+              <a:t>2017-11-23</a:t>
             </a:fld>
             <a:endParaRPr lang="ko-KR" altLang="en-US"/>
           </a:p>
@@ -2372,7 +2504,7 @@
           <a:p>
             <a:fld id="{9F821F1E-6AE0-46FB-8507-DD12BF640D02}" type="datetimeFigureOut">
               <a:rPr lang="ko-KR" altLang="en-US" smtClean="0"/>
-              <a:t>2017-11-22</a:t>
+              <a:t>2017-11-23</a:t>
             </a:fld>
             <a:endParaRPr lang="ko-KR" altLang="en-US"/>
           </a:p>
@@ -2489,7 +2621,7 @@
           <a:p>
             <a:fld id="{9F821F1E-6AE0-46FB-8507-DD12BF640D02}" type="datetimeFigureOut">
               <a:rPr lang="ko-KR" altLang="en-US" smtClean="0"/>
-              <a:t>2017-11-22</a:t>
+              <a:t>2017-11-23</a:t>
             </a:fld>
             <a:endParaRPr lang="ko-KR" altLang="en-US"/>
           </a:p>
@@ -2584,7 +2716,7 @@
           <a:p>
             <a:fld id="{9F821F1E-6AE0-46FB-8507-DD12BF640D02}" type="datetimeFigureOut">
               <a:rPr lang="ko-KR" altLang="en-US" smtClean="0"/>
-              <a:t>2017-11-22</a:t>
+              <a:t>2017-11-23</a:t>
             </a:fld>
             <a:endParaRPr lang="ko-KR" altLang="en-US"/>
           </a:p>
@@ -2859,7 +2991,7 @@
           <a:p>
             <a:fld id="{9F821F1E-6AE0-46FB-8507-DD12BF640D02}" type="datetimeFigureOut">
               <a:rPr lang="ko-KR" altLang="en-US" smtClean="0"/>
-              <a:t>2017-11-22</a:t>
+              <a:t>2017-11-23</a:t>
             </a:fld>
             <a:endParaRPr lang="ko-KR" altLang="en-US"/>
           </a:p>
@@ -3111,7 +3243,7 @@
           <a:p>
             <a:fld id="{9F821F1E-6AE0-46FB-8507-DD12BF640D02}" type="datetimeFigureOut">
               <a:rPr lang="ko-KR" altLang="en-US" smtClean="0"/>
-              <a:t>2017-11-22</a:t>
+              <a:t>2017-11-23</a:t>
             </a:fld>
             <a:endParaRPr lang="ko-KR" altLang="en-US"/>
           </a:p>
@@ -3322,7 +3454,7 @@
           <a:p>
             <a:fld id="{9F821F1E-6AE0-46FB-8507-DD12BF640D02}" type="datetimeFigureOut">
               <a:rPr lang="ko-KR" altLang="en-US" smtClean="0"/>
-              <a:t>2017-11-22</a:t>
+              <a:t>2017-11-23</a:t>
             </a:fld>
             <a:endParaRPr lang="ko-KR" altLang="en-US"/>
           </a:p>
@@ -5079,6 +5211,92 @@
               </a:rPr>
               <a:t>:</a:t>
             </a:r>
+            <a:r>
+              <a:rPr lang="ko-KR" altLang="en-US" sz="1600" dirty="0">
+                <a:latin typeface="HY수평선M" pitchFamily="18" charset="-127"/>
+                <a:ea typeface="HY수평선M" pitchFamily="18" charset="-127"/>
+              </a:rPr>
+              <a:t>게임을 한번 만들어보고는 싶었는데 만드는 법을 몰라서 못 만들었다</a:t>
+            </a:r>
+            <a:r>
+              <a:rPr lang="en-US" altLang="ko-KR" sz="1600" dirty="0">
+                <a:latin typeface="HY수평선M" pitchFamily="18" charset="-127"/>
+                <a:ea typeface="HY수평선M" pitchFamily="18" charset="-127"/>
+              </a:rPr>
+              <a:t>. </a:t>
+            </a:r>
+            <a:r>
+              <a:rPr lang="ko-KR" altLang="en-US" sz="1600" dirty="0">
+                <a:latin typeface="HY수평선M" pitchFamily="18" charset="-127"/>
+                <a:ea typeface="HY수평선M" pitchFamily="18" charset="-127"/>
+              </a:rPr>
+              <a:t>근데 이번 캠프를 계기로 어느정도 만드는 법을 알게 되었고</a:t>
+            </a:r>
+            <a:r>
+              <a:rPr lang="en-US" altLang="ko-KR" sz="1600" dirty="0">
+                <a:latin typeface="HY수평선M" pitchFamily="18" charset="-127"/>
+                <a:ea typeface="HY수평선M" pitchFamily="18" charset="-127"/>
+              </a:rPr>
+              <a:t>, </a:t>
+            </a:r>
+            <a:r>
+              <a:rPr lang="ko-KR" altLang="en-US" sz="1600" dirty="0">
+                <a:latin typeface="HY수평선M" pitchFamily="18" charset="-127"/>
+                <a:ea typeface="HY수평선M" pitchFamily="18" charset="-127"/>
+              </a:rPr>
+              <a:t>멘토님도 잘 알려주셔서 좋았다</a:t>
+            </a:r>
+            <a:r>
+              <a:rPr lang="en-US" altLang="ko-KR" sz="1600" dirty="0">
+                <a:latin typeface="HY수평선M" pitchFamily="18" charset="-127"/>
+                <a:ea typeface="HY수평선M" pitchFamily="18" charset="-127"/>
+              </a:rPr>
+              <a:t>. </a:t>
+            </a:r>
+            <a:r>
+              <a:rPr lang="ko-KR" altLang="en-US" sz="1600" dirty="0">
+                <a:latin typeface="HY수평선M" pitchFamily="18" charset="-127"/>
+                <a:ea typeface="HY수평선M" pitchFamily="18" charset="-127"/>
+              </a:rPr>
+              <a:t>다만 미완성 상태로 </a:t>
+            </a:r>
+            <a:r>
+              <a:rPr lang="ko-KR" altLang="en-US" sz="1600" dirty="0" err="1">
+                <a:latin typeface="HY수평선M" pitchFamily="18" charset="-127"/>
+                <a:ea typeface="HY수평선M" pitchFamily="18" charset="-127"/>
+              </a:rPr>
+              <a:t>끝난것이</a:t>
+            </a:r>
+            <a:r>
+              <a:rPr lang="ko-KR" altLang="en-US" sz="1600" dirty="0">
+                <a:latin typeface="HY수평선M" pitchFamily="18" charset="-127"/>
+                <a:ea typeface="HY수평선M" pitchFamily="18" charset="-127"/>
+              </a:rPr>
+              <a:t> 조금 아쉬움이 남는다</a:t>
+            </a:r>
+            <a:r>
+              <a:rPr lang="en-US" altLang="ko-KR" sz="1600" dirty="0">
+                <a:latin typeface="HY수평선M" pitchFamily="18" charset="-127"/>
+                <a:ea typeface="HY수평선M" pitchFamily="18" charset="-127"/>
+              </a:rPr>
+              <a:t>.</a:t>
+            </a:r>
+          </a:p>
+          <a:p>
+            <a:r>
+              <a:rPr lang="ko-KR" altLang="en-US" sz="1600" dirty="0">
+                <a:latin typeface="HY수평선M" pitchFamily="18" charset="-127"/>
+                <a:ea typeface="HY수평선M" pitchFamily="18" charset="-127"/>
+              </a:rPr>
+              <a:t>조민준</a:t>
+            </a:r>
+            <a:r>
+              <a:rPr lang="en-US" altLang="ko-KR" sz="1600" dirty="0">
+                <a:latin typeface="HY수평선M" pitchFamily="18" charset="-127"/>
+                <a:ea typeface="HY수평선M" pitchFamily="18" charset="-127"/>
+              </a:rPr>
+              <a:t>:</a:t>
+            </a:r>
           </a:p>
           <a:p>
             <a:endParaRPr lang="en-US" altLang="ko-KR" sz="1600" dirty="0">
@@ -5088,11 +5306,113 @@
           </a:p>
           <a:p>
             <a:r>
+              <a:rPr lang="ko-KR" altLang="en-US" sz="1600" dirty="0" err="1">
+                <a:latin typeface="HY수평선M" pitchFamily="18" charset="-127"/>
+                <a:ea typeface="HY수평선M" pitchFamily="18" charset="-127"/>
+              </a:rPr>
+              <a:t>윤지섭</a:t>
+            </a:r>
+            <a:r>
+              <a:rPr lang="en-US" altLang="ko-KR" sz="1600" dirty="0">
+                <a:latin typeface="HY수평선M" pitchFamily="18" charset="-127"/>
+                <a:ea typeface="HY수평선M" pitchFamily="18" charset="-127"/>
+              </a:rPr>
+              <a:t>: </a:t>
+            </a:r>
+            <a:r>
               <a:rPr lang="ko-KR" altLang="en-US" sz="1600" dirty="0">
                 <a:latin typeface="HY수평선M" pitchFamily="18" charset="-127"/>
                 <a:ea typeface="HY수평선M" pitchFamily="18" charset="-127"/>
               </a:rPr>
-              <a:t>조민준</a:t>
+              <a:t>처음에는 게임을 개발해야 한다는 막연한 느낌에 고민이 있었으나</a:t>
+            </a:r>
+            <a:r>
+              <a:rPr lang="en-US" altLang="ko-KR" sz="1600" dirty="0">
+                <a:latin typeface="HY수평선M" pitchFamily="18" charset="-127"/>
+                <a:ea typeface="HY수평선M" pitchFamily="18" charset="-127"/>
+              </a:rPr>
+              <a:t>, </a:t>
+            </a:r>
+            <a:r>
+              <a:rPr lang="ko-KR" altLang="en-US" sz="1600" dirty="0">
+                <a:latin typeface="HY수평선M" pitchFamily="18" charset="-127"/>
+                <a:ea typeface="HY수평선M" pitchFamily="18" charset="-127"/>
+              </a:rPr>
+              <a:t>개발 과정에서 모르는 부분은 도움을 주고 받으며 해결해나가 게임을 만들어서 좋은 경험이 되었다고 생각한다</a:t>
+            </a:r>
+            <a:r>
+              <a:rPr lang="en-US" altLang="ko-KR" sz="1600" dirty="0">
+                <a:latin typeface="HY수평선M" pitchFamily="18" charset="-127"/>
+                <a:ea typeface="HY수평선M" pitchFamily="18" charset="-127"/>
+              </a:rPr>
+              <a:t>.</a:t>
+            </a:r>
+          </a:p>
+          <a:p>
+            <a:r>
+              <a:rPr lang="ko-KR" altLang="en-US" sz="1600" dirty="0">
+                <a:latin typeface="HY수평선M" pitchFamily="18" charset="-127"/>
+                <a:ea typeface="HY수평선M" pitchFamily="18" charset="-127"/>
+              </a:rPr>
+              <a:t>이서진</a:t>
+            </a:r>
+            <a:r>
+              <a:rPr lang="en-US" altLang="ko-KR" sz="1600" dirty="0">
+                <a:latin typeface="HY수평선M" pitchFamily="18" charset="-127"/>
+                <a:ea typeface="HY수평선M" pitchFamily="18" charset="-127"/>
+              </a:rPr>
+              <a:t>: </a:t>
+            </a:r>
+            <a:r>
+              <a:rPr lang="ko-KR" altLang="en-US" sz="1600" dirty="0">
+                <a:latin typeface="HY수평선M" pitchFamily="18" charset="-127"/>
+                <a:ea typeface="HY수평선M" pitchFamily="18" charset="-127"/>
+              </a:rPr>
+              <a:t>처음에는 진짜 할 수 있을까 걱정됐지만</a:t>
+            </a:r>
+            <a:r>
+              <a:rPr lang="en-US" altLang="ko-KR" sz="1600" dirty="0">
+                <a:latin typeface="HY수평선M" pitchFamily="18" charset="-127"/>
+                <a:ea typeface="HY수평선M" pitchFamily="18" charset="-127"/>
+              </a:rPr>
+              <a:t> </a:t>
+            </a:r>
+            <a:r>
+              <a:rPr lang="ko-KR" altLang="en-US" sz="1600" dirty="0">
+                <a:latin typeface="HY수평선M" pitchFamily="18" charset="-127"/>
+                <a:ea typeface="HY수평선M" pitchFamily="18" charset="-127"/>
+              </a:rPr>
+              <a:t>게임을 만들며 뿌듯하고 많이 도와주지 못해서 미안하고 아쉬운 점이 많다</a:t>
+            </a:r>
+            <a:r>
+              <a:rPr lang="en-US" altLang="ko-KR" sz="1600" dirty="0">
+                <a:latin typeface="HY수평선M" pitchFamily="18" charset="-127"/>
+                <a:ea typeface="HY수평선M" pitchFamily="18" charset="-127"/>
+              </a:rPr>
+              <a:t>. </a:t>
+            </a:r>
+            <a:r>
+              <a:rPr lang="ko-KR" altLang="en-US" sz="1600" dirty="0">
+                <a:latin typeface="HY수평선M" pitchFamily="18" charset="-127"/>
+                <a:ea typeface="HY수평선M" pitchFamily="18" charset="-127"/>
+              </a:rPr>
+              <a:t>많은 걸 배우면서 점점 자신이 붙게 된 것 같다</a:t>
+            </a:r>
+            <a:r>
+              <a:rPr lang="en-US" altLang="ko-KR" sz="1600" dirty="0">
+                <a:latin typeface="HY수평선M" pitchFamily="18" charset="-127"/>
+                <a:ea typeface="HY수평선M" pitchFamily="18" charset="-127"/>
+              </a:rPr>
+              <a:t>.</a:t>
+            </a:r>
+          </a:p>
+          <a:p>
+            <a:r>
+              <a:rPr lang="ko-KR" altLang="en-US" sz="1600" dirty="0" err="1">
+                <a:latin typeface="HY수평선M" pitchFamily="18" charset="-127"/>
+                <a:ea typeface="HY수평선M" pitchFamily="18" charset="-127"/>
+              </a:rPr>
+              <a:t>이웅표</a:t>
             </a:r>
             <a:r>
               <a:rPr lang="en-US" altLang="ko-KR" sz="1600" dirty="0">
@@ -5101,48 +5421,19 @@
               </a:rPr>
               <a:t>:</a:t>
             </a:r>
-          </a:p>
-          <a:p>
-            <a:endParaRPr lang="en-US" altLang="ko-KR" sz="1600" dirty="0">
-              <a:latin typeface="HY수평선M" pitchFamily="18" charset="-127"/>
-              <a:ea typeface="HY수평선M" pitchFamily="18" charset="-127"/>
-            </a:endParaRPr>
-          </a:p>
-          <a:p>
+            <a:r>
+              <a:rPr lang="ko-KR" altLang="en-US" sz="1600" dirty="0">
+                <a:latin typeface="HY수평선M" pitchFamily="18" charset="-127"/>
+                <a:ea typeface="HY수평선M" pitchFamily="18" charset="-127"/>
+              </a:rPr>
+              <a:t>비록 게임은 미완성이지만 그 과정은 다른 것보다 </a:t>
+            </a:r>
             <a:r>
               <a:rPr lang="ko-KR" altLang="en-US" sz="1600" dirty="0" err="1">
                 <a:latin typeface="HY수평선M" pitchFamily="18" charset="-127"/>
                 <a:ea typeface="HY수평선M" pitchFamily="18" charset="-127"/>
               </a:rPr>
-              <a:t>윤지섭</a:t>
-            </a:r>
-            <a:r>
-              <a:rPr lang="en-US" altLang="ko-KR" sz="1600" dirty="0">
-                <a:latin typeface="HY수평선M" pitchFamily="18" charset="-127"/>
-                <a:ea typeface="HY수평선M" pitchFamily="18" charset="-127"/>
-              </a:rPr>
-              <a:t>: </a:t>
-            </a:r>
-            <a:r>
-              <a:rPr lang="ko-KR" altLang="en-US" sz="1600" dirty="0">
-                <a:latin typeface="HY수평선M" pitchFamily="18" charset="-127"/>
-                <a:ea typeface="HY수평선M" pitchFamily="18" charset="-127"/>
-              </a:rPr>
-              <a:t>처음에는 게임을 개발해야 한다는 막연한 느낌에 고민이 있었으나</a:t>
-            </a:r>
-            <a:r>
-              <a:rPr lang="en-US" altLang="ko-KR" sz="1600" dirty="0">
-                <a:latin typeface="HY수평선M" pitchFamily="18" charset="-127"/>
-                <a:ea typeface="HY수평선M" pitchFamily="18" charset="-127"/>
-              </a:rPr>
-              <a:t>, </a:t>
-            </a:r>
-            <a:r>
-              <a:rPr lang="ko-KR" altLang="en-US" sz="1600" dirty="0">
-                <a:latin typeface="HY수평선M" pitchFamily="18" charset="-127"/>
-                <a:ea typeface="HY수평선M" pitchFamily="18" charset="-127"/>
-              </a:rPr>
-              <a:t>개발 과정에서 모르는 부분은 도움을 주고 받으며 해결해나가 게임을 만들어서 좋은 경험이 되었다고 생각한다</a:t>
+              <a:t>값졌다</a:t>
             </a:r>
             <a:r>
               <a:rPr lang="en-US" altLang="ko-KR" sz="1600" dirty="0">
@@ -5150,86 +5441,6 @@
                 <a:ea typeface="HY수평선M" pitchFamily="18" charset="-127"/>
               </a:rPr>
               <a:t>.</a:t>
-            </a:r>
-          </a:p>
-          <a:p>
-            <a:r>
-              <a:rPr lang="ko-KR" altLang="en-US" sz="1600" dirty="0">
-                <a:latin typeface="HY수평선M" pitchFamily="18" charset="-127"/>
-                <a:ea typeface="HY수평선M" pitchFamily="18" charset="-127"/>
-              </a:rPr>
-              <a:t>이서진</a:t>
-            </a:r>
-            <a:r>
-              <a:rPr lang="en-US" altLang="ko-KR" sz="1600" dirty="0">
-                <a:latin typeface="HY수평선M" pitchFamily="18" charset="-127"/>
-                <a:ea typeface="HY수평선M" pitchFamily="18" charset="-127"/>
-              </a:rPr>
-              <a:t>: </a:t>
-            </a:r>
-            <a:r>
-              <a:rPr lang="ko-KR" altLang="en-US" sz="1600" dirty="0">
-                <a:latin typeface="HY수평선M" pitchFamily="18" charset="-127"/>
-                <a:ea typeface="HY수평선M" pitchFamily="18" charset="-127"/>
-              </a:rPr>
-              <a:t>처음에는 진짜 할 수 있을까 걱정됐지만</a:t>
-            </a:r>
-            <a:r>
-              <a:rPr lang="en-US" altLang="ko-KR" sz="1600" dirty="0">
-                <a:latin typeface="HY수평선M" pitchFamily="18" charset="-127"/>
-                <a:ea typeface="HY수평선M" pitchFamily="18" charset="-127"/>
-              </a:rPr>
-              <a:t> </a:t>
-            </a:r>
-            <a:r>
-              <a:rPr lang="ko-KR" altLang="en-US" sz="1600" dirty="0">
-                <a:latin typeface="HY수평선M" pitchFamily="18" charset="-127"/>
-                <a:ea typeface="HY수평선M" pitchFamily="18" charset="-127"/>
-              </a:rPr>
-              <a:t>게임을 만들며 뿌듯하고 많이 도와주지 못해서 미안하고 아쉬운 점이 많다</a:t>
-            </a:r>
-            <a:r>
-              <a:rPr lang="en-US" altLang="ko-KR" sz="1600" dirty="0">
-                <a:latin typeface="HY수평선M" pitchFamily="18" charset="-127"/>
-                <a:ea typeface="HY수평선M" pitchFamily="18" charset="-127"/>
-              </a:rPr>
-              <a:t>. </a:t>
-            </a:r>
-            <a:r>
-              <a:rPr lang="ko-KR" altLang="en-US" sz="1600" dirty="0">
-                <a:latin typeface="HY수평선M" pitchFamily="18" charset="-127"/>
-                <a:ea typeface="HY수평선M" pitchFamily="18" charset="-127"/>
-              </a:rPr>
-              <a:t>많은 걸 배우면서 점점 자신이 붙게 된 것 같다</a:t>
-            </a:r>
-            <a:r>
-              <a:rPr lang="en-US" altLang="ko-KR" sz="1600" dirty="0">
-                <a:latin typeface="HY수평선M" pitchFamily="18" charset="-127"/>
-                <a:ea typeface="HY수평선M" pitchFamily="18" charset="-127"/>
-              </a:rPr>
-              <a:t>.</a:t>
-            </a:r>
-          </a:p>
-          <a:p>
-            <a:endParaRPr lang="en-US" altLang="ko-KR" sz="1600" dirty="0">
-              <a:latin typeface="HY수평선M" pitchFamily="18" charset="-127"/>
-              <a:ea typeface="HY수평선M" pitchFamily="18" charset="-127"/>
-            </a:endParaRPr>
-          </a:p>
-          <a:p>
-            <a:r>
-              <a:rPr lang="ko-KR" altLang="en-US" sz="1600" dirty="0" err="1">
-                <a:latin typeface="HY수평선M" pitchFamily="18" charset="-127"/>
-                <a:ea typeface="HY수평선M" pitchFamily="18" charset="-127"/>
-              </a:rPr>
-              <a:t>이웅표</a:t>
-            </a:r>
-            <a:r>
-              <a:rPr lang="en-US" altLang="ko-KR" sz="1600" dirty="0">
-                <a:latin typeface="HY수평선M" pitchFamily="18" charset="-127"/>
-                <a:ea typeface="HY수평선M" pitchFamily="18" charset="-127"/>
-              </a:rPr>
-              <a:t>:</a:t>
             </a:r>
           </a:p>
           <a:p>
@@ -5266,55 +5477,6 @@
               </a:rPr>
               <a:t>:</a:t>
             </a:r>
-          </a:p>
-        </p:txBody>
-      </p:sp>
-      <p:sp>
-        <p:nvSpPr>
-          <p:cNvPr id="8" name="직사각형 7"/>
-          <p:cNvSpPr/>
-          <p:nvPr/>
-        </p:nvSpPr>
-        <p:spPr>
-          <a:xfrm>
-            <a:off x="179512" y="4011910"/>
-            <a:ext cx="8784976" cy="45719"/>
-          </a:xfrm>
-          <a:prstGeom prst="rect">
-            <a:avLst/>
-          </a:prstGeom>
-          <a:solidFill>
-            <a:schemeClr val="tx1">
-              <a:lumMod val="65000"/>
-              <a:lumOff val="35000"/>
-            </a:schemeClr>
-          </a:solidFill>
-          <a:ln>
-            <a:noFill/>
-          </a:ln>
-        </p:spPr>
-        <p:style>
-          <a:lnRef idx="2">
-            <a:schemeClr val="accent1">
-              <a:shade val="50000"/>
-            </a:schemeClr>
-          </a:lnRef>
-          <a:fillRef idx="1">
-            <a:schemeClr val="accent1"/>
-          </a:fillRef>
-          <a:effectRef idx="0">
-            <a:schemeClr val="accent1"/>
-          </a:effectRef>
-          <a:fontRef idx="minor">
-            <a:schemeClr val="lt1"/>
-          </a:fontRef>
-        </p:style>
-        <p:txBody>
-          <a:bodyPr rtlCol="0" anchor="ctr"/>
-          <a:lstStyle/>
-          <a:p>
-            <a:pPr algn="ctr"/>
-            <a:endParaRPr lang="ko-KR" altLang="en-US"/>
           </a:p>
         </p:txBody>
       </p:sp>

--- a/3조 발표자료.pptx
+++ b/3조 발표자료.pptx
@@ -5,7 +5,7 @@
     <p:sldMasterId id="2147483648" r:id="rId1"/>
   </p:sldMasterIdLst>
   <p:notesMasterIdLst>
-    <p:notesMasterId r:id="rId15"/>
+    <p:notesMasterId r:id="rId17"/>
   </p:notesMasterIdLst>
   <p:sldIdLst>
     <p:sldId id="256" r:id="rId2"/>
@@ -20,7 +20,9 @@
     <p:sldId id="267" r:id="rId11"/>
     <p:sldId id="261" r:id="rId12"/>
     <p:sldId id="262" r:id="rId13"/>
-    <p:sldId id="263" r:id="rId14"/>
+    <p:sldId id="269" r:id="rId14"/>
+    <p:sldId id="270" r:id="rId15"/>
+    <p:sldId id="263" r:id="rId16"/>
   </p:sldIdLst>
   <p:sldSz cx="9144000" cy="5143500" type="screen16x9"/>
   <p:notesSz cx="6858000" cy="9144000"/>
@@ -545,15 +547,47 @@
             </a:r>
             <a:r>
               <a:rPr lang="ko-KR" altLang="en-US" dirty="0"/>
-              <a:t>게임을 한번 만들어보고는 싶었는데 </a:t>
+              <a:t>그 동안은 </a:t>
             </a:r>
             <a:r>
               <a:rPr lang="ko-KR" altLang="en-US" dirty="0" err="1"/>
-              <a:t>만드는법을</a:t>
+              <a:t>소비자로서만</a:t>
             </a:r>
             <a:r>
               <a:rPr lang="ko-KR" altLang="en-US" dirty="0"/>
-              <a:t> 몰라서 못 만들었다</a:t>
+              <a:t> 게임을 보았다면 이번 캠프에선 개발자로서 게임을 볼 수 </a:t>
+            </a:r>
+            <a:r>
+              <a:rPr lang="ko-KR" altLang="en-US" dirty="0" err="1"/>
+              <a:t>있어좋았고</a:t>
+            </a:r>
+            <a:r>
+              <a:rPr lang="en-US" altLang="ko-KR" dirty="0"/>
+              <a:t>, </a:t>
+            </a:r>
+            <a:r>
+              <a:rPr lang="ko-KR" altLang="en-US" dirty="0"/>
+              <a:t>내가 생각한걸 게임으로 실현시키고</a:t>
+            </a:r>
+            <a:r>
+              <a:rPr lang="en-US" altLang="ko-KR" dirty="0"/>
+              <a:t>, </a:t>
+            </a:r>
+            <a:r>
+              <a:rPr lang="ko-KR" altLang="en-US" dirty="0" err="1"/>
+              <a:t>남한테</a:t>
+            </a:r>
+            <a:r>
+              <a:rPr lang="ko-KR" altLang="en-US" dirty="0"/>
+              <a:t> 보여준다는 것이 신기하고</a:t>
+            </a:r>
+            <a:r>
+              <a:rPr lang="en-US" altLang="ko-KR" dirty="0"/>
+              <a:t>, </a:t>
+            </a:r>
+            <a:r>
+              <a:rPr lang="ko-KR" altLang="en-US" dirty="0"/>
+              <a:t>좋았다</a:t>
             </a:r>
             <a:r>
               <a:rPr lang="en-US" altLang="ko-KR" dirty="0"/>
@@ -561,19 +595,7 @@
             </a:r>
             <a:r>
               <a:rPr lang="ko-KR" altLang="en-US" dirty="0"/>
-              <a:t>근데 이번 캠프를 계기로 어느정도 </a:t>
-            </a:r>
-            <a:r>
-              <a:rPr lang="ko-KR" altLang="en-US" dirty="0" err="1"/>
-              <a:t>만드는법을</a:t>
-            </a:r>
-            <a:r>
-              <a:rPr lang="ko-KR" altLang="en-US" dirty="0"/>
-              <a:t> </a:t>
-            </a:r>
-            <a:r>
-              <a:rPr lang="ko-KR" altLang="en-US" dirty="0" err="1"/>
-              <a:t>알게되었고</a:t>
+              <a:t>그리고 게임캠프를 하면서 다양한 게임관련 직업군을 볼 수 있었고</a:t>
             </a:r>
             <a:r>
               <a:rPr lang="en-US" altLang="ko-KR" dirty="0"/>
@@ -581,27 +603,15 @@
             </a:r>
             <a:r>
               <a:rPr lang="ko-KR" altLang="en-US" dirty="0"/>
-              <a:t>멘토님도 잘 알려주셔서 좋았다</a:t>
+              <a:t>내 진로에 대해서 다시한번 생각해 볼 수 있어 </a:t>
+            </a:r>
+            <a:r>
+              <a:rPr lang="ko-KR" altLang="en-US" dirty="0" err="1"/>
+              <a:t>좋았던것같다</a:t>
             </a:r>
             <a:r>
               <a:rPr lang="en-US" altLang="ko-KR" dirty="0"/>
               <a:t>. </a:t>
-            </a:r>
-            <a:r>
-              <a:rPr lang="ko-KR" altLang="en-US" dirty="0"/>
-              <a:t>다만 미완성 상태로 </a:t>
-            </a:r>
-            <a:r>
-              <a:rPr lang="ko-KR" altLang="en-US" dirty="0" err="1"/>
-              <a:t>끝난것이</a:t>
-            </a:r>
-            <a:r>
-              <a:rPr lang="ko-KR" altLang="en-US" dirty="0"/>
-              <a:t> 조금 아쉬움이 남는다</a:t>
-            </a:r>
-            <a:r>
-              <a:rPr lang="en-US" altLang="ko-KR" dirty="0"/>
-              <a:t>.</a:t>
             </a:r>
           </a:p>
           <a:p>
@@ -853,6 +863,764 @@
     <p:extLst>
       <p:ext uri="{BB962C8B-B14F-4D97-AF65-F5344CB8AC3E}">
         <p14:creationId xmlns:p14="http://schemas.microsoft.com/office/powerpoint/2010/main" val="4263552992"/>
+      </p:ext>
+    </p:extLst>
+  </p:cSld>
+  <p:clrMapOvr>
+    <a:masterClrMapping/>
+  </p:clrMapOvr>
+</p:notes>
+</file>
+
+<file path=ppt/notesSlides/notesSlide2.xml><?xml version="1.0" encoding="utf-8"?>
+<p:notes xmlns:a="http://schemas.openxmlformats.org/drawingml/2006/main" xmlns:r="http://schemas.openxmlformats.org/officeDocument/2006/relationships" xmlns:p="http://schemas.openxmlformats.org/presentationml/2006/main">
+  <p:cSld>
+    <p:spTree>
+      <p:nvGrpSpPr>
+        <p:cNvPr id="1" name=""/>
+        <p:cNvGrpSpPr/>
+        <p:nvPr/>
+      </p:nvGrpSpPr>
+      <p:grpSpPr>
+        <a:xfrm>
+          <a:off x="0" y="0"/>
+          <a:ext cx="0" cy="0"/>
+          <a:chOff x="0" y="0"/>
+          <a:chExt cx="0" cy="0"/>
+        </a:xfrm>
+      </p:grpSpPr>
+      <p:sp>
+        <p:nvSpPr>
+          <p:cNvPr id="2" name="슬라이드 이미지 개체 틀 1"/>
+          <p:cNvSpPr>
+            <a:spLocks noGrp="1" noRot="1" noChangeAspect="1"/>
+          </p:cNvSpPr>
+          <p:nvPr>
+            <p:ph type="sldImg"/>
+          </p:nvPr>
+        </p:nvSpPr>
+        <p:spPr/>
+      </p:sp>
+      <p:sp>
+        <p:nvSpPr>
+          <p:cNvPr id="3" name="슬라이드 노트 개체 틀 2"/>
+          <p:cNvSpPr>
+            <a:spLocks noGrp="1"/>
+          </p:cNvSpPr>
+          <p:nvPr>
+            <p:ph type="body" idx="1"/>
+          </p:nvPr>
+        </p:nvSpPr>
+        <p:spPr/>
+        <p:txBody>
+          <a:bodyPr/>
+          <a:lstStyle/>
+          <a:p>
+            <a:r>
+              <a:rPr lang="ko-KR" altLang="en-US" dirty="0"/>
+              <a:t>신동환 </a:t>
+            </a:r>
+            <a:r>
+              <a:rPr lang="en-US" altLang="ko-KR" dirty="0"/>
+              <a:t>: </a:t>
+            </a:r>
+            <a:r>
+              <a:rPr lang="ko-KR" altLang="en-US" dirty="0"/>
+              <a:t>그 동안은 </a:t>
+            </a:r>
+            <a:r>
+              <a:rPr lang="ko-KR" altLang="en-US" dirty="0" err="1"/>
+              <a:t>소비자로서만</a:t>
+            </a:r>
+            <a:r>
+              <a:rPr lang="ko-KR" altLang="en-US" dirty="0"/>
+              <a:t> 게임을 보았다면 이번 캠프에선 개발자로서 게임을 볼 수 </a:t>
+            </a:r>
+            <a:r>
+              <a:rPr lang="ko-KR" altLang="en-US" dirty="0" err="1"/>
+              <a:t>있어좋았고</a:t>
+            </a:r>
+            <a:r>
+              <a:rPr lang="en-US" altLang="ko-KR" dirty="0"/>
+              <a:t>, </a:t>
+            </a:r>
+            <a:r>
+              <a:rPr lang="ko-KR" altLang="en-US" dirty="0"/>
+              <a:t>내가 생각한걸 게임으로 실현시키고</a:t>
+            </a:r>
+            <a:r>
+              <a:rPr lang="en-US" altLang="ko-KR" dirty="0"/>
+              <a:t>, </a:t>
+            </a:r>
+            <a:r>
+              <a:rPr lang="ko-KR" altLang="en-US" dirty="0" err="1"/>
+              <a:t>남한테</a:t>
+            </a:r>
+            <a:r>
+              <a:rPr lang="ko-KR" altLang="en-US" dirty="0"/>
+              <a:t> 보여준다는 것이 신기하고</a:t>
+            </a:r>
+            <a:r>
+              <a:rPr lang="en-US" altLang="ko-KR" dirty="0"/>
+              <a:t>, </a:t>
+            </a:r>
+            <a:r>
+              <a:rPr lang="ko-KR" altLang="en-US" dirty="0"/>
+              <a:t>좋았다</a:t>
+            </a:r>
+            <a:r>
+              <a:rPr lang="en-US" altLang="ko-KR" dirty="0"/>
+              <a:t>. </a:t>
+            </a:r>
+            <a:r>
+              <a:rPr lang="ko-KR" altLang="en-US" dirty="0"/>
+              <a:t>그리고 게임캠프를 하면서 다양한 게임관련 직업군을 볼 수 있었고</a:t>
+            </a:r>
+            <a:r>
+              <a:rPr lang="en-US" altLang="ko-KR" dirty="0"/>
+              <a:t>, </a:t>
+            </a:r>
+            <a:r>
+              <a:rPr lang="ko-KR" altLang="en-US" dirty="0"/>
+              <a:t>내 진로에 대해서 다시한번 생각해 볼 수 있어 </a:t>
+            </a:r>
+            <a:r>
+              <a:rPr lang="ko-KR" altLang="en-US" dirty="0" err="1"/>
+              <a:t>좋았던것같다</a:t>
+            </a:r>
+            <a:r>
+              <a:rPr lang="en-US" altLang="ko-KR" dirty="0"/>
+              <a:t>. </a:t>
+            </a:r>
+          </a:p>
+          <a:p>
+            <a:r>
+              <a:rPr lang="en-US" altLang="ko-KR" dirty="0"/>
+              <a:t>(</a:t>
+            </a:r>
+            <a:r>
+              <a:rPr lang="ko-KR" altLang="en-US" dirty="0" err="1"/>
+              <a:t>윤지섭</a:t>
+            </a:r>
+            <a:r>
+              <a:rPr lang="en-US" altLang="ko-KR" dirty="0"/>
+              <a:t>) </a:t>
+            </a:r>
+            <a:r>
+              <a:rPr lang="ko-KR" altLang="en-US" dirty="0" err="1"/>
+              <a:t>느낀점</a:t>
+            </a:r>
+            <a:r>
+              <a:rPr lang="en-US" altLang="ko-KR" dirty="0"/>
+              <a:t>: </a:t>
+            </a:r>
+            <a:r>
+              <a:rPr lang="ko-KR" altLang="en-US" dirty="0"/>
+              <a:t>처음에는 게임을 </a:t>
+            </a:r>
+            <a:r>
+              <a:rPr lang="ko-KR" altLang="en-US" dirty="0" err="1"/>
+              <a:t>개발해야한다는</a:t>
+            </a:r>
+            <a:r>
+              <a:rPr lang="ko-KR" altLang="en-US" dirty="0"/>
+              <a:t> 막연한 느낌에 고민이 있었으나</a:t>
+            </a:r>
+            <a:r>
+              <a:rPr lang="en-US" altLang="ko-KR" dirty="0"/>
+              <a:t>, </a:t>
+            </a:r>
+            <a:r>
+              <a:rPr lang="ko-KR" altLang="en-US" dirty="0"/>
+              <a:t>개발 과정에서 모르는 부분은 도움을 주고 받으며 해결해나가 게임을 만들어서 좋은 경험이 되었다고 생각한다</a:t>
+            </a:r>
+            <a:r>
+              <a:rPr lang="en-US" altLang="ko-KR" dirty="0"/>
+              <a:t>.</a:t>
+            </a:r>
+          </a:p>
+          <a:p>
+            <a:pPr marL="0" marR="0" lvl="0" indent="0" algn="l" defTabSz="914400" rtl="0" eaLnBrk="1" fontAlgn="auto" latinLnBrk="1" hangingPunct="1">
+              <a:lnSpc>
+                <a:spcPct val="100000"/>
+              </a:lnSpc>
+              <a:spcBef>
+                <a:spcPts val="0"/>
+              </a:spcBef>
+              <a:spcAft>
+                <a:spcPts val="0"/>
+              </a:spcAft>
+              <a:buClrTx/>
+              <a:buSzTx/>
+              <a:buFontTx/>
+              <a:buNone/>
+              <a:tabLst/>
+              <a:defRPr/>
+            </a:pPr>
+            <a:r>
+              <a:rPr lang="ko-KR" altLang="en-US" dirty="0"/>
+              <a:t>이서진 </a:t>
+            </a:r>
+            <a:r>
+              <a:rPr lang="en-US" altLang="ko-KR" dirty="0"/>
+              <a:t>: </a:t>
+            </a:r>
+            <a:r>
+              <a:rPr lang="ko-KR" altLang="en-US" dirty="0"/>
+              <a:t>처음에는 진짜 </a:t>
+            </a:r>
+            <a:r>
+              <a:rPr lang="ko-KR" altLang="en-US" dirty="0" err="1"/>
+              <a:t>할수있을까라는</a:t>
+            </a:r>
+            <a:r>
+              <a:rPr lang="ko-KR" altLang="en-US" dirty="0"/>
+              <a:t> 생각으로 하게 </a:t>
+            </a:r>
+            <a:r>
+              <a:rPr lang="ko-KR" altLang="en-US" dirty="0" err="1"/>
+              <a:t>된거지만</a:t>
+            </a:r>
+            <a:r>
+              <a:rPr lang="ko-KR" altLang="en-US" dirty="0"/>
+              <a:t> 팀원들과 단합도 잘되고 잘 해주니 하나하나 </a:t>
+            </a:r>
+            <a:r>
+              <a:rPr lang="ko-KR" altLang="en-US" dirty="0" err="1"/>
+              <a:t>할때</a:t>
+            </a:r>
+            <a:r>
+              <a:rPr lang="ko-KR" altLang="en-US" dirty="0"/>
+              <a:t> 뿌듯함이 크고 내가 많이 </a:t>
+            </a:r>
+            <a:r>
+              <a:rPr lang="ko-KR" altLang="en-US" dirty="0" err="1"/>
+              <a:t>도와주지못하고</a:t>
+            </a:r>
+            <a:r>
+              <a:rPr lang="ko-KR" altLang="en-US" dirty="0"/>
+              <a:t> 참여해주지 </a:t>
+            </a:r>
+            <a:r>
+              <a:rPr lang="ko-KR" altLang="en-US" dirty="0" err="1"/>
+              <a:t>못한거에</a:t>
+            </a:r>
+            <a:r>
+              <a:rPr lang="ko-KR" altLang="en-US" dirty="0"/>
+              <a:t> 아쉬움이 </a:t>
+            </a:r>
+            <a:r>
+              <a:rPr lang="ko-KR" altLang="en-US" dirty="0" err="1"/>
+              <a:t>큰거같다</a:t>
+            </a:r>
+            <a:r>
+              <a:rPr lang="ko-KR" altLang="en-US" dirty="0"/>
+              <a:t> 게임을 만들며 </a:t>
+            </a:r>
+            <a:r>
+              <a:rPr lang="ko-KR" altLang="en-US" dirty="0" err="1"/>
+              <a:t>많은걸</a:t>
+            </a:r>
+            <a:r>
+              <a:rPr lang="ko-KR" altLang="en-US" dirty="0"/>
+              <a:t> 배우고 </a:t>
+            </a:r>
+            <a:r>
+              <a:rPr lang="ko-KR" altLang="en-US" dirty="0" err="1"/>
+              <a:t>다양한것들도</a:t>
+            </a:r>
+            <a:r>
+              <a:rPr lang="ko-KR" altLang="en-US" dirty="0"/>
+              <a:t> </a:t>
+            </a:r>
+            <a:r>
+              <a:rPr lang="ko-KR" altLang="en-US" dirty="0" err="1"/>
+              <a:t>하게되고</a:t>
+            </a:r>
+            <a:r>
+              <a:rPr lang="ko-KR" altLang="en-US" dirty="0"/>
+              <a:t> </a:t>
+            </a:r>
+            <a:r>
+              <a:rPr lang="ko-KR" altLang="en-US" dirty="0" err="1"/>
+              <a:t>게임만들기에</a:t>
+            </a:r>
+            <a:r>
+              <a:rPr lang="ko-KR" altLang="en-US" dirty="0"/>
+              <a:t> </a:t>
+            </a:r>
+            <a:r>
+              <a:rPr lang="ko-KR" altLang="en-US" dirty="0" err="1"/>
+              <a:t>자신이없다가</a:t>
+            </a:r>
+            <a:r>
+              <a:rPr lang="ko-KR" altLang="en-US" dirty="0"/>
+              <a:t> 점점 자신이 </a:t>
+            </a:r>
+            <a:r>
+              <a:rPr lang="ko-KR" altLang="en-US" dirty="0" err="1"/>
+              <a:t>붙게된거</a:t>
+            </a:r>
+            <a:r>
+              <a:rPr lang="ko-KR" altLang="en-US" dirty="0"/>
+              <a:t> 같다 무엇보다도 팀원들이 제일 열심히 해주어서 고맙다</a:t>
+            </a:r>
+            <a:endParaRPr lang="en-US" altLang="ko-KR" dirty="0"/>
+          </a:p>
+          <a:p>
+            <a:r>
+              <a:rPr lang="ko-KR" altLang="en-US" dirty="0" err="1"/>
+              <a:t>이웅표</a:t>
+            </a:r>
+            <a:r>
+              <a:rPr lang="ko-KR" altLang="en-US" dirty="0"/>
+              <a:t> </a:t>
+            </a:r>
+            <a:r>
+              <a:rPr lang="en-US" altLang="ko-KR" dirty="0"/>
+              <a:t>: </a:t>
+            </a:r>
+            <a:r>
+              <a:rPr lang="ko-KR" altLang="en-US" dirty="0"/>
+              <a:t>저희 팀원들은 비록 게임을 완성시키지 못했지만 그 과정만큼은 다른 무엇보다 값지다고 생각합니다</a:t>
+            </a:r>
+            <a:r>
+              <a:rPr lang="en-US" altLang="ko-KR" dirty="0"/>
+              <a:t>. </a:t>
+            </a:r>
+            <a:r>
+              <a:rPr lang="ko-KR" altLang="en-US" dirty="0"/>
+              <a:t>또한 팀원들과 게임을 만들고 역할을 분담하여 게임을 만드는 과정을 실제로 해보면서 다양한 교훈과 게임 개발에 필요한 것들을 알게 되었습니다</a:t>
+            </a:r>
+            <a:r>
+              <a:rPr lang="en-US" altLang="ko-KR" dirty="0"/>
+              <a:t>. </a:t>
+            </a:r>
+            <a:r>
+              <a:rPr lang="ko-KR" altLang="en-US" dirty="0"/>
+              <a:t>우리가 비록 게임을 완성하지 못했더라도 다음에 이런 비슷한 활동이나 작업을 할 때에 이 활동을 떠올려서 고치는 계기가 되었으면 </a:t>
+            </a:r>
+            <a:r>
+              <a:rPr lang="ko-KR" altLang="en-US" dirty="0" err="1"/>
+              <a:t>좋겠어</a:t>
+            </a:r>
+            <a:r>
+              <a:rPr lang="en-US" altLang="ko-KR" dirty="0"/>
+              <a:t>! </a:t>
+            </a:r>
+            <a:r>
+              <a:rPr lang="ko-KR" altLang="en-US" dirty="0"/>
+              <a:t>그리고 아트 담당도 고마워 우리 프로그래밍이 미흡해도 불평을 하지 않아줘서</a:t>
+            </a:r>
+          </a:p>
+        </p:txBody>
+      </p:sp>
+      <p:sp>
+        <p:nvSpPr>
+          <p:cNvPr id="4" name="슬라이드 번호 개체 틀 3"/>
+          <p:cNvSpPr>
+            <a:spLocks noGrp="1"/>
+          </p:cNvSpPr>
+          <p:nvPr>
+            <p:ph type="sldNum" sz="quarter" idx="10"/>
+          </p:nvPr>
+        </p:nvSpPr>
+        <p:spPr/>
+        <p:txBody>
+          <a:bodyPr/>
+          <a:lstStyle/>
+          <a:p>
+            <a:fld id="{25253E3C-AF0E-483E-93B2-4288366BC325}" type="slidenum">
+              <a:rPr lang="ko-KR" altLang="en-US" smtClean="0"/>
+              <a:t>13</a:t>
+            </a:fld>
+            <a:endParaRPr lang="ko-KR" altLang="en-US"/>
+          </a:p>
+        </p:txBody>
+      </p:sp>
+    </p:spTree>
+    <p:extLst>
+      <p:ext uri="{BB962C8B-B14F-4D97-AF65-F5344CB8AC3E}">
+        <p14:creationId xmlns:p14="http://schemas.microsoft.com/office/powerpoint/2010/main" val="2352112057"/>
+      </p:ext>
+    </p:extLst>
+  </p:cSld>
+  <p:clrMapOvr>
+    <a:masterClrMapping/>
+  </p:clrMapOvr>
+</p:notes>
+</file>
+
+<file path=ppt/notesSlides/notesSlide3.xml><?xml version="1.0" encoding="utf-8"?>
+<p:notes xmlns:a="http://schemas.openxmlformats.org/drawingml/2006/main" xmlns:r="http://schemas.openxmlformats.org/officeDocument/2006/relationships" xmlns:p="http://schemas.openxmlformats.org/presentationml/2006/main">
+  <p:cSld>
+    <p:spTree>
+      <p:nvGrpSpPr>
+        <p:cNvPr id="1" name=""/>
+        <p:cNvGrpSpPr/>
+        <p:nvPr/>
+      </p:nvGrpSpPr>
+      <p:grpSpPr>
+        <a:xfrm>
+          <a:off x="0" y="0"/>
+          <a:ext cx="0" cy="0"/>
+          <a:chOff x="0" y="0"/>
+          <a:chExt cx="0" cy="0"/>
+        </a:xfrm>
+      </p:grpSpPr>
+      <p:sp>
+        <p:nvSpPr>
+          <p:cNvPr id="2" name="슬라이드 이미지 개체 틀 1"/>
+          <p:cNvSpPr>
+            <a:spLocks noGrp="1" noRot="1" noChangeAspect="1"/>
+          </p:cNvSpPr>
+          <p:nvPr>
+            <p:ph type="sldImg"/>
+          </p:nvPr>
+        </p:nvSpPr>
+        <p:spPr/>
+      </p:sp>
+      <p:sp>
+        <p:nvSpPr>
+          <p:cNvPr id="3" name="슬라이드 노트 개체 틀 2"/>
+          <p:cNvSpPr>
+            <a:spLocks noGrp="1"/>
+          </p:cNvSpPr>
+          <p:nvPr>
+            <p:ph type="body" idx="1"/>
+          </p:nvPr>
+        </p:nvSpPr>
+        <p:spPr/>
+        <p:txBody>
+          <a:bodyPr/>
+          <a:lstStyle/>
+          <a:p>
+            <a:r>
+              <a:rPr lang="ko-KR" altLang="en-US" dirty="0"/>
+              <a:t>신동환 </a:t>
+            </a:r>
+            <a:r>
+              <a:rPr lang="en-US" altLang="ko-KR" dirty="0"/>
+              <a:t>: </a:t>
+            </a:r>
+            <a:r>
+              <a:rPr lang="ko-KR" altLang="en-US" dirty="0"/>
+              <a:t>그 동안은 </a:t>
+            </a:r>
+            <a:r>
+              <a:rPr lang="ko-KR" altLang="en-US" dirty="0" err="1"/>
+              <a:t>소비자로서만</a:t>
+            </a:r>
+            <a:r>
+              <a:rPr lang="ko-KR" altLang="en-US" dirty="0"/>
+              <a:t> 게임을 보았다면 이번 캠프에선 개발자로서 게임을 볼 수 </a:t>
+            </a:r>
+            <a:r>
+              <a:rPr lang="ko-KR" altLang="en-US" dirty="0" err="1"/>
+              <a:t>있어좋았고</a:t>
+            </a:r>
+            <a:r>
+              <a:rPr lang="en-US" altLang="ko-KR" dirty="0"/>
+              <a:t>, </a:t>
+            </a:r>
+            <a:r>
+              <a:rPr lang="ko-KR" altLang="en-US" dirty="0"/>
+              <a:t>내가 생각한걸 게임으로 실현시키고</a:t>
+            </a:r>
+            <a:r>
+              <a:rPr lang="en-US" altLang="ko-KR" dirty="0"/>
+              <a:t>, </a:t>
+            </a:r>
+            <a:r>
+              <a:rPr lang="ko-KR" altLang="en-US" dirty="0" err="1"/>
+              <a:t>남한테</a:t>
+            </a:r>
+            <a:r>
+              <a:rPr lang="ko-KR" altLang="en-US" dirty="0"/>
+              <a:t> 보여준다는 것이 신기하고</a:t>
+            </a:r>
+            <a:r>
+              <a:rPr lang="en-US" altLang="ko-KR" dirty="0"/>
+              <a:t>, </a:t>
+            </a:r>
+            <a:r>
+              <a:rPr lang="ko-KR" altLang="en-US" dirty="0"/>
+              <a:t>좋았다</a:t>
+            </a:r>
+            <a:r>
+              <a:rPr lang="en-US" altLang="ko-KR" dirty="0"/>
+              <a:t>. </a:t>
+            </a:r>
+            <a:r>
+              <a:rPr lang="ko-KR" altLang="en-US" dirty="0"/>
+              <a:t>그리고 게임캠프를 하면서 다양한 게임관련 직업군을 볼 수 있었고</a:t>
+            </a:r>
+            <a:r>
+              <a:rPr lang="en-US" altLang="ko-KR" dirty="0"/>
+              <a:t>, </a:t>
+            </a:r>
+            <a:r>
+              <a:rPr lang="ko-KR" altLang="en-US" dirty="0"/>
+              <a:t>내 진로에 대해서 다시한번 생각해 볼 수 있어 </a:t>
+            </a:r>
+            <a:r>
+              <a:rPr lang="ko-KR" altLang="en-US" dirty="0" err="1"/>
+              <a:t>좋았던것같다</a:t>
+            </a:r>
+            <a:r>
+              <a:rPr lang="en-US" altLang="ko-KR" dirty="0"/>
+              <a:t>. </a:t>
+            </a:r>
+          </a:p>
+          <a:p>
+            <a:r>
+              <a:rPr lang="en-US" altLang="ko-KR" dirty="0"/>
+              <a:t>(</a:t>
+            </a:r>
+            <a:r>
+              <a:rPr lang="ko-KR" altLang="en-US" dirty="0" err="1"/>
+              <a:t>윤지섭</a:t>
+            </a:r>
+            <a:r>
+              <a:rPr lang="en-US" altLang="ko-KR" dirty="0"/>
+              <a:t>) </a:t>
+            </a:r>
+            <a:r>
+              <a:rPr lang="ko-KR" altLang="en-US" dirty="0" err="1"/>
+              <a:t>느낀점</a:t>
+            </a:r>
+            <a:r>
+              <a:rPr lang="en-US" altLang="ko-KR" dirty="0"/>
+              <a:t>: </a:t>
+            </a:r>
+            <a:r>
+              <a:rPr lang="ko-KR" altLang="en-US" dirty="0"/>
+              <a:t>처음에는 게임을 </a:t>
+            </a:r>
+            <a:r>
+              <a:rPr lang="ko-KR" altLang="en-US" dirty="0" err="1"/>
+              <a:t>개발해야한다는</a:t>
+            </a:r>
+            <a:r>
+              <a:rPr lang="ko-KR" altLang="en-US" dirty="0"/>
+              <a:t> 막연한 느낌에 고민이 있었으나</a:t>
+            </a:r>
+            <a:r>
+              <a:rPr lang="en-US" altLang="ko-KR" dirty="0"/>
+              <a:t>, </a:t>
+            </a:r>
+            <a:r>
+              <a:rPr lang="ko-KR" altLang="en-US" dirty="0"/>
+              <a:t>개발 과정에서 모르는 부분은 도움을 주고 받으며 해결해나가 게임을 만들어서 좋은 경험이 되었다고 생각한다</a:t>
+            </a:r>
+            <a:r>
+              <a:rPr lang="en-US" altLang="ko-KR" dirty="0"/>
+              <a:t>.</a:t>
+            </a:r>
+          </a:p>
+          <a:p>
+            <a:pPr marL="0" marR="0" lvl="0" indent="0" algn="l" defTabSz="914400" rtl="0" eaLnBrk="1" fontAlgn="auto" latinLnBrk="1" hangingPunct="1">
+              <a:lnSpc>
+                <a:spcPct val="100000"/>
+              </a:lnSpc>
+              <a:spcBef>
+                <a:spcPts val="0"/>
+              </a:spcBef>
+              <a:spcAft>
+                <a:spcPts val="0"/>
+              </a:spcAft>
+              <a:buClrTx/>
+              <a:buSzTx/>
+              <a:buFontTx/>
+              <a:buNone/>
+              <a:tabLst/>
+              <a:defRPr/>
+            </a:pPr>
+            <a:r>
+              <a:rPr lang="ko-KR" altLang="en-US" dirty="0"/>
+              <a:t>이서진 </a:t>
+            </a:r>
+            <a:r>
+              <a:rPr lang="en-US" altLang="ko-KR" dirty="0"/>
+              <a:t>: </a:t>
+            </a:r>
+            <a:r>
+              <a:rPr lang="ko-KR" altLang="en-US" dirty="0"/>
+              <a:t>처음에는 진짜 </a:t>
+            </a:r>
+            <a:r>
+              <a:rPr lang="ko-KR" altLang="en-US" dirty="0" err="1"/>
+              <a:t>할수있을까라는</a:t>
+            </a:r>
+            <a:r>
+              <a:rPr lang="ko-KR" altLang="en-US" dirty="0"/>
+              <a:t> 생각으로 하게 </a:t>
+            </a:r>
+            <a:r>
+              <a:rPr lang="ko-KR" altLang="en-US" dirty="0" err="1"/>
+              <a:t>된거지만</a:t>
+            </a:r>
+            <a:r>
+              <a:rPr lang="ko-KR" altLang="en-US" dirty="0"/>
+              <a:t> 팀원들과 단합도 잘되고 잘 해주니 하나하나 </a:t>
+            </a:r>
+            <a:r>
+              <a:rPr lang="ko-KR" altLang="en-US" dirty="0" err="1"/>
+              <a:t>할때</a:t>
+            </a:r>
+            <a:r>
+              <a:rPr lang="ko-KR" altLang="en-US" dirty="0"/>
+              <a:t> 뿌듯함이 크고 내가 많이 </a:t>
+            </a:r>
+            <a:r>
+              <a:rPr lang="ko-KR" altLang="en-US" dirty="0" err="1"/>
+              <a:t>도와주지못하고</a:t>
+            </a:r>
+            <a:r>
+              <a:rPr lang="ko-KR" altLang="en-US" dirty="0"/>
+              <a:t> 참여해주지 </a:t>
+            </a:r>
+            <a:r>
+              <a:rPr lang="ko-KR" altLang="en-US" dirty="0" err="1"/>
+              <a:t>못한거에</a:t>
+            </a:r>
+            <a:r>
+              <a:rPr lang="ko-KR" altLang="en-US" dirty="0"/>
+              <a:t> 아쉬움이 </a:t>
+            </a:r>
+            <a:r>
+              <a:rPr lang="ko-KR" altLang="en-US" dirty="0" err="1"/>
+              <a:t>큰거같다</a:t>
+            </a:r>
+            <a:r>
+              <a:rPr lang="ko-KR" altLang="en-US" dirty="0"/>
+              <a:t> 게임을 만들며 </a:t>
+            </a:r>
+            <a:r>
+              <a:rPr lang="ko-KR" altLang="en-US" dirty="0" err="1"/>
+              <a:t>많은걸</a:t>
+            </a:r>
+            <a:r>
+              <a:rPr lang="ko-KR" altLang="en-US" dirty="0"/>
+              <a:t> 배우고 </a:t>
+            </a:r>
+            <a:r>
+              <a:rPr lang="ko-KR" altLang="en-US" dirty="0" err="1"/>
+              <a:t>다양한것들도</a:t>
+            </a:r>
+            <a:r>
+              <a:rPr lang="ko-KR" altLang="en-US" dirty="0"/>
+              <a:t> </a:t>
+            </a:r>
+            <a:r>
+              <a:rPr lang="ko-KR" altLang="en-US" dirty="0" err="1"/>
+              <a:t>하게되고</a:t>
+            </a:r>
+            <a:r>
+              <a:rPr lang="ko-KR" altLang="en-US" dirty="0"/>
+              <a:t> </a:t>
+            </a:r>
+            <a:r>
+              <a:rPr lang="ko-KR" altLang="en-US" dirty="0" err="1"/>
+              <a:t>게임만들기에</a:t>
+            </a:r>
+            <a:r>
+              <a:rPr lang="ko-KR" altLang="en-US" dirty="0"/>
+              <a:t> </a:t>
+            </a:r>
+            <a:r>
+              <a:rPr lang="ko-KR" altLang="en-US" dirty="0" err="1"/>
+              <a:t>자신이없다가</a:t>
+            </a:r>
+            <a:r>
+              <a:rPr lang="ko-KR" altLang="en-US" dirty="0"/>
+              <a:t> 점점 자신이 </a:t>
+            </a:r>
+            <a:r>
+              <a:rPr lang="ko-KR" altLang="en-US" dirty="0" err="1"/>
+              <a:t>붙게된거</a:t>
+            </a:r>
+            <a:r>
+              <a:rPr lang="ko-KR" altLang="en-US" dirty="0"/>
+              <a:t> 같다 무엇보다도 팀원들이 제일 열심히 해주어서 고맙다</a:t>
+            </a:r>
+            <a:endParaRPr lang="en-US" altLang="ko-KR" dirty="0"/>
+          </a:p>
+          <a:p>
+            <a:r>
+              <a:rPr lang="ko-KR" altLang="en-US" dirty="0" err="1"/>
+              <a:t>이웅표</a:t>
+            </a:r>
+            <a:r>
+              <a:rPr lang="ko-KR" altLang="en-US" dirty="0"/>
+              <a:t> </a:t>
+            </a:r>
+            <a:r>
+              <a:rPr lang="en-US" altLang="ko-KR" dirty="0"/>
+              <a:t>: </a:t>
+            </a:r>
+            <a:r>
+              <a:rPr lang="ko-KR" altLang="en-US" dirty="0"/>
+              <a:t>저희 팀원들은 비록 게임을 완성시키지 못했지만 그 과정만큼은 다른 무엇보다 값지다고 생각합니다</a:t>
+            </a:r>
+            <a:r>
+              <a:rPr lang="en-US" altLang="ko-KR" dirty="0"/>
+              <a:t>. </a:t>
+            </a:r>
+            <a:r>
+              <a:rPr lang="ko-KR" altLang="en-US" dirty="0"/>
+              <a:t>또한 팀원들과 게임을 만들고 역할을 분담하여 게임을 만드는 과정을 실제로 해보면서 다양한 교훈과 게임 개발에 필요한 것들을 알게 되었습니다</a:t>
+            </a:r>
+            <a:r>
+              <a:rPr lang="en-US" altLang="ko-KR" dirty="0"/>
+              <a:t>. </a:t>
+            </a:r>
+            <a:r>
+              <a:rPr lang="ko-KR" altLang="en-US" dirty="0"/>
+              <a:t>우리가 비록 게임을 완성하지 못했더라도 다음에 이런 비슷한 활동이나 작업을 할 때에 이 활동을 떠올려서 고치는 계기가 되었으면 </a:t>
+            </a:r>
+            <a:r>
+              <a:rPr lang="ko-KR" altLang="en-US" dirty="0" err="1"/>
+              <a:t>좋겠어</a:t>
+            </a:r>
+            <a:r>
+              <a:rPr lang="en-US" altLang="ko-KR" dirty="0"/>
+              <a:t>! </a:t>
+            </a:r>
+            <a:r>
+              <a:rPr lang="ko-KR" altLang="en-US" dirty="0"/>
+              <a:t>그리고 아트 담당도 고마워 우리 프로그래밍이 미흡해도 불평을 하지 않아줘서</a:t>
+            </a:r>
+          </a:p>
+        </p:txBody>
+      </p:sp>
+      <p:sp>
+        <p:nvSpPr>
+          <p:cNvPr id="4" name="슬라이드 번호 개체 틀 3"/>
+          <p:cNvSpPr>
+            <a:spLocks noGrp="1"/>
+          </p:cNvSpPr>
+          <p:nvPr>
+            <p:ph type="sldNum" sz="quarter" idx="10"/>
+          </p:nvPr>
+        </p:nvSpPr>
+        <p:spPr/>
+        <p:txBody>
+          <a:bodyPr/>
+          <a:lstStyle/>
+          <a:p>
+            <a:fld id="{25253E3C-AF0E-483E-93B2-4288366BC325}" type="slidenum">
+              <a:rPr lang="ko-KR" altLang="en-US" smtClean="0"/>
+              <a:t>14</a:t>
+            </a:fld>
+            <a:endParaRPr lang="ko-KR" altLang="en-US"/>
+          </a:p>
+        </p:txBody>
+      </p:sp>
+    </p:spTree>
+    <p:extLst>
+      <p:ext uri="{BB962C8B-B14F-4D97-AF65-F5344CB8AC3E}">
+        <p14:creationId xmlns:p14="http://schemas.microsoft.com/office/powerpoint/2010/main" val="2865402757"/>
       </p:ext>
     </p:extLst>
   </p:cSld>
@@ -5140,7 +5908,7 @@
         <p:spPr>
           <a:xfrm>
             <a:off x="35496" y="627534"/>
-            <a:ext cx="9001000" cy="3785652"/>
+            <a:ext cx="9001000" cy="3693319"/>
           </a:xfrm>
           <a:prstGeom prst="rect">
             <a:avLst/>
@@ -5154,194 +5922,41 @@
           <a:lstStyle/>
           <a:p>
             <a:r>
-              <a:rPr lang="ko-KR" altLang="en-US" sz="1600" dirty="0">
+              <a:rPr lang="ko-KR" altLang="en-US" dirty="0">
                 <a:latin typeface="HY수평선M" pitchFamily="18" charset="-127"/>
                 <a:ea typeface="HY수평선M" pitchFamily="18" charset="-127"/>
               </a:rPr>
               <a:t>강지원</a:t>
             </a:r>
-            <a:r>
-              <a:rPr lang="en-US" altLang="ko-KR" sz="1600" dirty="0">
-                <a:latin typeface="HY수평선M" pitchFamily="18" charset="-127"/>
-                <a:ea typeface="HY수평선M" pitchFamily="18" charset="-127"/>
-              </a:rPr>
-              <a:t>: </a:t>
-            </a:r>
-            <a:r>
-              <a:rPr lang="ko-KR" altLang="en-US" sz="1600" dirty="0">
-                <a:latin typeface="HY수평선M" pitchFamily="18" charset="-127"/>
-                <a:ea typeface="HY수평선M" pitchFamily="18" charset="-127"/>
-              </a:rPr>
-              <a:t>게임기획자가 꿈이어서 캠프에 지원했는데 여기서 어떻게</a:t>
-            </a:r>
-            <a:r>
-              <a:rPr lang="en-US" altLang="ko-KR" sz="1600" dirty="0">
-                <a:latin typeface="HY수평선M" pitchFamily="18" charset="-127"/>
-                <a:ea typeface="HY수평선M" pitchFamily="18" charset="-127"/>
-              </a:rPr>
-              <a:t>, </a:t>
-            </a:r>
-            <a:r>
-              <a:rPr lang="ko-KR" altLang="en-US" sz="1600" dirty="0">
-                <a:latin typeface="HY수평선M" pitchFamily="18" charset="-127"/>
-                <a:ea typeface="HY수평선M" pitchFamily="18" charset="-127"/>
-              </a:rPr>
-              <a:t>어떤 단계를 거쳐서 게임을 만드는지 알 수 있어서 좋았다</a:t>
-            </a:r>
-            <a:r>
-              <a:rPr lang="en-US" altLang="ko-KR" sz="1600" dirty="0">
-                <a:latin typeface="HY수평선M" pitchFamily="18" charset="-127"/>
-                <a:ea typeface="HY수평선M" pitchFamily="18" charset="-127"/>
-              </a:rPr>
-              <a:t>.</a:t>
-            </a:r>
-          </a:p>
-          <a:p>
-            <a:r>
-              <a:rPr lang="ko-KR" altLang="en-US" sz="1600" dirty="0">
-                <a:latin typeface="HY수평선M" pitchFamily="18" charset="-127"/>
-                <a:ea typeface="HY수평선M" pitchFamily="18" charset="-127"/>
-              </a:rPr>
-              <a:t>신동환</a:t>
-            </a:r>
-            <a:r>
-              <a:rPr lang="en-US" altLang="ko-KR" sz="1600" dirty="0">
-                <a:latin typeface="HY수평선M" pitchFamily="18" charset="-127"/>
-                <a:ea typeface="HY수평선M" pitchFamily="18" charset="-127"/>
-              </a:rPr>
-              <a:t>:</a:t>
-            </a:r>
-            <a:r>
-              <a:rPr lang="ko-KR" altLang="en-US" sz="1600" dirty="0">
-                <a:latin typeface="HY수평선M" pitchFamily="18" charset="-127"/>
-                <a:ea typeface="HY수평선M" pitchFamily="18" charset="-127"/>
-              </a:rPr>
-              <a:t>게임을 한번 만들어보고는 싶었는데 만드는 법을 몰라서 못 만들었다</a:t>
-            </a:r>
-            <a:r>
-              <a:rPr lang="en-US" altLang="ko-KR" sz="1600" dirty="0">
-                <a:latin typeface="HY수평선M" pitchFamily="18" charset="-127"/>
-                <a:ea typeface="HY수평선M" pitchFamily="18" charset="-127"/>
-              </a:rPr>
-              <a:t>. </a:t>
-            </a:r>
-            <a:r>
-              <a:rPr lang="ko-KR" altLang="en-US" sz="1600" dirty="0">
-                <a:latin typeface="HY수평선M" pitchFamily="18" charset="-127"/>
-                <a:ea typeface="HY수평선M" pitchFamily="18" charset="-127"/>
-              </a:rPr>
-              <a:t>근데 이번 캠프를 계기로 어느정도 만드는 법을 알게 되었고</a:t>
-            </a:r>
-            <a:r>
-              <a:rPr lang="en-US" altLang="ko-KR" sz="1600" dirty="0">
-                <a:latin typeface="HY수평선M" pitchFamily="18" charset="-127"/>
-                <a:ea typeface="HY수평선M" pitchFamily="18" charset="-127"/>
-              </a:rPr>
-              <a:t>, </a:t>
-            </a:r>
-            <a:r>
-              <a:rPr lang="ko-KR" altLang="en-US" sz="1600" dirty="0">
-                <a:latin typeface="HY수평선M" pitchFamily="18" charset="-127"/>
-                <a:ea typeface="HY수평선M" pitchFamily="18" charset="-127"/>
-              </a:rPr>
-              <a:t>멘토님도 잘 알려주셔서 좋았다</a:t>
-            </a:r>
-            <a:r>
-              <a:rPr lang="en-US" altLang="ko-KR" sz="1600" dirty="0">
-                <a:latin typeface="HY수평선M" pitchFamily="18" charset="-127"/>
-                <a:ea typeface="HY수평선M" pitchFamily="18" charset="-127"/>
-              </a:rPr>
-              <a:t>. </a:t>
-            </a:r>
-            <a:r>
-              <a:rPr lang="ko-KR" altLang="en-US" sz="1600" dirty="0">
-                <a:latin typeface="HY수평선M" pitchFamily="18" charset="-127"/>
-                <a:ea typeface="HY수평선M" pitchFamily="18" charset="-127"/>
-              </a:rPr>
-              <a:t>다만 미완성 상태로 </a:t>
-            </a:r>
-            <a:r>
-              <a:rPr lang="ko-KR" altLang="en-US" sz="1600" dirty="0" err="1">
-                <a:latin typeface="HY수평선M" pitchFamily="18" charset="-127"/>
-                <a:ea typeface="HY수평선M" pitchFamily="18" charset="-127"/>
-              </a:rPr>
-              <a:t>끝난것이</a:t>
-            </a:r>
-            <a:r>
-              <a:rPr lang="ko-KR" altLang="en-US" sz="1600" dirty="0">
-                <a:latin typeface="HY수평선M" pitchFamily="18" charset="-127"/>
-                <a:ea typeface="HY수평선M" pitchFamily="18" charset="-127"/>
-              </a:rPr>
-              <a:t> 조금 아쉬움이 남는다</a:t>
-            </a:r>
-            <a:r>
-              <a:rPr lang="en-US" altLang="ko-KR" sz="1600" dirty="0">
-                <a:latin typeface="HY수평선M" pitchFamily="18" charset="-127"/>
-                <a:ea typeface="HY수평선M" pitchFamily="18" charset="-127"/>
-              </a:rPr>
-              <a:t>.</a:t>
-            </a:r>
-          </a:p>
-          <a:p>
-            <a:r>
-              <a:rPr lang="ko-KR" altLang="en-US" sz="1600" dirty="0">
-                <a:latin typeface="HY수평선M" pitchFamily="18" charset="-127"/>
-                <a:ea typeface="HY수평선M" pitchFamily="18" charset="-127"/>
-              </a:rPr>
-              <a:t>조민준</a:t>
-            </a:r>
-            <a:r>
-              <a:rPr lang="en-US" altLang="ko-KR" sz="1600" dirty="0">
-                <a:latin typeface="HY수평선M" pitchFamily="18" charset="-127"/>
-                <a:ea typeface="HY수평선M" pitchFamily="18" charset="-127"/>
-              </a:rPr>
-              <a:t>:</a:t>
-            </a:r>
-          </a:p>
-          <a:p>
-            <a:endParaRPr lang="en-US" altLang="ko-KR" sz="1600" dirty="0">
+            <a:endParaRPr lang="en-US" altLang="ko-KR" dirty="0">
               <a:latin typeface="HY수평선M" pitchFamily="18" charset="-127"/>
               <a:ea typeface="HY수평선M" pitchFamily="18" charset="-127"/>
             </a:endParaRPr>
           </a:p>
           <a:p>
             <a:r>
-              <a:rPr lang="ko-KR" altLang="en-US" sz="1600" dirty="0" err="1">
+              <a:rPr lang="ko-KR" altLang="en-US" dirty="0">
                 <a:latin typeface="HY수평선M" pitchFamily="18" charset="-127"/>
                 <a:ea typeface="HY수평선M" pitchFamily="18" charset="-127"/>
               </a:rPr>
-              <a:t>윤지섭</a:t>
-            </a:r>
-            <a:r>
-              <a:rPr lang="en-US" altLang="ko-KR" sz="1600" dirty="0">
-                <a:latin typeface="HY수평선M" pitchFamily="18" charset="-127"/>
-                <a:ea typeface="HY수평선M" pitchFamily="18" charset="-127"/>
-              </a:rPr>
-              <a:t>: </a:t>
-            </a:r>
-            <a:r>
-              <a:rPr lang="ko-KR" altLang="en-US" sz="1600" dirty="0">
-                <a:latin typeface="HY수평선M" pitchFamily="18" charset="-127"/>
-                <a:ea typeface="HY수평선M" pitchFamily="18" charset="-127"/>
-              </a:rPr>
-              <a:t>처음에는 게임을 개발해야 한다는 막연한 느낌에 고민이 있었으나</a:t>
-            </a:r>
-            <a:r>
-              <a:rPr lang="en-US" altLang="ko-KR" sz="1600" dirty="0">
+              <a:t>게임기획자가 꿈이어서 캠프에 지원했는데 여기서 어떻게</a:t>
+            </a:r>
+            <a:r>
+              <a:rPr lang="en-US" altLang="ko-KR" dirty="0">
                 <a:latin typeface="HY수평선M" pitchFamily="18" charset="-127"/>
                 <a:ea typeface="HY수평선M" pitchFamily="18" charset="-127"/>
               </a:rPr>
               <a:t>, </a:t>
             </a:r>
             <a:r>
-              <a:rPr lang="ko-KR" altLang="en-US" sz="1600" dirty="0">
+              <a:rPr lang="ko-KR" altLang="en-US" dirty="0">
                 <a:latin typeface="HY수평선M" pitchFamily="18" charset="-127"/>
                 <a:ea typeface="HY수평선M" pitchFamily="18" charset="-127"/>
               </a:rPr>
-              <a:t>개발 과정에서 모르는 부분은 도움을 주고 받으며 해결해나가 게임을 만들어서 좋은 경험이 되었다고 생각한다</a:t>
-            </a:r>
-            <a:r>
-              <a:rPr lang="en-US" altLang="ko-KR" sz="1600" dirty="0">
+              <a:t>어떤 단계를 거쳐서 게임을 만드는지 알 수 있어서 좋았다</a:t>
+            </a:r>
+            <a:r>
+              <a:rPr lang="en-US" altLang="ko-KR" dirty="0">
                 <a:latin typeface="HY수평선M" pitchFamily="18" charset="-127"/>
                 <a:ea typeface="HY수평선M" pitchFamily="18" charset="-127"/>
               </a:rPr>
@@ -5349,134 +5964,161 @@
             </a:r>
           </a:p>
           <a:p>
-            <a:r>
-              <a:rPr lang="ko-KR" altLang="en-US" sz="1600" dirty="0">
-                <a:latin typeface="HY수평선M" pitchFamily="18" charset="-127"/>
-                <a:ea typeface="HY수평선M" pitchFamily="18" charset="-127"/>
-              </a:rPr>
-              <a:t>이서진</a:t>
-            </a:r>
-            <a:r>
-              <a:rPr lang="en-US" altLang="ko-KR" sz="1600" dirty="0">
-                <a:latin typeface="HY수평선M" pitchFamily="18" charset="-127"/>
-                <a:ea typeface="HY수평선M" pitchFamily="18" charset="-127"/>
-              </a:rPr>
-              <a:t>: </a:t>
-            </a:r>
-            <a:r>
-              <a:rPr lang="ko-KR" altLang="en-US" sz="1600" dirty="0">
-                <a:latin typeface="HY수평선M" pitchFamily="18" charset="-127"/>
-                <a:ea typeface="HY수평선M" pitchFamily="18" charset="-127"/>
-              </a:rPr>
-              <a:t>처음에는 진짜 할 수 있을까 걱정됐지만</a:t>
-            </a:r>
-            <a:r>
-              <a:rPr lang="en-US" altLang="ko-KR" sz="1600" dirty="0">
-                <a:latin typeface="HY수평선M" pitchFamily="18" charset="-127"/>
-                <a:ea typeface="HY수평선M" pitchFamily="18" charset="-127"/>
-              </a:rPr>
-              <a:t> </a:t>
-            </a:r>
-            <a:r>
-              <a:rPr lang="ko-KR" altLang="en-US" sz="1600" dirty="0">
-                <a:latin typeface="HY수평선M" pitchFamily="18" charset="-127"/>
-                <a:ea typeface="HY수평선M" pitchFamily="18" charset="-127"/>
-              </a:rPr>
-              <a:t>게임을 만들며 뿌듯하고 많이 도와주지 못해서 미안하고 아쉬운 점이 많다</a:t>
-            </a:r>
-            <a:r>
-              <a:rPr lang="en-US" altLang="ko-KR" sz="1600" dirty="0">
-                <a:latin typeface="HY수평선M" pitchFamily="18" charset="-127"/>
-                <a:ea typeface="HY수평선M" pitchFamily="18" charset="-127"/>
-              </a:rPr>
-              <a:t>. </a:t>
-            </a:r>
-            <a:r>
-              <a:rPr lang="ko-KR" altLang="en-US" sz="1600" dirty="0">
-                <a:latin typeface="HY수평선M" pitchFamily="18" charset="-127"/>
-                <a:ea typeface="HY수평선M" pitchFamily="18" charset="-127"/>
-              </a:rPr>
-              <a:t>많은 걸 배우면서 점점 자신이 붙게 된 것 같다</a:t>
-            </a:r>
-            <a:r>
-              <a:rPr lang="en-US" altLang="ko-KR" sz="1600" dirty="0">
-                <a:latin typeface="HY수평선M" pitchFamily="18" charset="-127"/>
-                <a:ea typeface="HY수평선M" pitchFamily="18" charset="-127"/>
-              </a:rPr>
-              <a:t>.</a:t>
-            </a:r>
-          </a:p>
-          <a:p>
-            <a:r>
-              <a:rPr lang="ko-KR" altLang="en-US" sz="1600" dirty="0" err="1">
-                <a:latin typeface="HY수평선M" pitchFamily="18" charset="-127"/>
-                <a:ea typeface="HY수평선M" pitchFamily="18" charset="-127"/>
-              </a:rPr>
-              <a:t>이웅표</a:t>
-            </a:r>
-            <a:r>
-              <a:rPr lang="en-US" altLang="ko-KR" sz="1600" dirty="0">
-                <a:latin typeface="HY수평선M" pitchFamily="18" charset="-127"/>
-                <a:ea typeface="HY수평선M" pitchFamily="18" charset="-127"/>
-              </a:rPr>
-              <a:t>:</a:t>
-            </a:r>
-            <a:r>
-              <a:rPr lang="ko-KR" altLang="en-US" sz="1600" dirty="0">
-                <a:latin typeface="HY수평선M" pitchFamily="18" charset="-127"/>
-                <a:ea typeface="HY수평선M" pitchFamily="18" charset="-127"/>
-              </a:rPr>
-              <a:t>비록 게임은 미완성이지만 그 과정은 다른 것보다 </a:t>
-            </a:r>
-            <a:r>
-              <a:rPr lang="ko-KR" altLang="en-US" sz="1600" dirty="0" err="1">
-                <a:latin typeface="HY수평선M" pitchFamily="18" charset="-127"/>
-                <a:ea typeface="HY수평선M" pitchFamily="18" charset="-127"/>
-              </a:rPr>
-              <a:t>값졌다</a:t>
-            </a:r>
-            <a:r>
-              <a:rPr lang="en-US" altLang="ko-KR" sz="1600" dirty="0">
-                <a:latin typeface="HY수평선M" pitchFamily="18" charset="-127"/>
-                <a:ea typeface="HY수평선M" pitchFamily="18" charset="-127"/>
-              </a:rPr>
-              <a:t>.</a:t>
-            </a:r>
-          </a:p>
-          <a:p>
-            <a:endParaRPr lang="en-US" altLang="ko-KR" sz="1600" dirty="0">
+            <a:endParaRPr lang="en-US" altLang="ko-KR" dirty="0">
               <a:latin typeface="HY수평선M" pitchFamily="18" charset="-127"/>
               <a:ea typeface="HY수평선M" pitchFamily="18" charset="-127"/>
             </a:endParaRPr>
           </a:p>
           <a:p>
-            <a:endParaRPr lang="en-US" altLang="ko-KR" sz="1600" dirty="0">
+            <a:r>
+              <a:rPr lang="ko-KR" altLang="en-US" dirty="0">
+                <a:latin typeface="HY수평선M" pitchFamily="18" charset="-127"/>
+                <a:ea typeface="HY수평선M" pitchFamily="18" charset="-127"/>
+              </a:rPr>
+              <a:t>신동환</a:t>
+            </a:r>
+            <a:endParaRPr lang="en-US" altLang="ko-KR" dirty="0">
               <a:latin typeface="HY수평선M" pitchFamily="18" charset="-127"/>
               <a:ea typeface="HY수평선M" pitchFamily="18" charset="-127"/>
             </a:endParaRPr>
           </a:p>
           <a:p>
             <a:r>
-              <a:rPr lang="ko-KR" altLang="en-US" sz="1600" dirty="0" err="1">
+              <a:rPr lang="ko-KR" altLang="en-US" dirty="0">
                 <a:latin typeface="HY수평선M" pitchFamily="18" charset="-127"/>
                 <a:ea typeface="HY수평선M" pitchFamily="18" charset="-127"/>
               </a:rPr>
-              <a:t>손명진</a:t>
-            </a:r>
-            <a:r>
-              <a:rPr lang="ko-KR" altLang="en-US" sz="1600" dirty="0">
+              <a:t>그 동안은 </a:t>
+            </a:r>
+            <a:r>
+              <a:rPr lang="ko-KR" altLang="en-US" dirty="0" err="1">
                 <a:latin typeface="HY수평선M" pitchFamily="18" charset="-127"/>
                 <a:ea typeface="HY수평선M" pitchFamily="18" charset="-127"/>
               </a:rPr>
-              <a:t> 멘토</a:t>
-            </a:r>
-            <a:r>
-              <a:rPr lang="en-US" altLang="ko-KR" sz="1600" dirty="0">
+              <a:t>소비자로서만</a:t>
+            </a:r>
+            <a:r>
+              <a:rPr lang="ko-KR" altLang="en-US" dirty="0">
                 <a:latin typeface="HY수평선M" pitchFamily="18" charset="-127"/>
                 <a:ea typeface="HY수평선M" pitchFamily="18" charset="-127"/>
               </a:rPr>
-              <a:t>:</a:t>
-            </a:r>
+              <a:t> 게임을 보았다면 이번 캠프에선 개발자로서 게임을 볼 수 있어 좋았고</a:t>
+            </a:r>
+            <a:r>
+              <a:rPr lang="en-US" altLang="ko-KR" dirty="0">
+                <a:latin typeface="HY수평선M" pitchFamily="18" charset="-127"/>
+                <a:ea typeface="HY수평선M" pitchFamily="18" charset="-127"/>
+              </a:rPr>
+              <a:t>, </a:t>
+            </a:r>
+            <a:r>
+              <a:rPr lang="ko-KR" altLang="en-US" dirty="0">
+                <a:latin typeface="HY수평선M" pitchFamily="18" charset="-127"/>
+                <a:ea typeface="HY수평선M" pitchFamily="18" charset="-127"/>
+              </a:rPr>
+              <a:t>내가 생각한걸 게임으로 실현시키고</a:t>
+            </a:r>
+            <a:r>
+              <a:rPr lang="en-US" altLang="ko-KR" dirty="0">
+                <a:latin typeface="HY수평선M" pitchFamily="18" charset="-127"/>
+                <a:ea typeface="HY수평선M" pitchFamily="18" charset="-127"/>
+              </a:rPr>
+              <a:t>, </a:t>
+            </a:r>
+            <a:r>
+              <a:rPr lang="ko-KR" altLang="en-US" dirty="0" err="1">
+                <a:latin typeface="HY수평선M" pitchFamily="18" charset="-127"/>
+                <a:ea typeface="HY수평선M" pitchFamily="18" charset="-127"/>
+              </a:rPr>
+              <a:t>남한테</a:t>
+            </a:r>
+            <a:r>
+              <a:rPr lang="ko-KR" altLang="en-US" dirty="0">
+                <a:latin typeface="HY수평선M" pitchFamily="18" charset="-127"/>
+                <a:ea typeface="HY수평선M" pitchFamily="18" charset="-127"/>
+              </a:rPr>
+              <a:t> 보여준다는 것이 신기하고</a:t>
+            </a:r>
+            <a:r>
+              <a:rPr lang="en-US" altLang="ko-KR" dirty="0">
+                <a:latin typeface="HY수평선M" pitchFamily="18" charset="-127"/>
+                <a:ea typeface="HY수평선M" pitchFamily="18" charset="-127"/>
+              </a:rPr>
+              <a:t>, </a:t>
+            </a:r>
+            <a:r>
+              <a:rPr lang="ko-KR" altLang="en-US" dirty="0">
+                <a:latin typeface="HY수평선M" pitchFamily="18" charset="-127"/>
+                <a:ea typeface="HY수평선M" pitchFamily="18" charset="-127"/>
+              </a:rPr>
+              <a:t>좋았다</a:t>
+            </a:r>
+            <a:r>
+              <a:rPr lang="en-US" altLang="ko-KR" dirty="0">
+                <a:latin typeface="HY수평선M" pitchFamily="18" charset="-127"/>
+                <a:ea typeface="HY수평선M" pitchFamily="18" charset="-127"/>
+              </a:rPr>
+              <a:t>. </a:t>
+            </a:r>
+            <a:r>
+              <a:rPr lang="ko-KR" altLang="en-US" dirty="0">
+                <a:latin typeface="HY수평선M" pitchFamily="18" charset="-127"/>
+                <a:ea typeface="HY수평선M" pitchFamily="18" charset="-127"/>
+              </a:rPr>
+              <a:t>그리고 게임캠프를 하면서 다양한 게임관련 직업군을 볼 수 있었고</a:t>
+            </a:r>
+            <a:r>
+              <a:rPr lang="en-US" altLang="ko-KR" dirty="0">
+                <a:latin typeface="HY수평선M" pitchFamily="18" charset="-127"/>
+                <a:ea typeface="HY수평선M" pitchFamily="18" charset="-127"/>
+              </a:rPr>
+              <a:t>, </a:t>
+            </a:r>
+            <a:r>
+              <a:rPr lang="ko-KR" altLang="en-US" dirty="0">
+                <a:latin typeface="HY수평선M" pitchFamily="18" charset="-127"/>
+                <a:ea typeface="HY수평선M" pitchFamily="18" charset="-127"/>
+              </a:rPr>
+              <a:t>내 진로에 대해서 다시한번 생각해 볼 수 있어 좋았던 것 같다</a:t>
+            </a:r>
+            <a:r>
+              <a:rPr lang="en-US" altLang="ko-KR" dirty="0">
+                <a:latin typeface="HY수평선M" pitchFamily="18" charset="-127"/>
+                <a:ea typeface="HY수평선M" pitchFamily="18" charset="-127"/>
+              </a:rPr>
+              <a:t>.</a:t>
+            </a:r>
+          </a:p>
+          <a:p>
+            <a:endParaRPr lang="en-US" altLang="ko-KR" dirty="0">
+              <a:latin typeface="HY수평선M" pitchFamily="18" charset="-127"/>
+              <a:ea typeface="HY수평선M" pitchFamily="18" charset="-127"/>
+            </a:endParaRPr>
+          </a:p>
+          <a:p>
+            <a:r>
+              <a:rPr lang="ko-KR" altLang="en-US" dirty="0">
+                <a:latin typeface="HY수평선M" pitchFamily="18" charset="-127"/>
+                <a:ea typeface="HY수평선M" pitchFamily="18" charset="-127"/>
+              </a:rPr>
+              <a:t>조민준</a:t>
+            </a:r>
+            <a:endParaRPr lang="en-US" altLang="ko-KR" dirty="0">
+              <a:latin typeface="HY수평선M" pitchFamily="18" charset="-127"/>
+              <a:ea typeface="HY수평선M" pitchFamily="18" charset="-127"/>
+            </a:endParaRPr>
+          </a:p>
+          <a:p>
+            <a:endParaRPr lang="en-US" altLang="ko-KR" dirty="0">
+              <a:latin typeface="HY수평선M" pitchFamily="18" charset="-127"/>
+              <a:ea typeface="HY수평선M" pitchFamily="18" charset="-127"/>
+            </a:endParaRPr>
+          </a:p>
+          <a:p>
+            <a:endParaRPr lang="en-US" altLang="ko-KR" dirty="0">
+              <a:latin typeface="HY수평선M" pitchFamily="18" charset="-127"/>
+              <a:ea typeface="HY수평선M" pitchFamily="18" charset="-127"/>
+            </a:endParaRPr>
           </a:p>
         </p:txBody>
       </p:sp>
@@ -5494,6 +6136,726 @@
 </file>
 
 <file path=ppt/slides/slide13.xml><?xml version="1.0" encoding="utf-8"?>
+<p:sld xmlns:a="http://schemas.openxmlformats.org/drawingml/2006/main" xmlns:r="http://schemas.openxmlformats.org/officeDocument/2006/relationships" xmlns:p="http://schemas.openxmlformats.org/presentationml/2006/main">
+  <p:cSld>
+    <p:spTree>
+      <p:nvGrpSpPr>
+        <p:cNvPr id="1" name=""/>
+        <p:cNvGrpSpPr/>
+        <p:nvPr/>
+      </p:nvGrpSpPr>
+      <p:grpSpPr>
+        <a:xfrm>
+          <a:off x="0" y="0"/>
+          <a:ext cx="0" cy="0"/>
+          <a:chOff x="0" y="0"/>
+          <a:chExt cx="0" cy="0"/>
+        </a:xfrm>
+      </p:grpSpPr>
+      <p:sp>
+        <p:nvSpPr>
+          <p:cNvPr id="5" name="직사각형 4"/>
+          <p:cNvSpPr/>
+          <p:nvPr/>
+        </p:nvSpPr>
+        <p:spPr>
+          <a:xfrm>
+            <a:off x="0" y="0"/>
+            <a:ext cx="6084168" cy="551874"/>
+          </a:xfrm>
+          <a:prstGeom prst="rect">
+            <a:avLst/>
+          </a:prstGeom>
+          <a:gradFill>
+            <a:gsLst>
+              <a:gs pos="0">
+                <a:schemeClr val="tx1"/>
+              </a:gs>
+              <a:gs pos="48000">
+                <a:schemeClr val="tx1">
+                  <a:alpha val="50000"/>
+                </a:schemeClr>
+              </a:gs>
+              <a:gs pos="100000">
+                <a:schemeClr val="tx1">
+                  <a:alpha val="0"/>
+                </a:schemeClr>
+              </a:gs>
+            </a:gsLst>
+            <a:lin ang="0" scaled="1"/>
+          </a:gradFill>
+          <a:ln>
+            <a:noFill/>
+          </a:ln>
+        </p:spPr>
+        <p:style>
+          <a:lnRef idx="2">
+            <a:schemeClr val="accent1">
+              <a:shade val="50000"/>
+            </a:schemeClr>
+          </a:lnRef>
+          <a:fillRef idx="1">
+            <a:schemeClr val="accent1"/>
+          </a:fillRef>
+          <a:effectRef idx="0">
+            <a:schemeClr val="accent1"/>
+          </a:effectRef>
+          <a:fontRef idx="minor">
+            <a:schemeClr val="lt1"/>
+          </a:fontRef>
+        </p:style>
+        <p:txBody>
+          <a:bodyPr rtlCol="0" anchor="ctr"/>
+          <a:lstStyle/>
+          <a:p>
+            <a:r>
+              <a:rPr lang="ko-KR" altLang="en-US" sz="3200" b="1" dirty="0" err="1"/>
+              <a:t>느낀점</a:t>
+            </a:r>
+            <a:endParaRPr lang="ko-KR" altLang="en-US" sz="3200" b="1" dirty="0"/>
+          </a:p>
+        </p:txBody>
+      </p:sp>
+      <p:sp>
+        <p:nvSpPr>
+          <p:cNvPr id="6" name="TextBox 5"/>
+          <p:cNvSpPr txBox="1"/>
+          <p:nvPr/>
+        </p:nvSpPr>
+        <p:spPr>
+          <a:xfrm>
+            <a:off x="35496" y="627534"/>
+            <a:ext cx="9001000" cy="3139321"/>
+          </a:xfrm>
+          <a:prstGeom prst="rect">
+            <a:avLst/>
+          </a:prstGeom>
+          <a:noFill/>
+        </p:spPr>
+        <p:txBody>
+          <a:bodyPr wrap="square" rtlCol="0">
+            <a:spAutoFit/>
+          </a:bodyPr>
+          <a:lstStyle/>
+          <a:p>
+            <a:r>
+              <a:rPr lang="ko-KR" altLang="en-US" dirty="0" err="1">
+                <a:latin typeface="HY수평선M" pitchFamily="18" charset="-127"/>
+                <a:ea typeface="HY수평선M" pitchFamily="18" charset="-127"/>
+              </a:rPr>
+              <a:t>윤지섭</a:t>
+            </a:r>
+            <a:endParaRPr lang="en-US" altLang="ko-KR" dirty="0">
+              <a:latin typeface="HY수평선M" pitchFamily="18" charset="-127"/>
+              <a:ea typeface="HY수평선M" pitchFamily="18" charset="-127"/>
+            </a:endParaRPr>
+          </a:p>
+          <a:p>
+            <a:r>
+              <a:rPr lang="ko-KR" altLang="en-US" dirty="0">
+                <a:latin typeface="HY수평선M" pitchFamily="18" charset="-127"/>
+                <a:ea typeface="HY수평선M" pitchFamily="18" charset="-127"/>
+              </a:rPr>
+              <a:t>처음에는 게임을 </a:t>
+            </a:r>
+            <a:r>
+              <a:rPr lang="ko-KR" altLang="en-US" dirty="0" err="1">
+                <a:latin typeface="HY수평선M" pitchFamily="18" charset="-127"/>
+                <a:ea typeface="HY수평선M" pitchFamily="18" charset="-127"/>
+              </a:rPr>
+              <a:t>개발해야한다는</a:t>
+            </a:r>
+            <a:r>
+              <a:rPr lang="ko-KR" altLang="en-US" dirty="0">
+                <a:latin typeface="HY수평선M" pitchFamily="18" charset="-127"/>
+                <a:ea typeface="HY수평선M" pitchFamily="18" charset="-127"/>
+              </a:rPr>
+              <a:t> 막연한 느낌에 고민이 많았으나</a:t>
+            </a:r>
+            <a:r>
+              <a:rPr lang="en-US" altLang="ko-KR" dirty="0">
+                <a:latin typeface="HY수평선M" pitchFamily="18" charset="-127"/>
+                <a:ea typeface="HY수평선M" pitchFamily="18" charset="-127"/>
+              </a:rPr>
+              <a:t>, </a:t>
+            </a:r>
+            <a:r>
+              <a:rPr lang="ko-KR" altLang="en-US" dirty="0">
+                <a:latin typeface="HY수평선M" pitchFamily="18" charset="-127"/>
+                <a:ea typeface="HY수평선M" pitchFamily="18" charset="-127"/>
+              </a:rPr>
+              <a:t>개발 과정에서 모르는 부분은 도움을 받고 도움을 주며 해결해나가 완전한 게임을 만들어서 </a:t>
+            </a:r>
+            <a:r>
+              <a:rPr lang="ko-KR" altLang="en-US" dirty="0" err="1">
+                <a:latin typeface="HY수평선M" pitchFamily="18" charset="-127"/>
+                <a:ea typeface="HY수평선M" pitchFamily="18" charset="-127"/>
+              </a:rPr>
+              <a:t>재밌었으며</a:t>
+            </a:r>
+            <a:r>
+              <a:rPr lang="en-US" altLang="ko-KR" dirty="0">
+                <a:latin typeface="HY수평선M" pitchFamily="18" charset="-127"/>
+                <a:ea typeface="HY수평선M" pitchFamily="18" charset="-127"/>
+              </a:rPr>
+              <a:t>, </a:t>
+            </a:r>
+            <a:r>
+              <a:rPr lang="ko-KR" altLang="en-US" dirty="0">
+                <a:latin typeface="HY수평선M" pitchFamily="18" charset="-127"/>
+                <a:ea typeface="HY수평선M" pitchFamily="18" charset="-127"/>
+              </a:rPr>
+              <a:t>팀워크를 늘리고</a:t>
+            </a:r>
+            <a:r>
+              <a:rPr lang="en-US" altLang="ko-KR" dirty="0">
+                <a:latin typeface="HY수평선M" pitchFamily="18" charset="-127"/>
+                <a:ea typeface="HY수평선M" pitchFamily="18" charset="-127"/>
+              </a:rPr>
+              <a:t>, </a:t>
+            </a:r>
+            <a:r>
+              <a:rPr lang="ko-KR" altLang="en-US" dirty="0">
+                <a:latin typeface="HY수평선M" pitchFamily="18" charset="-127"/>
+                <a:ea typeface="HY수평선M" pitchFamily="18" charset="-127"/>
+              </a:rPr>
+              <a:t>개발과정을 알아보는 좋은 경험이 되었다고 생각한다</a:t>
+            </a:r>
+            <a:r>
+              <a:rPr lang="en-US" altLang="ko-KR" dirty="0">
+                <a:latin typeface="HY수평선M" pitchFamily="18" charset="-127"/>
+                <a:ea typeface="HY수평선M" pitchFamily="18" charset="-127"/>
+              </a:rPr>
+              <a:t>.</a:t>
+            </a:r>
+          </a:p>
+          <a:p>
+            <a:endParaRPr lang="en-US" altLang="ko-KR" dirty="0">
+              <a:latin typeface="HY수평선M" pitchFamily="18" charset="-127"/>
+              <a:ea typeface="HY수평선M" pitchFamily="18" charset="-127"/>
+            </a:endParaRPr>
+          </a:p>
+          <a:p>
+            <a:r>
+              <a:rPr lang="ko-KR" altLang="en-US" dirty="0">
+                <a:latin typeface="HY수평선M" pitchFamily="18" charset="-127"/>
+                <a:ea typeface="HY수평선M" pitchFamily="18" charset="-127"/>
+              </a:rPr>
+              <a:t>이서진</a:t>
+            </a:r>
+            <a:endParaRPr lang="en-US" altLang="ko-KR" dirty="0">
+              <a:latin typeface="HY수평선M" pitchFamily="18" charset="-127"/>
+              <a:ea typeface="HY수평선M" pitchFamily="18" charset="-127"/>
+            </a:endParaRPr>
+          </a:p>
+          <a:p>
+            <a:r>
+              <a:rPr lang="ko-KR" altLang="en-US" dirty="0">
+                <a:latin typeface="HY수평선M" pitchFamily="18" charset="-127"/>
+                <a:ea typeface="HY수평선M" pitchFamily="18" charset="-127"/>
+              </a:rPr>
+              <a:t>처음에는 진짜 </a:t>
+            </a:r>
+            <a:r>
+              <a:rPr lang="ko-KR" altLang="en-US" dirty="0" err="1">
+                <a:latin typeface="HY수평선M" pitchFamily="18" charset="-127"/>
+                <a:ea typeface="HY수평선M" pitchFamily="18" charset="-127"/>
+              </a:rPr>
+              <a:t>할수있을까라는</a:t>
+            </a:r>
+            <a:r>
+              <a:rPr lang="ko-KR" altLang="en-US" dirty="0">
+                <a:latin typeface="HY수평선M" pitchFamily="18" charset="-127"/>
+                <a:ea typeface="HY수평선M" pitchFamily="18" charset="-127"/>
+              </a:rPr>
+              <a:t> 생각으로 하게 </a:t>
+            </a:r>
+            <a:r>
+              <a:rPr lang="ko-KR" altLang="en-US" dirty="0" err="1">
+                <a:latin typeface="HY수평선M" pitchFamily="18" charset="-127"/>
+                <a:ea typeface="HY수평선M" pitchFamily="18" charset="-127"/>
+              </a:rPr>
+              <a:t>된거지만</a:t>
+            </a:r>
+            <a:r>
+              <a:rPr lang="ko-KR" altLang="en-US" dirty="0">
+                <a:latin typeface="HY수평선M" pitchFamily="18" charset="-127"/>
+                <a:ea typeface="HY수평선M" pitchFamily="18" charset="-127"/>
+              </a:rPr>
+              <a:t> 팀원들과 단합도 잘되고 잘 해주니 하나하나 </a:t>
+            </a:r>
+            <a:r>
+              <a:rPr lang="ko-KR" altLang="en-US" dirty="0" err="1">
+                <a:latin typeface="HY수평선M" pitchFamily="18" charset="-127"/>
+                <a:ea typeface="HY수평선M" pitchFamily="18" charset="-127"/>
+              </a:rPr>
+              <a:t>할때</a:t>
+            </a:r>
+            <a:r>
+              <a:rPr lang="ko-KR" altLang="en-US" dirty="0">
+                <a:latin typeface="HY수평선M" pitchFamily="18" charset="-127"/>
+                <a:ea typeface="HY수평선M" pitchFamily="18" charset="-127"/>
+              </a:rPr>
+              <a:t> 뿌듯함이 크고 내가 많이 도와주지 못하고 참여해주지 </a:t>
+            </a:r>
+            <a:r>
+              <a:rPr lang="ko-KR" altLang="en-US" dirty="0" err="1">
+                <a:latin typeface="HY수평선M" pitchFamily="18" charset="-127"/>
+                <a:ea typeface="HY수평선M" pitchFamily="18" charset="-127"/>
+              </a:rPr>
+              <a:t>못한거에</a:t>
+            </a:r>
+            <a:r>
+              <a:rPr lang="ko-KR" altLang="en-US" dirty="0">
+                <a:latin typeface="HY수평선M" pitchFamily="18" charset="-127"/>
+                <a:ea typeface="HY수평선M" pitchFamily="18" charset="-127"/>
+              </a:rPr>
+              <a:t> 아쉬움이 </a:t>
+            </a:r>
+            <a:r>
+              <a:rPr lang="ko-KR" altLang="en-US" dirty="0" err="1">
+                <a:latin typeface="HY수평선M" pitchFamily="18" charset="-127"/>
+                <a:ea typeface="HY수평선M" pitchFamily="18" charset="-127"/>
+              </a:rPr>
+              <a:t>큰거같다</a:t>
+            </a:r>
+            <a:r>
+              <a:rPr lang="en-US" altLang="ko-KR" dirty="0">
+                <a:latin typeface="HY수평선M" pitchFamily="18" charset="-127"/>
+                <a:ea typeface="HY수평선M" pitchFamily="18" charset="-127"/>
+              </a:rPr>
+              <a:t>.</a:t>
+            </a:r>
+            <a:r>
+              <a:rPr lang="ko-KR" altLang="en-US" dirty="0">
+                <a:latin typeface="HY수평선M" pitchFamily="18" charset="-127"/>
+                <a:ea typeface="HY수평선M" pitchFamily="18" charset="-127"/>
+              </a:rPr>
+              <a:t> 게임을 만들며 </a:t>
+            </a:r>
+            <a:r>
+              <a:rPr lang="ko-KR" altLang="en-US" dirty="0" err="1">
+                <a:latin typeface="HY수평선M" pitchFamily="18" charset="-127"/>
+                <a:ea typeface="HY수평선M" pitchFamily="18" charset="-127"/>
+              </a:rPr>
+              <a:t>많은걸</a:t>
+            </a:r>
+            <a:r>
+              <a:rPr lang="ko-KR" altLang="en-US" dirty="0">
+                <a:latin typeface="HY수평선M" pitchFamily="18" charset="-127"/>
+                <a:ea typeface="HY수평선M" pitchFamily="18" charset="-127"/>
+              </a:rPr>
+              <a:t> 배우고 다양한 것들도 </a:t>
+            </a:r>
+            <a:r>
+              <a:rPr lang="ko-KR" altLang="en-US" dirty="0" err="1">
+                <a:latin typeface="HY수평선M" pitchFamily="18" charset="-127"/>
+                <a:ea typeface="HY수평선M" pitchFamily="18" charset="-127"/>
+              </a:rPr>
+              <a:t>하게되고</a:t>
+            </a:r>
+            <a:r>
+              <a:rPr lang="ko-KR" altLang="en-US" dirty="0">
+                <a:latin typeface="HY수평선M" pitchFamily="18" charset="-127"/>
+                <a:ea typeface="HY수평선M" pitchFamily="18" charset="-127"/>
+              </a:rPr>
+              <a:t> </a:t>
+            </a:r>
+            <a:r>
+              <a:rPr lang="ko-KR" altLang="en-US" dirty="0" err="1">
+                <a:latin typeface="HY수평선M" pitchFamily="18" charset="-127"/>
+                <a:ea typeface="HY수평선M" pitchFamily="18" charset="-127"/>
+              </a:rPr>
+              <a:t>게임만들기에</a:t>
+            </a:r>
+            <a:r>
+              <a:rPr lang="ko-KR" altLang="en-US" dirty="0">
+                <a:latin typeface="HY수평선M" pitchFamily="18" charset="-127"/>
+                <a:ea typeface="HY수평선M" pitchFamily="18" charset="-127"/>
+              </a:rPr>
+              <a:t> 자신이 없다가 점점 자신이 </a:t>
+            </a:r>
+            <a:r>
+              <a:rPr lang="ko-KR" altLang="en-US" dirty="0" err="1">
+                <a:latin typeface="HY수평선M" pitchFamily="18" charset="-127"/>
+                <a:ea typeface="HY수평선M" pitchFamily="18" charset="-127"/>
+              </a:rPr>
+              <a:t>붙게된거</a:t>
+            </a:r>
+            <a:r>
+              <a:rPr lang="ko-KR" altLang="en-US" dirty="0">
+                <a:latin typeface="HY수평선M" pitchFamily="18" charset="-127"/>
+                <a:ea typeface="HY수평선M" pitchFamily="18" charset="-127"/>
+              </a:rPr>
+              <a:t> 같다 무엇보다도 팀원들이 제일 열심히 해주어서 고맙다</a:t>
+            </a:r>
+            <a:r>
+              <a:rPr lang="en-US" altLang="ko-KR" dirty="0">
+                <a:latin typeface="HY수평선M" pitchFamily="18" charset="-127"/>
+                <a:ea typeface="HY수평선M" pitchFamily="18" charset="-127"/>
+              </a:rPr>
+              <a:t>.</a:t>
+            </a:r>
+          </a:p>
+        </p:txBody>
+      </p:sp>
+    </p:spTree>
+    <p:extLst>
+      <p:ext uri="{BB962C8B-B14F-4D97-AF65-F5344CB8AC3E}">
+        <p14:creationId xmlns:p14="http://schemas.microsoft.com/office/powerpoint/2010/main" val="3646660060"/>
+      </p:ext>
+    </p:extLst>
+  </p:cSld>
+  <p:clrMapOvr>
+    <a:masterClrMapping/>
+  </p:clrMapOvr>
+</p:sld>
+</file>
+
+<file path=ppt/slides/slide14.xml><?xml version="1.0" encoding="utf-8"?>
+<p:sld xmlns:a="http://schemas.openxmlformats.org/drawingml/2006/main" xmlns:r="http://schemas.openxmlformats.org/officeDocument/2006/relationships" xmlns:p="http://schemas.openxmlformats.org/presentationml/2006/main">
+  <p:cSld>
+    <p:spTree>
+      <p:nvGrpSpPr>
+        <p:cNvPr id="1" name=""/>
+        <p:cNvGrpSpPr/>
+        <p:nvPr/>
+      </p:nvGrpSpPr>
+      <p:grpSpPr>
+        <a:xfrm>
+          <a:off x="0" y="0"/>
+          <a:ext cx="0" cy="0"/>
+          <a:chOff x="0" y="0"/>
+          <a:chExt cx="0" cy="0"/>
+        </a:xfrm>
+      </p:grpSpPr>
+      <p:sp>
+        <p:nvSpPr>
+          <p:cNvPr id="5" name="직사각형 4"/>
+          <p:cNvSpPr/>
+          <p:nvPr/>
+        </p:nvSpPr>
+        <p:spPr>
+          <a:xfrm>
+            <a:off x="0" y="0"/>
+            <a:ext cx="6084168" cy="551874"/>
+          </a:xfrm>
+          <a:prstGeom prst="rect">
+            <a:avLst/>
+          </a:prstGeom>
+          <a:gradFill>
+            <a:gsLst>
+              <a:gs pos="0">
+                <a:schemeClr val="tx1"/>
+              </a:gs>
+              <a:gs pos="48000">
+                <a:schemeClr val="tx1">
+                  <a:alpha val="50000"/>
+                </a:schemeClr>
+              </a:gs>
+              <a:gs pos="100000">
+                <a:schemeClr val="tx1">
+                  <a:alpha val="0"/>
+                </a:schemeClr>
+              </a:gs>
+            </a:gsLst>
+            <a:lin ang="0" scaled="1"/>
+          </a:gradFill>
+          <a:ln>
+            <a:noFill/>
+          </a:ln>
+        </p:spPr>
+        <p:style>
+          <a:lnRef idx="2">
+            <a:schemeClr val="accent1">
+              <a:shade val="50000"/>
+            </a:schemeClr>
+          </a:lnRef>
+          <a:fillRef idx="1">
+            <a:schemeClr val="accent1"/>
+          </a:fillRef>
+          <a:effectRef idx="0">
+            <a:schemeClr val="accent1"/>
+          </a:effectRef>
+          <a:fontRef idx="minor">
+            <a:schemeClr val="lt1"/>
+          </a:fontRef>
+        </p:style>
+        <p:txBody>
+          <a:bodyPr rtlCol="0" anchor="ctr"/>
+          <a:lstStyle/>
+          <a:p>
+            <a:r>
+              <a:rPr lang="ko-KR" altLang="en-US" sz="3200" b="1" dirty="0" err="1"/>
+              <a:t>느낀점</a:t>
+            </a:r>
+            <a:endParaRPr lang="ko-KR" altLang="en-US" sz="3200" b="1" dirty="0"/>
+          </a:p>
+        </p:txBody>
+      </p:sp>
+      <p:sp>
+        <p:nvSpPr>
+          <p:cNvPr id="6" name="TextBox 5"/>
+          <p:cNvSpPr txBox="1"/>
+          <p:nvPr/>
+        </p:nvSpPr>
+        <p:spPr>
+          <a:xfrm>
+            <a:off x="35496" y="627534"/>
+            <a:ext cx="9001000" cy="3970318"/>
+          </a:xfrm>
+          <a:prstGeom prst="rect">
+            <a:avLst/>
+          </a:prstGeom>
+          <a:noFill/>
+        </p:spPr>
+        <p:txBody>
+          <a:bodyPr wrap="square" rtlCol="0">
+            <a:spAutoFit/>
+          </a:bodyPr>
+          <a:lstStyle/>
+          <a:p>
+            <a:r>
+              <a:rPr lang="ko-KR" altLang="en-US" dirty="0" err="1">
+                <a:latin typeface="HY수평선M" pitchFamily="18" charset="-127"/>
+                <a:ea typeface="HY수평선M" pitchFamily="18" charset="-127"/>
+              </a:rPr>
+              <a:t>이웅표</a:t>
+            </a:r>
+            <a:endParaRPr lang="en-US" altLang="ko-KR" dirty="0">
+              <a:latin typeface="HY수평선M" pitchFamily="18" charset="-127"/>
+              <a:ea typeface="HY수평선M" pitchFamily="18" charset="-127"/>
+            </a:endParaRPr>
+          </a:p>
+          <a:p>
+            <a:r>
+              <a:rPr lang="ko-KR" altLang="en-US" dirty="0">
+                <a:latin typeface="HY수평선M" pitchFamily="18" charset="-127"/>
+                <a:ea typeface="HY수평선M" pitchFamily="18" charset="-127"/>
+              </a:rPr>
+              <a:t>저희 팀원들은 비록 게임을 완성시키지 못했지만 그 과정만큼은 다른 무엇보다 값지다고 생각합니다</a:t>
+            </a:r>
+            <a:r>
+              <a:rPr lang="en-US" altLang="ko-KR" dirty="0">
+                <a:latin typeface="HY수평선M" pitchFamily="18" charset="-127"/>
+                <a:ea typeface="HY수평선M" pitchFamily="18" charset="-127"/>
+              </a:rPr>
+              <a:t>. </a:t>
+            </a:r>
+            <a:r>
+              <a:rPr lang="ko-KR" altLang="en-US" dirty="0">
+                <a:latin typeface="HY수평선M" pitchFamily="18" charset="-127"/>
+                <a:ea typeface="HY수평선M" pitchFamily="18" charset="-127"/>
+              </a:rPr>
+              <a:t>또한 팀원들과 게임을 만들고 역할을 분담하여 게임을 만드는 과정을 실제로 해보면서 다양한 교훈과 게임 개발에 필요한 것들을 알게 되었습니다</a:t>
+            </a:r>
+            <a:r>
+              <a:rPr lang="en-US" altLang="ko-KR" dirty="0">
+                <a:latin typeface="HY수평선M" pitchFamily="18" charset="-127"/>
+                <a:ea typeface="HY수평선M" pitchFamily="18" charset="-127"/>
+              </a:rPr>
+              <a:t>. </a:t>
+            </a:r>
+            <a:r>
+              <a:rPr lang="ko-KR" altLang="en-US" dirty="0">
+                <a:latin typeface="HY수평선M" pitchFamily="18" charset="-127"/>
+                <a:ea typeface="HY수평선M" pitchFamily="18" charset="-127"/>
+              </a:rPr>
+              <a:t>우리가 비록 게임을 완성하지 못했더라도 다음에 이런 비슷한 활동이나 작업을 할 때에 이 활동을 떠올려서 고치는 계기가 되었으면 </a:t>
+            </a:r>
+            <a:r>
+              <a:rPr lang="ko-KR" altLang="en-US" dirty="0" err="1">
+                <a:latin typeface="HY수평선M" pitchFamily="18" charset="-127"/>
+                <a:ea typeface="HY수평선M" pitchFamily="18" charset="-127"/>
+              </a:rPr>
+              <a:t>좋겠어</a:t>
+            </a:r>
+            <a:r>
+              <a:rPr lang="en-US" altLang="ko-KR" dirty="0">
+                <a:latin typeface="HY수평선M" pitchFamily="18" charset="-127"/>
+                <a:ea typeface="HY수평선M" pitchFamily="18" charset="-127"/>
+              </a:rPr>
+              <a:t>! </a:t>
+            </a:r>
+            <a:r>
+              <a:rPr lang="ko-KR" altLang="en-US" dirty="0">
+                <a:latin typeface="HY수평선M" pitchFamily="18" charset="-127"/>
+                <a:ea typeface="HY수평선M" pitchFamily="18" charset="-127"/>
+              </a:rPr>
+              <a:t>그리고 아트 담당도 고마워 우리 프로그래밍이 미흡해도 불평을 하지 않아줘서</a:t>
+            </a:r>
+            <a:endParaRPr lang="en-US" altLang="ko-KR" dirty="0">
+              <a:latin typeface="HY수평선M" pitchFamily="18" charset="-127"/>
+              <a:ea typeface="HY수평선M" pitchFamily="18" charset="-127"/>
+            </a:endParaRPr>
+          </a:p>
+          <a:p>
+            <a:endParaRPr lang="en-US" altLang="ko-KR" dirty="0">
+              <a:latin typeface="HY수평선M" pitchFamily="18" charset="-127"/>
+              <a:ea typeface="HY수평선M" pitchFamily="18" charset="-127"/>
+            </a:endParaRPr>
+          </a:p>
+          <a:p>
+            <a:r>
+              <a:rPr lang="ko-KR" altLang="en-US" dirty="0" err="1">
+                <a:latin typeface="HY수평선M" pitchFamily="18" charset="-127"/>
+                <a:ea typeface="HY수평선M" pitchFamily="18" charset="-127"/>
+              </a:rPr>
+              <a:t>손명진</a:t>
+            </a:r>
+            <a:r>
+              <a:rPr lang="ko-KR" altLang="en-US" dirty="0">
+                <a:latin typeface="HY수평선M" pitchFamily="18" charset="-127"/>
+                <a:ea typeface="HY수평선M" pitchFamily="18" charset="-127"/>
+              </a:rPr>
+              <a:t> 멘토</a:t>
+            </a:r>
+            <a:endParaRPr lang="en-US" altLang="ko-KR" dirty="0">
+              <a:latin typeface="HY수평선M" pitchFamily="18" charset="-127"/>
+              <a:ea typeface="HY수평선M" pitchFamily="18" charset="-127"/>
+            </a:endParaRPr>
+          </a:p>
+          <a:p>
+            <a:r>
+              <a:rPr lang="ko-KR" altLang="en-US" dirty="0">
+                <a:latin typeface="HY수평선M" pitchFamily="18" charset="-127"/>
+                <a:ea typeface="HY수평선M" pitchFamily="18" charset="-127"/>
+              </a:rPr>
+              <a:t>동아리에서 진행되는 프로젝트에 자주 참여해 게임 개발 실력을 길렀고</a:t>
+            </a:r>
+            <a:r>
+              <a:rPr lang="en-US" altLang="ko-KR" dirty="0">
+                <a:latin typeface="HY수평선M" pitchFamily="18" charset="-127"/>
+                <a:ea typeface="HY수평선M" pitchFamily="18" charset="-127"/>
+              </a:rPr>
+              <a:t>, </a:t>
+            </a:r>
+            <a:r>
+              <a:rPr lang="ko-KR" altLang="en-US" dirty="0">
+                <a:latin typeface="HY수평선M" pitchFamily="18" charset="-127"/>
+                <a:ea typeface="HY수평선M" pitchFamily="18" charset="-127"/>
+              </a:rPr>
+              <a:t>이 정도면 학생들을 가르치는데 충분할 줄 알았다</a:t>
+            </a:r>
+            <a:r>
+              <a:rPr lang="en-US" altLang="ko-KR" dirty="0">
+                <a:latin typeface="HY수평선M" pitchFamily="18" charset="-127"/>
+                <a:ea typeface="HY수평선M" pitchFamily="18" charset="-127"/>
+              </a:rPr>
+              <a:t>. </a:t>
+            </a:r>
+            <a:r>
+              <a:rPr lang="ko-KR" altLang="en-US" dirty="0">
+                <a:latin typeface="HY수평선M" pitchFamily="18" charset="-127"/>
+                <a:ea typeface="HY수평선M" pitchFamily="18" charset="-127"/>
+              </a:rPr>
+              <a:t>하지만 평소에 당연하다고 생각했던 관습이나 방법들을 알지 못하는 학생들을 가르치니 내 스스로의 기초가 부족하다는 사실을 깊게 </a:t>
+            </a:r>
+            <a:r>
+              <a:rPr lang="ko-KR" altLang="en-US" dirty="0" err="1">
+                <a:latin typeface="HY수평선M" pitchFamily="18" charset="-127"/>
+                <a:ea typeface="HY수평선M" pitchFamily="18" charset="-127"/>
+              </a:rPr>
+              <a:t>깨달았다</a:t>
+            </a:r>
+            <a:r>
+              <a:rPr lang="en-US" altLang="ko-KR" dirty="0">
+                <a:latin typeface="HY수평선M" pitchFamily="18" charset="-127"/>
+                <a:ea typeface="HY수평선M" pitchFamily="18" charset="-127"/>
+              </a:rPr>
+              <a:t>. </a:t>
+            </a:r>
+            <a:r>
+              <a:rPr lang="ko-KR" altLang="en-US" dirty="0">
+                <a:latin typeface="HY수평선M" pitchFamily="18" charset="-127"/>
+                <a:ea typeface="HY수평선M" pitchFamily="18" charset="-127"/>
+              </a:rPr>
+              <a:t>부족한 멘토가 잘 이끌어주지 </a:t>
+            </a:r>
+            <a:r>
+              <a:rPr lang="ko-KR" altLang="en-US" dirty="0" err="1">
+                <a:latin typeface="HY수평선M" pitchFamily="18" charset="-127"/>
+                <a:ea typeface="HY수평선M" pitchFamily="18" charset="-127"/>
+              </a:rPr>
+              <a:t>못했어도</a:t>
+            </a:r>
+            <a:r>
+              <a:rPr lang="ko-KR" altLang="en-US" dirty="0">
+                <a:latin typeface="HY수평선M" pitchFamily="18" charset="-127"/>
+                <a:ea typeface="HY수평선M" pitchFamily="18" charset="-127"/>
+              </a:rPr>
+              <a:t> 매 주 열정이 넘치는 모습을 </a:t>
+            </a:r>
+            <a:r>
+              <a:rPr lang="ko-KR" altLang="en-US" dirty="0" err="1">
+                <a:latin typeface="HY수평선M" pitchFamily="18" charset="-127"/>
+                <a:ea typeface="HY수평선M" pitchFamily="18" charset="-127"/>
+              </a:rPr>
+              <a:t>보여준조원에게</a:t>
+            </a:r>
+            <a:r>
+              <a:rPr lang="ko-KR" altLang="en-US" dirty="0">
+                <a:latin typeface="HY수평선M" pitchFamily="18" charset="-127"/>
+                <a:ea typeface="HY수평선M" pitchFamily="18" charset="-127"/>
+              </a:rPr>
+              <a:t> 미안하고도 고맙다</a:t>
+            </a:r>
+            <a:r>
+              <a:rPr lang="en-US" altLang="ko-KR" dirty="0">
+                <a:latin typeface="HY수평선M" pitchFamily="18" charset="-127"/>
+                <a:ea typeface="HY수평선M" pitchFamily="18" charset="-127"/>
+              </a:rPr>
+              <a:t>. </a:t>
+            </a:r>
+            <a:r>
+              <a:rPr lang="ko-KR" altLang="en-US" dirty="0">
+                <a:latin typeface="HY수평선M" pitchFamily="18" charset="-127"/>
+                <a:ea typeface="HY수평선M" pitchFamily="18" charset="-127"/>
+              </a:rPr>
+              <a:t>함께 게임을 개발해서 정말로 즐거운 한 </a:t>
+            </a:r>
+            <a:r>
+              <a:rPr lang="ko-KR" altLang="en-US" dirty="0" err="1">
+                <a:latin typeface="HY수평선M" pitchFamily="18" charset="-127"/>
+                <a:ea typeface="HY수평선M" pitchFamily="18" charset="-127"/>
+              </a:rPr>
+              <a:t>달이였다</a:t>
+            </a:r>
+            <a:r>
+              <a:rPr lang="en-US" altLang="ko-KR" dirty="0">
+                <a:latin typeface="HY수평선M" pitchFamily="18" charset="-127"/>
+                <a:ea typeface="HY수평선M" pitchFamily="18" charset="-127"/>
+              </a:rPr>
+              <a:t>.</a:t>
+            </a:r>
+            <a:r>
+              <a:rPr lang="ko-KR" altLang="en-US" dirty="0">
+                <a:latin typeface="HY수평선M" pitchFamily="18" charset="-127"/>
+                <a:ea typeface="HY수평선M" pitchFamily="18" charset="-127"/>
+              </a:rPr>
+              <a:t> </a:t>
+            </a:r>
+            <a:endParaRPr lang="en-US" altLang="ko-KR" dirty="0">
+              <a:latin typeface="HY수평선M" pitchFamily="18" charset="-127"/>
+              <a:ea typeface="HY수평선M" pitchFamily="18" charset="-127"/>
+            </a:endParaRPr>
+          </a:p>
+        </p:txBody>
+      </p:sp>
+    </p:spTree>
+    <p:extLst>
+      <p:ext uri="{BB962C8B-B14F-4D97-AF65-F5344CB8AC3E}">
+        <p14:creationId xmlns:p14="http://schemas.microsoft.com/office/powerpoint/2010/main" val="1451004859"/>
+      </p:ext>
+    </p:extLst>
+  </p:cSld>
+  <p:clrMapOvr>
+    <a:masterClrMapping/>
+  </p:clrMapOvr>
+</p:sld>
+</file>
+
+<file path=ppt/slides/slide15.xml><?xml version="1.0" encoding="utf-8"?>
 <p:sld xmlns:a="http://schemas.openxmlformats.org/drawingml/2006/main" xmlns:r="http://schemas.openxmlformats.org/officeDocument/2006/relationships" xmlns:p="http://schemas.openxmlformats.org/presentationml/2006/main">
   <p:cSld>
     <p:spTree>

--- a/3조 발표자료.pptx
+++ b/3조 발표자료.pptx
@@ -123,7 +123,7 @@
   </p:defaultTextStyle>
   <p:extLst>
     <p:ext uri="{EFAFB233-063F-42B5-8137-9DF3F51BA10A}">
-      <p15:sldGuideLst xmlns:p15="http://schemas.microsoft.com/office/powerpoint/2012/main">
+      <p15:sldGuideLst xmlns:p15="http://schemas.microsoft.com/office/powerpoint/2012/main" xmlns="">
         <p15:guide id="1" orient="horz" pos="1620">
           <p15:clr>
             <a:srgbClr val="A4A3A4"/>
@@ -226,7 +226,8 @@
           <a:p>
             <a:fld id="{CCC93118-BE0E-4CE5-90BB-6DB8F4E62746}" type="datetimeFigureOut">
               <a:rPr lang="ko-KR" altLang="en-US" smtClean="0"/>
-              <a:t>2017-11-23</a:t>
+              <a:pPr/>
+              <a:t>2017-11-24</a:t>
             </a:fld>
             <a:endParaRPr lang="ko-KR" altLang="en-US"/>
           </a:p>
@@ -384,6 +385,7 @@
           <a:p>
             <a:fld id="{25253E3C-AF0E-483E-93B2-4288366BC325}" type="slidenum">
               <a:rPr lang="ko-KR" altLang="en-US" smtClean="0"/>
+              <a:pPr/>
               <a:t>‹#›</a:t>
             </a:fld>
             <a:endParaRPr lang="ko-KR" altLang="en-US"/>
@@ -393,7 +395,7 @@
     </p:spTree>
     <p:extLst>
       <p:ext uri="{BB962C8B-B14F-4D97-AF65-F5344CB8AC3E}">
-        <p14:creationId xmlns:p14="http://schemas.microsoft.com/office/powerpoint/2010/main" val="3313224122"/>
+        <p14:creationId xmlns:p14="http://schemas.microsoft.com/office/powerpoint/2010/main" xmlns="" val="3313224122"/>
       </p:ext>
     </p:extLst>
   </p:cSld>
@@ -537,302 +539,7 @@
           <a:bodyPr/>
           <a:lstStyle/>
           <a:p>
-            <a:r>
-              <a:rPr lang="ko-KR" altLang="en-US" dirty="0"/>
-              <a:t>신동환 </a:t>
-            </a:r>
-            <a:r>
-              <a:rPr lang="en-US" altLang="ko-KR" dirty="0"/>
-              <a:t>: </a:t>
-            </a:r>
-            <a:r>
-              <a:rPr lang="ko-KR" altLang="en-US" dirty="0"/>
-              <a:t>그 동안은 </a:t>
-            </a:r>
-            <a:r>
-              <a:rPr lang="ko-KR" altLang="en-US" dirty="0" err="1"/>
-              <a:t>소비자로서만</a:t>
-            </a:r>
-            <a:r>
-              <a:rPr lang="ko-KR" altLang="en-US" dirty="0"/>
-              <a:t> 게임을 보았다면 이번 캠프에선 개발자로서 게임을 볼 수 </a:t>
-            </a:r>
-            <a:r>
-              <a:rPr lang="ko-KR" altLang="en-US" dirty="0" err="1"/>
-              <a:t>있어좋았고</a:t>
-            </a:r>
-            <a:r>
-              <a:rPr lang="en-US" altLang="ko-KR" dirty="0"/>
-              <a:t>, </a:t>
-            </a:r>
-            <a:r>
-              <a:rPr lang="ko-KR" altLang="en-US" dirty="0"/>
-              <a:t>내가 생각한걸 게임으로 실현시키고</a:t>
-            </a:r>
-            <a:r>
-              <a:rPr lang="en-US" altLang="ko-KR" dirty="0"/>
-              <a:t>, </a:t>
-            </a:r>
-            <a:r>
-              <a:rPr lang="ko-KR" altLang="en-US" dirty="0" err="1"/>
-              <a:t>남한테</a:t>
-            </a:r>
-            <a:r>
-              <a:rPr lang="ko-KR" altLang="en-US" dirty="0"/>
-              <a:t> 보여준다는 것이 신기하고</a:t>
-            </a:r>
-            <a:r>
-              <a:rPr lang="en-US" altLang="ko-KR" dirty="0"/>
-              <a:t>, </a:t>
-            </a:r>
-            <a:r>
-              <a:rPr lang="ko-KR" altLang="en-US" dirty="0"/>
-              <a:t>좋았다</a:t>
-            </a:r>
-            <a:r>
-              <a:rPr lang="en-US" altLang="ko-KR" dirty="0"/>
-              <a:t>. </a:t>
-            </a:r>
-            <a:r>
-              <a:rPr lang="ko-KR" altLang="en-US" dirty="0"/>
-              <a:t>그리고 게임캠프를 하면서 다양한 게임관련 직업군을 볼 수 있었고</a:t>
-            </a:r>
-            <a:r>
-              <a:rPr lang="en-US" altLang="ko-KR" dirty="0"/>
-              <a:t>, </a:t>
-            </a:r>
-            <a:r>
-              <a:rPr lang="ko-KR" altLang="en-US" dirty="0"/>
-              <a:t>내 진로에 대해서 다시한번 생각해 볼 수 있어 </a:t>
-            </a:r>
-            <a:r>
-              <a:rPr lang="ko-KR" altLang="en-US" dirty="0" err="1"/>
-              <a:t>좋았던것같다</a:t>
-            </a:r>
-            <a:r>
-              <a:rPr lang="en-US" altLang="ko-KR" dirty="0"/>
-              <a:t>. </a:t>
-            </a:r>
-          </a:p>
-          <a:p>
-            <a:r>
-              <a:rPr lang="en-US" altLang="ko-KR" dirty="0"/>
-              <a:t>(</a:t>
-            </a:r>
-            <a:r>
-              <a:rPr lang="ko-KR" altLang="en-US" dirty="0" err="1"/>
-              <a:t>윤지섭</a:t>
-            </a:r>
-            <a:r>
-              <a:rPr lang="en-US" altLang="ko-KR" dirty="0"/>
-              <a:t>) </a:t>
-            </a:r>
-            <a:r>
-              <a:rPr lang="ko-KR" altLang="en-US" dirty="0" err="1"/>
-              <a:t>느낀점</a:t>
-            </a:r>
-            <a:r>
-              <a:rPr lang="en-US" altLang="ko-KR" dirty="0"/>
-              <a:t>: </a:t>
-            </a:r>
-            <a:r>
-              <a:rPr lang="ko-KR" altLang="en-US" dirty="0"/>
-              <a:t>처음에는 게임을 </a:t>
-            </a:r>
-            <a:r>
-              <a:rPr lang="ko-KR" altLang="en-US" dirty="0" err="1"/>
-              <a:t>개발해야한다는</a:t>
-            </a:r>
-            <a:r>
-              <a:rPr lang="ko-KR" altLang="en-US" dirty="0"/>
-              <a:t> 막연한 느낌에 고민이 있었으나</a:t>
-            </a:r>
-            <a:r>
-              <a:rPr lang="en-US" altLang="ko-KR" dirty="0"/>
-              <a:t>, </a:t>
-            </a:r>
-            <a:r>
-              <a:rPr lang="ko-KR" altLang="en-US" dirty="0"/>
-              <a:t>개발 과정에서 모르는 부분은 도움을 주고 받으며 해결해나가 게임을 만들어서 좋은 경험이 되었다고 생각한다</a:t>
-            </a:r>
-            <a:r>
-              <a:rPr lang="en-US" altLang="ko-KR" dirty="0"/>
-              <a:t>.</a:t>
-            </a:r>
-          </a:p>
-          <a:p>
-            <a:pPr marL="0" marR="0" lvl="0" indent="0" algn="l" defTabSz="914400" rtl="0" eaLnBrk="1" fontAlgn="auto" latinLnBrk="1" hangingPunct="1">
-              <a:lnSpc>
-                <a:spcPct val="100000"/>
-              </a:lnSpc>
-              <a:spcBef>
-                <a:spcPts val="0"/>
-              </a:spcBef>
-              <a:spcAft>
-                <a:spcPts val="0"/>
-              </a:spcAft>
-              <a:buClrTx/>
-              <a:buSzTx/>
-              <a:buFontTx/>
-              <a:buNone/>
-              <a:tabLst/>
-              <a:defRPr/>
-            </a:pPr>
-            <a:r>
-              <a:rPr lang="ko-KR" altLang="en-US" dirty="0"/>
-              <a:t>이서진 </a:t>
-            </a:r>
-            <a:r>
-              <a:rPr lang="en-US" altLang="ko-KR" dirty="0"/>
-              <a:t>: </a:t>
-            </a:r>
-            <a:r>
-              <a:rPr lang="ko-KR" altLang="en-US" dirty="0"/>
-              <a:t>처음에는 진짜 </a:t>
-            </a:r>
-            <a:r>
-              <a:rPr lang="ko-KR" altLang="en-US" dirty="0" err="1"/>
-              <a:t>할수있을까라는</a:t>
-            </a:r>
-            <a:r>
-              <a:rPr lang="ko-KR" altLang="en-US" dirty="0"/>
-              <a:t> 생각으로 하게 </a:t>
-            </a:r>
-            <a:r>
-              <a:rPr lang="ko-KR" altLang="en-US" dirty="0" err="1"/>
-              <a:t>된거지만</a:t>
-            </a:r>
-            <a:r>
-              <a:rPr lang="ko-KR" altLang="en-US" dirty="0"/>
-              <a:t> 팀원들과 단합도 잘되고 잘 해주니 하나하나 </a:t>
-            </a:r>
-            <a:r>
-              <a:rPr lang="ko-KR" altLang="en-US" dirty="0" err="1"/>
-              <a:t>할때</a:t>
-            </a:r>
-            <a:r>
-              <a:rPr lang="ko-KR" altLang="en-US" dirty="0"/>
-              <a:t> 뿌듯함이 크고 내가 많이 </a:t>
-            </a:r>
-            <a:r>
-              <a:rPr lang="ko-KR" altLang="en-US" dirty="0" err="1"/>
-              <a:t>도와주지못하고</a:t>
-            </a:r>
-            <a:r>
-              <a:rPr lang="ko-KR" altLang="en-US" dirty="0"/>
-              <a:t> 참여해주지 </a:t>
-            </a:r>
-            <a:r>
-              <a:rPr lang="ko-KR" altLang="en-US" dirty="0" err="1"/>
-              <a:t>못한거에</a:t>
-            </a:r>
-            <a:r>
-              <a:rPr lang="ko-KR" altLang="en-US" dirty="0"/>
-              <a:t> 아쉬움이 </a:t>
-            </a:r>
-            <a:r>
-              <a:rPr lang="ko-KR" altLang="en-US" dirty="0" err="1"/>
-              <a:t>큰거같다</a:t>
-            </a:r>
-            <a:r>
-              <a:rPr lang="ko-KR" altLang="en-US" dirty="0"/>
-              <a:t> 게임을 만들며 </a:t>
-            </a:r>
-            <a:r>
-              <a:rPr lang="ko-KR" altLang="en-US" dirty="0" err="1"/>
-              <a:t>많은걸</a:t>
-            </a:r>
-            <a:r>
-              <a:rPr lang="ko-KR" altLang="en-US" dirty="0"/>
-              <a:t> 배우고 </a:t>
-            </a:r>
-            <a:r>
-              <a:rPr lang="ko-KR" altLang="en-US" dirty="0" err="1"/>
-              <a:t>다양한것들도</a:t>
-            </a:r>
-            <a:r>
-              <a:rPr lang="ko-KR" altLang="en-US" dirty="0"/>
-              <a:t> </a:t>
-            </a:r>
-            <a:r>
-              <a:rPr lang="ko-KR" altLang="en-US" dirty="0" err="1"/>
-              <a:t>하게되고</a:t>
-            </a:r>
-            <a:r>
-              <a:rPr lang="ko-KR" altLang="en-US" dirty="0"/>
-              <a:t> </a:t>
-            </a:r>
-            <a:r>
-              <a:rPr lang="ko-KR" altLang="en-US" dirty="0" err="1"/>
-              <a:t>게임만들기에</a:t>
-            </a:r>
-            <a:r>
-              <a:rPr lang="ko-KR" altLang="en-US" dirty="0"/>
-              <a:t> </a:t>
-            </a:r>
-            <a:r>
-              <a:rPr lang="ko-KR" altLang="en-US" dirty="0" err="1"/>
-              <a:t>자신이없다가</a:t>
-            </a:r>
-            <a:r>
-              <a:rPr lang="ko-KR" altLang="en-US" dirty="0"/>
-              <a:t> 점점 자신이 </a:t>
-            </a:r>
-            <a:r>
-              <a:rPr lang="ko-KR" altLang="en-US" dirty="0" err="1"/>
-              <a:t>붙게된거</a:t>
-            </a:r>
-            <a:r>
-              <a:rPr lang="ko-KR" altLang="en-US" dirty="0"/>
-              <a:t> 같다 무엇보다도 팀원들이 제일 열심히 해주어서 고맙다</a:t>
-            </a:r>
-            <a:endParaRPr lang="en-US" altLang="ko-KR" dirty="0"/>
-          </a:p>
-          <a:p>
-            <a:r>
-              <a:rPr lang="ko-KR" altLang="en-US" dirty="0" err="1"/>
-              <a:t>이웅표</a:t>
-            </a:r>
-            <a:r>
-              <a:rPr lang="ko-KR" altLang="en-US" dirty="0"/>
-              <a:t> </a:t>
-            </a:r>
-            <a:r>
-              <a:rPr lang="en-US" altLang="ko-KR" dirty="0"/>
-              <a:t>: </a:t>
-            </a:r>
-            <a:r>
-              <a:rPr lang="ko-KR" altLang="en-US" dirty="0"/>
-              <a:t>저희 팀원들은 비록 게임을 완성시키지 못했지만 그 과정만큼은 다른 무엇보다 값지다고 생각합니다</a:t>
-            </a:r>
-            <a:r>
-              <a:rPr lang="en-US" altLang="ko-KR" dirty="0"/>
-              <a:t>. </a:t>
-            </a:r>
-            <a:r>
-              <a:rPr lang="ko-KR" altLang="en-US" dirty="0"/>
-              <a:t>또한 팀원들과 게임을 만들고 역할을 분담하여 게임을 만드는 과정을 실제로 해보면서 다양한 교훈과 게임 개발에 필요한 것들을 알게 되었습니다</a:t>
-            </a:r>
-            <a:r>
-              <a:rPr lang="en-US" altLang="ko-KR" dirty="0"/>
-              <a:t>. </a:t>
-            </a:r>
-            <a:r>
-              <a:rPr lang="ko-KR" altLang="en-US" dirty="0"/>
-              <a:t>우리가 비록 게임을 완성하지 못했더라도 다음에 이런 비슷한 활동이나 작업을 할 때에 이 활동을 떠올려서 고치는 계기가 되었으면 </a:t>
-            </a:r>
-            <a:r>
-              <a:rPr lang="ko-KR" altLang="en-US" dirty="0" err="1"/>
-              <a:t>좋겠어</a:t>
-            </a:r>
-            <a:r>
-              <a:rPr lang="en-US" altLang="ko-KR" dirty="0"/>
-              <a:t>! </a:t>
-            </a:r>
-            <a:r>
-              <a:rPr lang="ko-KR" altLang="en-US" dirty="0"/>
-              <a:t>그리고 아트 담당도 고마워 우리 프로그래밍이 미흡해도 불평을 하지 않아줘서</a:t>
-            </a:r>
+            <a:endParaRPr lang="ko-KR" altLang="en-US" dirty="0"/>
           </a:p>
         </p:txBody>
       </p:sp>
@@ -853,6 +560,7 @@
           <a:p>
             <a:fld id="{25253E3C-AF0E-483E-93B2-4288366BC325}" type="slidenum">
               <a:rPr lang="ko-KR" altLang="en-US" smtClean="0"/>
+              <a:pPr/>
               <a:t>12</a:t>
             </a:fld>
             <a:endParaRPr lang="ko-KR" altLang="en-US"/>
@@ -862,7 +570,7 @@
     </p:spTree>
     <p:extLst>
       <p:ext uri="{BB962C8B-B14F-4D97-AF65-F5344CB8AC3E}">
-        <p14:creationId xmlns:p14="http://schemas.microsoft.com/office/powerpoint/2010/main" val="4263552992"/>
+        <p14:creationId xmlns:p14="http://schemas.microsoft.com/office/powerpoint/2010/main" xmlns="" val="4263552992"/>
       </p:ext>
     </p:extLst>
   </p:cSld>
@@ -916,302 +624,7 @@
           <a:bodyPr/>
           <a:lstStyle/>
           <a:p>
-            <a:r>
-              <a:rPr lang="ko-KR" altLang="en-US" dirty="0"/>
-              <a:t>신동환 </a:t>
-            </a:r>
-            <a:r>
-              <a:rPr lang="en-US" altLang="ko-KR" dirty="0"/>
-              <a:t>: </a:t>
-            </a:r>
-            <a:r>
-              <a:rPr lang="ko-KR" altLang="en-US" dirty="0"/>
-              <a:t>그 동안은 </a:t>
-            </a:r>
-            <a:r>
-              <a:rPr lang="ko-KR" altLang="en-US" dirty="0" err="1"/>
-              <a:t>소비자로서만</a:t>
-            </a:r>
-            <a:r>
-              <a:rPr lang="ko-KR" altLang="en-US" dirty="0"/>
-              <a:t> 게임을 보았다면 이번 캠프에선 개발자로서 게임을 볼 수 </a:t>
-            </a:r>
-            <a:r>
-              <a:rPr lang="ko-KR" altLang="en-US" dirty="0" err="1"/>
-              <a:t>있어좋았고</a:t>
-            </a:r>
-            <a:r>
-              <a:rPr lang="en-US" altLang="ko-KR" dirty="0"/>
-              <a:t>, </a:t>
-            </a:r>
-            <a:r>
-              <a:rPr lang="ko-KR" altLang="en-US" dirty="0"/>
-              <a:t>내가 생각한걸 게임으로 실현시키고</a:t>
-            </a:r>
-            <a:r>
-              <a:rPr lang="en-US" altLang="ko-KR" dirty="0"/>
-              <a:t>, </a:t>
-            </a:r>
-            <a:r>
-              <a:rPr lang="ko-KR" altLang="en-US" dirty="0" err="1"/>
-              <a:t>남한테</a:t>
-            </a:r>
-            <a:r>
-              <a:rPr lang="ko-KR" altLang="en-US" dirty="0"/>
-              <a:t> 보여준다는 것이 신기하고</a:t>
-            </a:r>
-            <a:r>
-              <a:rPr lang="en-US" altLang="ko-KR" dirty="0"/>
-              <a:t>, </a:t>
-            </a:r>
-            <a:r>
-              <a:rPr lang="ko-KR" altLang="en-US" dirty="0"/>
-              <a:t>좋았다</a:t>
-            </a:r>
-            <a:r>
-              <a:rPr lang="en-US" altLang="ko-KR" dirty="0"/>
-              <a:t>. </a:t>
-            </a:r>
-            <a:r>
-              <a:rPr lang="ko-KR" altLang="en-US" dirty="0"/>
-              <a:t>그리고 게임캠프를 하면서 다양한 게임관련 직업군을 볼 수 있었고</a:t>
-            </a:r>
-            <a:r>
-              <a:rPr lang="en-US" altLang="ko-KR" dirty="0"/>
-              <a:t>, </a:t>
-            </a:r>
-            <a:r>
-              <a:rPr lang="ko-KR" altLang="en-US" dirty="0"/>
-              <a:t>내 진로에 대해서 다시한번 생각해 볼 수 있어 </a:t>
-            </a:r>
-            <a:r>
-              <a:rPr lang="ko-KR" altLang="en-US" dirty="0" err="1"/>
-              <a:t>좋았던것같다</a:t>
-            </a:r>
-            <a:r>
-              <a:rPr lang="en-US" altLang="ko-KR" dirty="0"/>
-              <a:t>. </a:t>
-            </a:r>
-          </a:p>
-          <a:p>
-            <a:r>
-              <a:rPr lang="en-US" altLang="ko-KR" dirty="0"/>
-              <a:t>(</a:t>
-            </a:r>
-            <a:r>
-              <a:rPr lang="ko-KR" altLang="en-US" dirty="0" err="1"/>
-              <a:t>윤지섭</a:t>
-            </a:r>
-            <a:r>
-              <a:rPr lang="en-US" altLang="ko-KR" dirty="0"/>
-              <a:t>) </a:t>
-            </a:r>
-            <a:r>
-              <a:rPr lang="ko-KR" altLang="en-US" dirty="0" err="1"/>
-              <a:t>느낀점</a:t>
-            </a:r>
-            <a:r>
-              <a:rPr lang="en-US" altLang="ko-KR" dirty="0"/>
-              <a:t>: </a:t>
-            </a:r>
-            <a:r>
-              <a:rPr lang="ko-KR" altLang="en-US" dirty="0"/>
-              <a:t>처음에는 게임을 </a:t>
-            </a:r>
-            <a:r>
-              <a:rPr lang="ko-KR" altLang="en-US" dirty="0" err="1"/>
-              <a:t>개발해야한다는</a:t>
-            </a:r>
-            <a:r>
-              <a:rPr lang="ko-KR" altLang="en-US" dirty="0"/>
-              <a:t> 막연한 느낌에 고민이 있었으나</a:t>
-            </a:r>
-            <a:r>
-              <a:rPr lang="en-US" altLang="ko-KR" dirty="0"/>
-              <a:t>, </a:t>
-            </a:r>
-            <a:r>
-              <a:rPr lang="ko-KR" altLang="en-US" dirty="0"/>
-              <a:t>개발 과정에서 모르는 부분은 도움을 주고 받으며 해결해나가 게임을 만들어서 좋은 경험이 되었다고 생각한다</a:t>
-            </a:r>
-            <a:r>
-              <a:rPr lang="en-US" altLang="ko-KR" dirty="0"/>
-              <a:t>.</a:t>
-            </a:r>
-          </a:p>
-          <a:p>
-            <a:pPr marL="0" marR="0" lvl="0" indent="0" algn="l" defTabSz="914400" rtl="0" eaLnBrk="1" fontAlgn="auto" latinLnBrk="1" hangingPunct="1">
-              <a:lnSpc>
-                <a:spcPct val="100000"/>
-              </a:lnSpc>
-              <a:spcBef>
-                <a:spcPts val="0"/>
-              </a:spcBef>
-              <a:spcAft>
-                <a:spcPts val="0"/>
-              </a:spcAft>
-              <a:buClrTx/>
-              <a:buSzTx/>
-              <a:buFontTx/>
-              <a:buNone/>
-              <a:tabLst/>
-              <a:defRPr/>
-            </a:pPr>
-            <a:r>
-              <a:rPr lang="ko-KR" altLang="en-US" dirty="0"/>
-              <a:t>이서진 </a:t>
-            </a:r>
-            <a:r>
-              <a:rPr lang="en-US" altLang="ko-KR" dirty="0"/>
-              <a:t>: </a:t>
-            </a:r>
-            <a:r>
-              <a:rPr lang="ko-KR" altLang="en-US" dirty="0"/>
-              <a:t>처음에는 진짜 </a:t>
-            </a:r>
-            <a:r>
-              <a:rPr lang="ko-KR" altLang="en-US" dirty="0" err="1"/>
-              <a:t>할수있을까라는</a:t>
-            </a:r>
-            <a:r>
-              <a:rPr lang="ko-KR" altLang="en-US" dirty="0"/>
-              <a:t> 생각으로 하게 </a:t>
-            </a:r>
-            <a:r>
-              <a:rPr lang="ko-KR" altLang="en-US" dirty="0" err="1"/>
-              <a:t>된거지만</a:t>
-            </a:r>
-            <a:r>
-              <a:rPr lang="ko-KR" altLang="en-US" dirty="0"/>
-              <a:t> 팀원들과 단합도 잘되고 잘 해주니 하나하나 </a:t>
-            </a:r>
-            <a:r>
-              <a:rPr lang="ko-KR" altLang="en-US" dirty="0" err="1"/>
-              <a:t>할때</a:t>
-            </a:r>
-            <a:r>
-              <a:rPr lang="ko-KR" altLang="en-US" dirty="0"/>
-              <a:t> 뿌듯함이 크고 내가 많이 </a:t>
-            </a:r>
-            <a:r>
-              <a:rPr lang="ko-KR" altLang="en-US" dirty="0" err="1"/>
-              <a:t>도와주지못하고</a:t>
-            </a:r>
-            <a:r>
-              <a:rPr lang="ko-KR" altLang="en-US" dirty="0"/>
-              <a:t> 참여해주지 </a:t>
-            </a:r>
-            <a:r>
-              <a:rPr lang="ko-KR" altLang="en-US" dirty="0" err="1"/>
-              <a:t>못한거에</a:t>
-            </a:r>
-            <a:r>
-              <a:rPr lang="ko-KR" altLang="en-US" dirty="0"/>
-              <a:t> 아쉬움이 </a:t>
-            </a:r>
-            <a:r>
-              <a:rPr lang="ko-KR" altLang="en-US" dirty="0" err="1"/>
-              <a:t>큰거같다</a:t>
-            </a:r>
-            <a:r>
-              <a:rPr lang="ko-KR" altLang="en-US" dirty="0"/>
-              <a:t> 게임을 만들며 </a:t>
-            </a:r>
-            <a:r>
-              <a:rPr lang="ko-KR" altLang="en-US" dirty="0" err="1"/>
-              <a:t>많은걸</a:t>
-            </a:r>
-            <a:r>
-              <a:rPr lang="ko-KR" altLang="en-US" dirty="0"/>
-              <a:t> 배우고 </a:t>
-            </a:r>
-            <a:r>
-              <a:rPr lang="ko-KR" altLang="en-US" dirty="0" err="1"/>
-              <a:t>다양한것들도</a:t>
-            </a:r>
-            <a:r>
-              <a:rPr lang="ko-KR" altLang="en-US" dirty="0"/>
-              <a:t> </a:t>
-            </a:r>
-            <a:r>
-              <a:rPr lang="ko-KR" altLang="en-US" dirty="0" err="1"/>
-              <a:t>하게되고</a:t>
-            </a:r>
-            <a:r>
-              <a:rPr lang="ko-KR" altLang="en-US" dirty="0"/>
-              <a:t> </a:t>
-            </a:r>
-            <a:r>
-              <a:rPr lang="ko-KR" altLang="en-US" dirty="0" err="1"/>
-              <a:t>게임만들기에</a:t>
-            </a:r>
-            <a:r>
-              <a:rPr lang="ko-KR" altLang="en-US" dirty="0"/>
-              <a:t> </a:t>
-            </a:r>
-            <a:r>
-              <a:rPr lang="ko-KR" altLang="en-US" dirty="0" err="1"/>
-              <a:t>자신이없다가</a:t>
-            </a:r>
-            <a:r>
-              <a:rPr lang="ko-KR" altLang="en-US" dirty="0"/>
-              <a:t> 점점 자신이 </a:t>
-            </a:r>
-            <a:r>
-              <a:rPr lang="ko-KR" altLang="en-US" dirty="0" err="1"/>
-              <a:t>붙게된거</a:t>
-            </a:r>
-            <a:r>
-              <a:rPr lang="ko-KR" altLang="en-US" dirty="0"/>
-              <a:t> 같다 무엇보다도 팀원들이 제일 열심히 해주어서 고맙다</a:t>
-            </a:r>
-            <a:endParaRPr lang="en-US" altLang="ko-KR" dirty="0"/>
-          </a:p>
-          <a:p>
-            <a:r>
-              <a:rPr lang="ko-KR" altLang="en-US" dirty="0" err="1"/>
-              <a:t>이웅표</a:t>
-            </a:r>
-            <a:r>
-              <a:rPr lang="ko-KR" altLang="en-US" dirty="0"/>
-              <a:t> </a:t>
-            </a:r>
-            <a:r>
-              <a:rPr lang="en-US" altLang="ko-KR" dirty="0"/>
-              <a:t>: </a:t>
-            </a:r>
-            <a:r>
-              <a:rPr lang="ko-KR" altLang="en-US" dirty="0"/>
-              <a:t>저희 팀원들은 비록 게임을 완성시키지 못했지만 그 과정만큼은 다른 무엇보다 값지다고 생각합니다</a:t>
-            </a:r>
-            <a:r>
-              <a:rPr lang="en-US" altLang="ko-KR" dirty="0"/>
-              <a:t>. </a:t>
-            </a:r>
-            <a:r>
-              <a:rPr lang="ko-KR" altLang="en-US" dirty="0"/>
-              <a:t>또한 팀원들과 게임을 만들고 역할을 분담하여 게임을 만드는 과정을 실제로 해보면서 다양한 교훈과 게임 개발에 필요한 것들을 알게 되었습니다</a:t>
-            </a:r>
-            <a:r>
-              <a:rPr lang="en-US" altLang="ko-KR" dirty="0"/>
-              <a:t>. </a:t>
-            </a:r>
-            <a:r>
-              <a:rPr lang="ko-KR" altLang="en-US" dirty="0"/>
-              <a:t>우리가 비록 게임을 완성하지 못했더라도 다음에 이런 비슷한 활동이나 작업을 할 때에 이 활동을 떠올려서 고치는 계기가 되었으면 </a:t>
-            </a:r>
-            <a:r>
-              <a:rPr lang="ko-KR" altLang="en-US" dirty="0" err="1"/>
-              <a:t>좋겠어</a:t>
-            </a:r>
-            <a:r>
-              <a:rPr lang="en-US" altLang="ko-KR" dirty="0"/>
-              <a:t>! </a:t>
-            </a:r>
-            <a:r>
-              <a:rPr lang="ko-KR" altLang="en-US" dirty="0"/>
-              <a:t>그리고 아트 담당도 고마워 우리 프로그래밍이 미흡해도 불평을 하지 않아줘서</a:t>
-            </a:r>
+            <a:endParaRPr lang="ko-KR" altLang="en-US" dirty="0"/>
           </a:p>
         </p:txBody>
       </p:sp>
@@ -1232,6 +645,7 @@
           <a:p>
             <a:fld id="{25253E3C-AF0E-483E-93B2-4288366BC325}" type="slidenum">
               <a:rPr lang="ko-KR" altLang="en-US" smtClean="0"/>
+              <a:pPr/>
               <a:t>13</a:t>
             </a:fld>
             <a:endParaRPr lang="ko-KR" altLang="en-US"/>
@@ -1241,7 +655,7 @@
     </p:spTree>
     <p:extLst>
       <p:ext uri="{BB962C8B-B14F-4D97-AF65-F5344CB8AC3E}">
-        <p14:creationId xmlns:p14="http://schemas.microsoft.com/office/powerpoint/2010/main" val="2352112057"/>
+        <p14:creationId xmlns:p14="http://schemas.microsoft.com/office/powerpoint/2010/main" xmlns="" val="2352112057"/>
       </p:ext>
     </p:extLst>
   </p:cSld>
@@ -1295,302 +709,7 @@
           <a:bodyPr/>
           <a:lstStyle/>
           <a:p>
-            <a:r>
-              <a:rPr lang="ko-KR" altLang="en-US" dirty="0"/>
-              <a:t>신동환 </a:t>
-            </a:r>
-            <a:r>
-              <a:rPr lang="en-US" altLang="ko-KR" dirty="0"/>
-              <a:t>: </a:t>
-            </a:r>
-            <a:r>
-              <a:rPr lang="ko-KR" altLang="en-US" dirty="0"/>
-              <a:t>그 동안은 </a:t>
-            </a:r>
-            <a:r>
-              <a:rPr lang="ko-KR" altLang="en-US" dirty="0" err="1"/>
-              <a:t>소비자로서만</a:t>
-            </a:r>
-            <a:r>
-              <a:rPr lang="ko-KR" altLang="en-US" dirty="0"/>
-              <a:t> 게임을 보았다면 이번 캠프에선 개발자로서 게임을 볼 수 </a:t>
-            </a:r>
-            <a:r>
-              <a:rPr lang="ko-KR" altLang="en-US" dirty="0" err="1"/>
-              <a:t>있어좋았고</a:t>
-            </a:r>
-            <a:r>
-              <a:rPr lang="en-US" altLang="ko-KR" dirty="0"/>
-              <a:t>, </a:t>
-            </a:r>
-            <a:r>
-              <a:rPr lang="ko-KR" altLang="en-US" dirty="0"/>
-              <a:t>내가 생각한걸 게임으로 실현시키고</a:t>
-            </a:r>
-            <a:r>
-              <a:rPr lang="en-US" altLang="ko-KR" dirty="0"/>
-              <a:t>, </a:t>
-            </a:r>
-            <a:r>
-              <a:rPr lang="ko-KR" altLang="en-US" dirty="0" err="1"/>
-              <a:t>남한테</a:t>
-            </a:r>
-            <a:r>
-              <a:rPr lang="ko-KR" altLang="en-US" dirty="0"/>
-              <a:t> 보여준다는 것이 신기하고</a:t>
-            </a:r>
-            <a:r>
-              <a:rPr lang="en-US" altLang="ko-KR" dirty="0"/>
-              <a:t>, </a:t>
-            </a:r>
-            <a:r>
-              <a:rPr lang="ko-KR" altLang="en-US" dirty="0"/>
-              <a:t>좋았다</a:t>
-            </a:r>
-            <a:r>
-              <a:rPr lang="en-US" altLang="ko-KR" dirty="0"/>
-              <a:t>. </a:t>
-            </a:r>
-            <a:r>
-              <a:rPr lang="ko-KR" altLang="en-US" dirty="0"/>
-              <a:t>그리고 게임캠프를 하면서 다양한 게임관련 직업군을 볼 수 있었고</a:t>
-            </a:r>
-            <a:r>
-              <a:rPr lang="en-US" altLang="ko-KR" dirty="0"/>
-              <a:t>, </a:t>
-            </a:r>
-            <a:r>
-              <a:rPr lang="ko-KR" altLang="en-US" dirty="0"/>
-              <a:t>내 진로에 대해서 다시한번 생각해 볼 수 있어 </a:t>
-            </a:r>
-            <a:r>
-              <a:rPr lang="ko-KR" altLang="en-US" dirty="0" err="1"/>
-              <a:t>좋았던것같다</a:t>
-            </a:r>
-            <a:r>
-              <a:rPr lang="en-US" altLang="ko-KR" dirty="0"/>
-              <a:t>. </a:t>
-            </a:r>
-          </a:p>
-          <a:p>
-            <a:r>
-              <a:rPr lang="en-US" altLang="ko-KR" dirty="0"/>
-              <a:t>(</a:t>
-            </a:r>
-            <a:r>
-              <a:rPr lang="ko-KR" altLang="en-US" dirty="0" err="1"/>
-              <a:t>윤지섭</a:t>
-            </a:r>
-            <a:r>
-              <a:rPr lang="en-US" altLang="ko-KR" dirty="0"/>
-              <a:t>) </a:t>
-            </a:r>
-            <a:r>
-              <a:rPr lang="ko-KR" altLang="en-US" dirty="0" err="1"/>
-              <a:t>느낀점</a:t>
-            </a:r>
-            <a:r>
-              <a:rPr lang="en-US" altLang="ko-KR" dirty="0"/>
-              <a:t>: </a:t>
-            </a:r>
-            <a:r>
-              <a:rPr lang="ko-KR" altLang="en-US" dirty="0"/>
-              <a:t>처음에는 게임을 </a:t>
-            </a:r>
-            <a:r>
-              <a:rPr lang="ko-KR" altLang="en-US" dirty="0" err="1"/>
-              <a:t>개발해야한다는</a:t>
-            </a:r>
-            <a:r>
-              <a:rPr lang="ko-KR" altLang="en-US" dirty="0"/>
-              <a:t> 막연한 느낌에 고민이 있었으나</a:t>
-            </a:r>
-            <a:r>
-              <a:rPr lang="en-US" altLang="ko-KR" dirty="0"/>
-              <a:t>, </a:t>
-            </a:r>
-            <a:r>
-              <a:rPr lang="ko-KR" altLang="en-US" dirty="0"/>
-              <a:t>개발 과정에서 모르는 부분은 도움을 주고 받으며 해결해나가 게임을 만들어서 좋은 경험이 되었다고 생각한다</a:t>
-            </a:r>
-            <a:r>
-              <a:rPr lang="en-US" altLang="ko-KR" dirty="0"/>
-              <a:t>.</a:t>
-            </a:r>
-          </a:p>
-          <a:p>
-            <a:pPr marL="0" marR="0" lvl="0" indent="0" algn="l" defTabSz="914400" rtl="0" eaLnBrk="1" fontAlgn="auto" latinLnBrk="1" hangingPunct="1">
-              <a:lnSpc>
-                <a:spcPct val="100000"/>
-              </a:lnSpc>
-              <a:spcBef>
-                <a:spcPts val="0"/>
-              </a:spcBef>
-              <a:spcAft>
-                <a:spcPts val="0"/>
-              </a:spcAft>
-              <a:buClrTx/>
-              <a:buSzTx/>
-              <a:buFontTx/>
-              <a:buNone/>
-              <a:tabLst/>
-              <a:defRPr/>
-            </a:pPr>
-            <a:r>
-              <a:rPr lang="ko-KR" altLang="en-US" dirty="0"/>
-              <a:t>이서진 </a:t>
-            </a:r>
-            <a:r>
-              <a:rPr lang="en-US" altLang="ko-KR" dirty="0"/>
-              <a:t>: </a:t>
-            </a:r>
-            <a:r>
-              <a:rPr lang="ko-KR" altLang="en-US" dirty="0"/>
-              <a:t>처음에는 진짜 </a:t>
-            </a:r>
-            <a:r>
-              <a:rPr lang="ko-KR" altLang="en-US" dirty="0" err="1"/>
-              <a:t>할수있을까라는</a:t>
-            </a:r>
-            <a:r>
-              <a:rPr lang="ko-KR" altLang="en-US" dirty="0"/>
-              <a:t> 생각으로 하게 </a:t>
-            </a:r>
-            <a:r>
-              <a:rPr lang="ko-KR" altLang="en-US" dirty="0" err="1"/>
-              <a:t>된거지만</a:t>
-            </a:r>
-            <a:r>
-              <a:rPr lang="ko-KR" altLang="en-US" dirty="0"/>
-              <a:t> 팀원들과 단합도 잘되고 잘 해주니 하나하나 </a:t>
-            </a:r>
-            <a:r>
-              <a:rPr lang="ko-KR" altLang="en-US" dirty="0" err="1"/>
-              <a:t>할때</a:t>
-            </a:r>
-            <a:r>
-              <a:rPr lang="ko-KR" altLang="en-US" dirty="0"/>
-              <a:t> 뿌듯함이 크고 내가 많이 </a:t>
-            </a:r>
-            <a:r>
-              <a:rPr lang="ko-KR" altLang="en-US" dirty="0" err="1"/>
-              <a:t>도와주지못하고</a:t>
-            </a:r>
-            <a:r>
-              <a:rPr lang="ko-KR" altLang="en-US" dirty="0"/>
-              <a:t> 참여해주지 </a:t>
-            </a:r>
-            <a:r>
-              <a:rPr lang="ko-KR" altLang="en-US" dirty="0" err="1"/>
-              <a:t>못한거에</a:t>
-            </a:r>
-            <a:r>
-              <a:rPr lang="ko-KR" altLang="en-US" dirty="0"/>
-              <a:t> 아쉬움이 </a:t>
-            </a:r>
-            <a:r>
-              <a:rPr lang="ko-KR" altLang="en-US" dirty="0" err="1"/>
-              <a:t>큰거같다</a:t>
-            </a:r>
-            <a:r>
-              <a:rPr lang="ko-KR" altLang="en-US" dirty="0"/>
-              <a:t> 게임을 만들며 </a:t>
-            </a:r>
-            <a:r>
-              <a:rPr lang="ko-KR" altLang="en-US" dirty="0" err="1"/>
-              <a:t>많은걸</a:t>
-            </a:r>
-            <a:r>
-              <a:rPr lang="ko-KR" altLang="en-US" dirty="0"/>
-              <a:t> 배우고 </a:t>
-            </a:r>
-            <a:r>
-              <a:rPr lang="ko-KR" altLang="en-US" dirty="0" err="1"/>
-              <a:t>다양한것들도</a:t>
-            </a:r>
-            <a:r>
-              <a:rPr lang="ko-KR" altLang="en-US" dirty="0"/>
-              <a:t> </a:t>
-            </a:r>
-            <a:r>
-              <a:rPr lang="ko-KR" altLang="en-US" dirty="0" err="1"/>
-              <a:t>하게되고</a:t>
-            </a:r>
-            <a:r>
-              <a:rPr lang="ko-KR" altLang="en-US" dirty="0"/>
-              <a:t> </a:t>
-            </a:r>
-            <a:r>
-              <a:rPr lang="ko-KR" altLang="en-US" dirty="0" err="1"/>
-              <a:t>게임만들기에</a:t>
-            </a:r>
-            <a:r>
-              <a:rPr lang="ko-KR" altLang="en-US" dirty="0"/>
-              <a:t> </a:t>
-            </a:r>
-            <a:r>
-              <a:rPr lang="ko-KR" altLang="en-US" dirty="0" err="1"/>
-              <a:t>자신이없다가</a:t>
-            </a:r>
-            <a:r>
-              <a:rPr lang="ko-KR" altLang="en-US" dirty="0"/>
-              <a:t> 점점 자신이 </a:t>
-            </a:r>
-            <a:r>
-              <a:rPr lang="ko-KR" altLang="en-US" dirty="0" err="1"/>
-              <a:t>붙게된거</a:t>
-            </a:r>
-            <a:r>
-              <a:rPr lang="ko-KR" altLang="en-US" dirty="0"/>
-              <a:t> 같다 무엇보다도 팀원들이 제일 열심히 해주어서 고맙다</a:t>
-            </a:r>
-            <a:endParaRPr lang="en-US" altLang="ko-KR" dirty="0"/>
-          </a:p>
-          <a:p>
-            <a:r>
-              <a:rPr lang="ko-KR" altLang="en-US" dirty="0" err="1"/>
-              <a:t>이웅표</a:t>
-            </a:r>
-            <a:r>
-              <a:rPr lang="ko-KR" altLang="en-US" dirty="0"/>
-              <a:t> </a:t>
-            </a:r>
-            <a:r>
-              <a:rPr lang="en-US" altLang="ko-KR" dirty="0"/>
-              <a:t>: </a:t>
-            </a:r>
-            <a:r>
-              <a:rPr lang="ko-KR" altLang="en-US" dirty="0"/>
-              <a:t>저희 팀원들은 비록 게임을 완성시키지 못했지만 그 과정만큼은 다른 무엇보다 값지다고 생각합니다</a:t>
-            </a:r>
-            <a:r>
-              <a:rPr lang="en-US" altLang="ko-KR" dirty="0"/>
-              <a:t>. </a:t>
-            </a:r>
-            <a:r>
-              <a:rPr lang="ko-KR" altLang="en-US" dirty="0"/>
-              <a:t>또한 팀원들과 게임을 만들고 역할을 분담하여 게임을 만드는 과정을 실제로 해보면서 다양한 교훈과 게임 개발에 필요한 것들을 알게 되었습니다</a:t>
-            </a:r>
-            <a:r>
-              <a:rPr lang="en-US" altLang="ko-KR" dirty="0"/>
-              <a:t>. </a:t>
-            </a:r>
-            <a:r>
-              <a:rPr lang="ko-KR" altLang="en-US" dirty="0"/>
-              <a:t>우리가 비록 게임을 완성하지 못했더라도 다음에 이런 비슷한 활동이나 작업을 할 때에 이 활동을 떠올려서 고치는 계기가 되었으면 </a:t>
-            </a:r>
-            <a:r>
-              <a:rPr lang="ko-KR" altLang="en-US" dirty="0" err="1"/>
-              <a:t>좋겠어</a:t>
-            </a:r>
-            <a:r>
-              <a:rPr lang="en-US" altLang="ko-KR" dirty="0"/>
-              <a:t>! </a:t>
-            </a:r>
-            <a:r>
-              <a:rPr lang="ko-KR" altLang="en-US" dirty="0"/>
-              <a:t>그리고 아트 담당도 고마워 우리 프로그래밍이 미흡해도 불평을 하지 않아줘서</a:t>
-            </a:r>
+            <a:endParaRPr lang="ko-KR" altLang="en-US" dirty="0"/>
           </a:p>
         </p:txBody>
       </p:sp>
@@ -1611,6 +730,7 @@
           <a:p>
             <a:fld id="{25253E3C-AF0E-483E-93B2-4288366BC325}" type="slidenum">
               <a:rPr lang="ko-KR" altLang="en-US" smtClean="0"/>
+              <a:pPr/>
               <a:t>14</a:t>
             </a:fld>
             <a:endParaRPr lang="ko-KR" altLang="en-US"/>
@@ -1620,7 +740,7 @@
     </p:spTree>
     <p:extLst>
       <p:ext uri="{BB962C8B-B14F-4D97-AF65-F5344CB8AC3E}">
-        <p14:creationId xmlns:p14="http://schemas.microsoft.com/office/powerpoint/2010/main" val="2865402757"/>
+        <p14:creationId xmlns:p14="http://schemas.microsoft.com/office/powerpoint/2010/main" xmlns="" val="2865402757"/>
       </p:ext>
     </p:extLst>
   </p:cSld>
@@ -1809,7 +929,8 @@
           <a:p>
             <a:fld id="{9F821F1E-6AE0-46FB-8507-DD12BF640D02}" type="datetimeFigureOut">
               <a:rPr lang="ko-KR" altLang="en-US" smtClean="0"/>
-              <a:t>2017-11-23</a:t>
+              <a:pPr/>
+              <a:t>2017-11-24</a:t>
             </a:fld>
             <a:endParaRPr lang="ko-KR" altLang="en-US"/>
           </a:p>
@@ -1851,6 +972,7 @@
           <a:p>
             <a:fld id="{182261DA-B58B-4E95-8AF5-7127CE2FFFD1}" type="slidenum">
               <a:rPr lang="ko-KR" altLang="en-US" smtClean="0"/>
+              <a:pPr/>
               <a:t>‹#›</a:t>
             </a:fld>
             <a:endParaRPr lang="ko-KR" altLang="en-US"/>
@@ -1860,7 +982,7 @@
     </p:spTree>
     <p:extLst>
       <p:ext uri="{BB962C8B-B14F-4D97-AF65-F5344CB8AC3E}">
-        <p14:creationId xmlns:p14="http://schemas.microsoft.com/office/powerpoint/2010/main" val="1620158589"/>
+        <p14:creationId xmlns:p14="http://schemas.microsoft.com/office/powerpoint/2010/main" xmlns="" val="1620158589"/>
       </p:ext>
     </p:extLst>
   </p:cSld>
@@ -1977,7 +1099,8 @@
           <a:p>
             <a:fld id="{9F821F1E-6AE0-46FB-8507-DD12BF640D02}" type="datetimeFigureOut">
               <a:rPr lang="ko-KR" altLang="en-US" smtClean="0"/>
-              <a:t>2017-11-23</a:t>
+              <a:pPr/>
+              <a:t>2017-11-24</a:t>
             </a:fld>
             <a:endParaRPr lang="ko-KR" altLang="en-US"/>
           </a:p>
@@ -2019,6 +1142,7 @@
           <a:p>
             <a:fld id="{182261DA-B58B-4E95-8AF5-7127CE2FFFD1}" type="slidenum">
               <a:rPr lang="ko-KR" altLang="en-US" smtClean="0"/>
+              <a:pPr/>
               <a:t>‹#›</a:t>
             </a:fld>
             <a:endParaRPr lang="ko-KR" altLang="en-US"/>
@@ -2028,7 +1152,7 @@
     </p:spTree>
     <p:extLst>
       <p:ext uri="{BB962C8B-B14F-4D97-AF65-F5344CB8AC3E}">
-        <p14:creationId xmlns:p14="http://schemas.microsoft.com/office/powerpoint/2010/main" val="2015723134"/>
+        <p14:creationId xmlns:p14="http://schemas.microsoft.com/office/powerpoint/2010/main" xmlns="" val="2015723134"/>
       </p:ext>
     </p:extLst>
   </p:cSld>
@@ -2155,7 +1279,8 @@
           <a:p>
             <a:fld id="{9F821F1E-6AE0-46FB-8507-DD12BF640D02}" type="datetimeFigureOut">
               <a:rPr lang="ko-KR" altLang="en-US" smtClean="0"/>
-              <a:t>2017-11-23</a:t>
+              <a:pPr/>
+              <a:t>2017-11-24</a:t>
             </a:fld>
             <a:endParaRPr lang="ko-KR" altLang="en-US"/>
           </a:p>
@@ -2197,6 +1322,7 @@
           <a:p>
             <a:fld id="{182261DA-B58B-4E95-8AF5-7127CE2FFFD1}" type="slidenum">
               <a:rPr lang="ko-KR" altLang="en-US" smtClean="0"/>
+              <a:pPr/>
               <a:t>‹#›</a:t>
             </a:fld>
             <a:endParaRPr lang="ko-KR" altLang="en-US"/>
@@ -2206,7 +1332,7 @@
     </p:spTree>
     <p:extLst>
       <p:ext uri="{BB962C8B-B14F-4D97-AF65-F5344CB8AC3E}">
-        <p14:creationId xmlns:p14="http://schemas.microsoft.com/office/powerpoint/2010/main" val="3912428236"/>
+        <p14:creationId xmlns:p14="http://schemas.microsoft.com/office/powerpoint/2010/main" xmlns="" val="3912428236"/>
       </p:ext>
     </p:extLst>
   </p:cSld>
@@ -2323,7 +1449,8 @@
           <a:p>
             <a:fld id="{9F821F1E-6AE0-46FB-8507-DD12BF640D02}" type="datetimeFigureOut">
               <a:rPr lang="ko-KR" altLang="en-US" smtClean="0"/>
-              <a:t>2017-11-23</a:t>
+              <a:pPr/>
+              <a:t>2017-11-24</a:t>
             </a:fld>
             <a:endParaRPr lang="ko-KR" altLang="en-US"/>
           </a:p>
@@ -2365,6 +1492,7 @@
           <a:p>
             <a:fld id="{182261DA-B58B-4E95-8AF5-7127CE2FFFD1}" type="slidenum">
               <a:rPr lang="ko-KR" altLang="en-US" smtClean="0"/>
+              <a:pPr/>
               <a:t>‹#›</a:t>
             </a:fld>
             <a:endParaRPr lang="ko-KR" altLang="en-US"/>
@@ -2374,7 +1502,7 @@
     </p:spTree>
     <p:extLst>
       <p:ext uri="{BB962C8B-B14F-4D97-AF65-F5344CB8AC3E}">
-        <p14:creationId xmlns:p14="http://schemas.microsoft.com/office/powerpoint/2010/main" val="649714136"/>
+        <p14:creationId xmlns:p14="http://schemas.microsoft.com/office/powerpoint/2010/main" xmlns="" val="649714136"/>
       </p:ext>
     </p:extLst>
   </p:cSld>
@@ -2568,7 +1696,8 @@
           <a:p>
             <a:fld id="{9F821F1E-6AE0-46FB-8507-DD12BF640D02}" type="datetimeFigureOut">
               <a:rPr lang="ko-KR" altLang="en-US" smtClean="0"/>
-              <a:t>2017-11-23</a:t>
+              <a:pPr/>
+              <a:t>2017-11-24</a:t>
             </a:fld>
             <a:endParaRPr lang="ko-KR" altLang="en-US"/>
           </a:p>
@@ -2610,6 +1739,7 @@
           <a:p>
             <a:fld id="{182261DA-B58B-4E95-8AF5-7127CE2FFFD1}" type="slidenum">
               <a:rPr lang="ko-KR" altLang="en-US" smtClean="0"/>
+              <a:pPr/>
               <a:t>‹#›</a:t>
             </a:fld>
             <a:endParaRPr lang="ko-KR" altLang="en-US"/>
@@ -2619,7 +1749,7 @@
     </p:spTree>
     <p:extLst>
       <p:ext uri="{BB962C8B-B14F-4D97-AF65-F5344CB8AC3E}">
-        <p14:creationId xmlns:p14="http://schemas.microsoft.com/office/powerpoint/2010/main" val="2134335934"/>
+        <p14:creationId xmlns:p14="http://schemas.microsoft.com/office/powerpoint/2010/main" xmlns="" val="2134335934"/>
       </p:ext>
     </p:extLst>
   </p:cSld>
@@ -2853,7 +1983,8 @@
           <a:p>
             <a:fld id="{9F821F1E-6AE0-46FB-8507-DD12BF640D02}" type="datetimeFigureOut">
               <a:rPr lang="ko-KR" altLang="en-US" smtClean="0"/>
-              <a:t>2017-11-23</a:t>
+              <a:pPr/>
+              <a:t>2017-11-24</a:t>
             </a:fld>
             <a:endParaRPr lang="ko-KR" altLang="en-US"/>
           </a:p>
@@ -2895,6 +2026,7 @@
           <a:p>
             <a:fld id="{182261DA-B58B-4E95-8AF5-7127CE2FFFD1}" type="slidenum">
               <a:rPr lang="ko-KR" altLang="en-US" smtClean="0"/>
+              <a:pPr/>
               <a:t>‹#›</a:t>
             </a:fld>
             <a:endParaRPr lang="ko-KR" altLang="en-US"/>
@@ -2904,7 +2036,7 @@
     </p:spTree>
     <p:extLst>
       <p:ext uri="{BB962C8B-B14F-4D97-AF65-F5344CB8AC3E}">
-        <p14:creationId xmlns:p14="http://schemas.microsoft.com/office/powerpoint/2010/main" val="1947289124"/>
+        <p14:creationId xmlns:p14="http://schemas.microsoft.com/office/powerpoint/2010/main" xmlns="" val="1947289124"/>
       </p:ext>
     </p:extLst>
   </p:cSld>
@@ -3272,7 +2404,8 @@
           <a:p>
             <a:fld id="{9F821F1E-6AE0-46FB-8507-DD12BF640D02}" type="datetimeFigureOut">
               <a:rPr lang="ko-KR" altLang="en-US" smtClean="0"/>
-              <a:t>2017-11-23</a:t>
+              <a:pPr/>
+              <a:t>2017-11-24</a:t>
             </a:fld>
             <a:endParaRPr lang="ko-KR" altLang="en-US"/>
           </a:p>
@@ -3314,6 +2447,7 @@
           <a:p>
             <a:fld id="{182261DA-B58B-4E95-8AF5-7127CE2FFFD1}" type="slidenum">
               <a:rPr lang="ko-KR" altLang="en-US" smtClean="0"/>
+              <a:pPr/>
               <a:t>‹#›</a:t>
             </a:fld>
             <a:endParaRPr lang="ko-KR" altLang="en-US"/>
@@ -3323,7 +2457,7 @@
     </p:spTree>
     <p:extLst>
       <p:ext uri="{BB962C8B-B14F-4D97-AF65-F5344CB8AC3E}">
-        <p14:creationId xmlns:p14="http://schemas.microsoft.com/office/powerpoint/2010/main" val="46936960"/>
+        <p14:creationId xmlns:p14="http://schemas.microsoft.com/office/powerpoint/2010/main" xmlns="" val="46936960"/>
       </p:ext>
     </p:extLst>
   </p:cSld>
@@ -3389,7 +2523,8 @@
           <a:p>
             <a:fld id="{9F821F1E-6AE0-46FB-8507-DD12BF640D02}" type="datetimeFigureOut">
               <a:rPr lang="ko-KR" altLang="en-US" smtClean="0"/>
-              <a:t>2017-11-23</a:t>
+              <a:pPr/>
+              <a:t>2017-11-24</a:t>
             </a:fld>
             <a:endParaRPr lang="ko-KR" altLang="en-US"/>
           </a:p>
@@ -3431,6 +2566,7 @@
           <a:p>
             <a:fld id="{182261DA-B58B-4E95-8AF5-7127CE2FFFD1}" type="slidenum">
               <a:rPr lang="ko-KR" altLang="en-US" smtClean="0"/>
+              <a:pPr/>
               <a:t>‹#›</a:t>
             </a:fld>
             <a:endParaRPr lang="ko-KR" altLang="en-US"/>
@@ -3440,7 +2576,7 @@
     </p:spTree>
     <p:extLst>
       <p:ext uri="{BB962C8B-B14F-4D97-AF65-F5344CB8AC3E}">
-        <p14:creationId xmlns:p14="http://schemas.microsoft.com/office/powerpoint/2010/main" val="3175073723"/>
+        <p14:creationId xmlns:p14="http://schemas.microsoft.com/office/powerpoint/2010/main" xmlns="" val="3175073723"/>
       </p:ext>
     </p:extLst>
   </p:cSld>
@@ -3484,7 +2620,8 @@
           <a:p>
             <a:fld id="{9F821F1E-6AE0-46FB-8507-DD12BF640D02}" type="datetimeFigureOut">
               <a:rPr lang="ko-KR" altLang="en-US" smtClean="0"/>
-              <a:t>2017-11-23</a:t>
+              <a:pPr/>
+              <a:t>2017-11-24</a:t>
             </a:fld>
             <a:endParaRPr lang="ko-KR" altLang="en-US"/>
           </a:p>
@@ -3526,6 +2663,7 @@
           <a:p>
             <a:fld id="{182261DA-B58B-4E95-8AF5-7127CE2FFFD1}" type="slidenum">
               <a:rPr lang="ko-KR" altLang="en-US" smtClean="0"/>
+              <a:pPr/>
               <a:t>‹#›</a:t>
             </a:fld>
             <a:endParaRPr lang="ko-KR" altLang="en-US"/>
@@ -3535,7 +2673,7 @@
     </p:spTree>
     <p:extLst>
       <p:ext uri="{BB962C8B-B14F-4D97-AF65-F5344CB8AC3E}">
-        <p14:creationId xmlns:p14="http://schemas.microsoft.com/office/powerpoint/2010/main" val="3168388652"/>
+        <p14:creationId xmlns:p14="http://schemas.microsoft.com/office/powerpoint/2010/main" xmlns="" val="3168388652"/>
       </p:ext>
     </p:extLst>
   </p:cSld>
@@ -3759,7 +2897,8 @@
           <a:p>
             <a:fld id="{9F821F1E-6AE0-46FB-8507-DD12BF640D02}" type="datetimeFigureOut">
               <a:rPr lang="ko-KR" altLang="en-US" smtClean="0"/>
-              <a:t>2017-11-23</a:t>
+              <a:pPr/>
+              <a:t>2017-11-24</a:t>
             </a:fld>
             <a:endParaRPr lang="ko-KR" altLang="en-US"/>
           </a:p>
@@ -3801,6 +2940,7 @@
           <a:p>
             <a:fld id="{182261DA-B58B-4E95-8AF5-7127CE2FFFD1}" type="slidenum">
               <a:rPr lang="ko-KR" altLang="en-US" smtClean="0"/>
+              <a:pPr/>
               <a:t>‹#›</a:t>
             </a:fld>
             <a:endParaRPr lang="ko-KR" altLang="en-US"/>
@@ -3810,7 +2950,7 @@
     </p:spTree>
     <p:extLst>
       <p:ext uri="{BB962C8B-B14F-4D97-AF65-F5344CB8AC3E}">
-        <p14:creationId xmlns:p14="http://schemas.microsoft.com/office/powerpoint/2010/main" val="1270229208"/>
+        <p14:creationId xmlns:p14="http://schemas.microsoft.com/office/powerpoint/2010/main" xmlns="" val="1270229208"/>
       </p:ext>
     </p:extLst>
   </p:cSld>
@@ -4011,7 +3151,8 @@
           <a:p>
             <a:fld id="{9F821F1E-6AE0-46FB-8507-DD12BF640D02}" type="datetimeFigureOut">
               <a:rPr lang="ko-KR" altLang="en-US" smtClean="0"/>
-              <a:t>2017-11-23</a:t>
+              <a:pPr/>
+              <a:t>2017-11-24</a:t>
             </a:fld>
             <a:endParaRPr lang="ko-KR" altLang="en-US"/>
           </a:p>
@@ -4053,6 +3194,7 @@
           <a:p>
             <a:fld id="{182261DA-B58B-4E95-8AF5-7127CE2FFFD1}" type="slidenum">
               <a:rPr lang="ko-KR" altLang="en-US" smtClean="0"/>
+              <a:pPr/>
               <a:t>‹#›</a:t>
             </a:fld>
             <a:endParaRPr lang="ko-KR" altLang="en-US"/>
@@ -4062,7 +3204,7 @@
     </p:spTree>
     <p:extLst>
       <p:ext uri="{BB962C8B-B14F-4D97-AF65-F5344CB8AC3E}">
-        <p14:creationId xmlns:p14="http://schemas.microsoft.com/office/powerpoint/2010/main" val="744478340"/>
+        <p14:creationId xmlns:p14="http://schemas.microsoft.com/office/powerpoint/2010/main" xmlns="" val="744478340"/>
       </p:ext>
     </p:extLst>
   </p:cSld>
@@ -4222,7 +3364,8 @@
           <a:p>
             <a:fld id="{9F821F1E-6AE0-46FB-8507-DD12BF640D02}" type="datetimeFigureOut">
               <a:rPr lang="ko-KR" altLang="en-US" smtClean="0"/>
-              <a:t>2017-11-23</a:t>
+              <a:pPr/>
+              <a:t>2017-11-24</a:t>
             </a:fld>
             <a:endParaRPr lang="ko-KR" altLang="en-US"/>
           </a:p>
@@ -4300,6 +3443,7 @@
           <a:p>
             <a:fld id="{182261DA-B58B-4E95-8AF5-7127CE2FFFD1}" type="slidenum">
               <a:rPr lang="ko-KR" altLang="en-US" smtClean="0"/>
+              <a:pPr/>
               <a:t>‹#›</a:t>
             </a:fld>
             <a:endParaRPr lang="ko-KR" altLang="en-US"/>
@@ -4309,7 +3453,7 @@
     </p:spTree>
     <p:extLst>
       <p:ext uri="{BB962C8B-B14F-4D97-AF65-F5344CB8AC3E}">
-        <p14:creationId xmlns:p14="http://schemas.microsoft.com/office/powerpoint/2010/main" val="4228217720"/>
+        <p14:creationId xmlns:p14="http://schemas.microsoft.com/office/powerpoint/2010/main" xmlns="" val="4228217720"/>
       </p:ext>
     </p:extLst>
   </p:cSld>
@@ -4606,10 +3750,10 @@
           <p:nvPr/>
         </p:nvPicPr>
         <p:blipFill>
-          <a:blip r:embed="rId2">
+          <a:blip r:embed="rId2" cstate="print">
             <a:extLst>
               <a:ext uri="{28A0092B-C50C-407E-A947-70E740481C1C}">
-                <a14:useLocalDpi xmlns:a14="http://schemas.microsoft.com/office/drawing/2010/main" val="0"/>
+                <a14:useLocalDpi xmlns:a14="http://schemas.microsoft.com/office/drawing/2010/main" xmlns="" val="0"/>
               </a:ext>
             </a:extLst>
           </a:blip>
@@ -5136,20 +4280,20 @@
     </p:spTree>
     <p:extLst>
       <p:ext uri="{BB962C8B-B14F-4D97-AF65-F5344CB8AC3E}">
-        <p14:creationId xmlns:p14="http://schemas.microsoft.com/office/powerpoint/2010/main" val="4043119105"/>
+        <p14:creationId xmlns:p14="http://schemas.microsoft.com/office/powerpoint/2010/main" xmlns="" val="4043119105"/>
       </p:ext>
     </p:extLst>
   </p:cSld>
   <p:clrMapOvr>
     <a:masterClrMapping/>
   </p:clrMapOvr>
-  <mc:AlternateContent xmlns:mc="http://schemas.openxmlformats.org/markup-compatibility/2006" xmlns:p14="http://schemas.microsoft.com/office/powerpoint/2010/main">
-    <mc:Choice Requires="p14">
+  <mc:AlternateContent xmlns:mc="http://schemas.openxmlformats.org/markup-compatibility/2006">
+    <mc:Choice xmlns:p14="http://schemas.microsoft.com/office/powerpoint/2010/main" xmlns="" Requires="p14">
       <p:transition spd="med" p14:dur="700">
         <p:fade/>
       </p:transition>
     </mc:Choice>
-    <mc:Fallback xmlns="">
+    <mc:Fallback>
       <p:transition spd="med">
         <p:fade/>
       </p:transition>
@@ -5184,10 +4328,10 @@
           <p:nvPr/>
         </p:nvPicPr>
         <p:blipFill>
-          <a:blip r:embed="rId2">
+          <a:blip r:embed="rId2" cstate="print">
             <a:extLst>
               <a:ext uri="{28A0092B-C50C-407E-A947-70E740481C1C}">
-                <a14:useLocalDpi xmlns:a14="http://schemas.microsoft.com/office/drawing/2010/main" val="0"/>
+                <a14:useLocalDpi xmlns:a14="http://schemas.microsoft.com/office/drawing/2010/main" xmlns="" val="0"/>
               </a:ext>
             </a:extLst>
           </a:blip>
@@ -5214,10 +4358,10 @@
           <p:nvPr/>
         </p:nvPicPr>
         <p:blipFill>
-          <a:blip r:embed="rId3">
+          <a:blip r:embed="rId3" cstate="print">
             <a:extLst>
               <a:ext uri="{28A0092B-C50C-407E-A947-70E740481C1C}">
-                <a14:useLocalDpi xmlns:a14="http://schemas.microsoft.com/office/drawing/2010/main" val="0"/>
+                <a14:useLocalDpi xmlns:a14="http://schemas.microsoft.com/office/drawing/2010/main" xmlns="" val="0"/>
               </a:ext>
             </a:extLst>
           </a:blip>
@@ -5436,7 +4580,7 @@
     </p:spTree>
     <p:extLst>
       <p:ext uri="{BB962C8B-B14F-4D97-AF65-F5344CB8AC3E}">
-        <p14:creationId xmlns:p14="http://schemas.microsoft.com/office/powerpoint/2010/main" val="186171966"/>
+        <p14:creationId xmlns:p14="http://schemas.microsoft.com/office/powerpoint/2010/main" xmlns="" val="186171966"/>
       </p:ext>
     </p:extLst>
   </p:cSld>
@@ -5808,7 +4952,7 @@
     </p:spTree>
     <p:extLst>
       <p:ext uri="{BB962C8B-B14F-4D97-AF65-F5344CB8AC3E}">
-        <p14:creationId xmlns:p14="http://schemas.microsoft.com/office/powerpoint/2010/main" val="4095614847"/>
+        <p14:creationId xmlns:p14="http://schemas.microsoft.com/office/powerpoint/2010/main" xmlns="" val="4095614847"/>
       </p:ext>
     </p:extLst>
   </p:cSld>
@@ -5908,7 +5052,7 @@
         <p:spPr>
           <a:xfrm>
             <a:off x="35496" y="627534"/>
-            <a:ext cx="9001000" cy="3693319"/>
+            <a:ext cx="9001000" cy="4524315"/>
           </a:xfrm>
           <a:prstGeom prst="rect">
             <a:avLst/>
@@ -5971,118 +5115,90 @@
           </a:p>
           <a:p>
             <a:r>
-              <a:rPr lang="ko-KR" altLang="en-US" dirty="0">
+              <a:rPr lang="ko-KR" altLang="en-US" dirty="0" smtClean="0">
                 <a:latin typeface="HY수평선M" pitchFamily="18" charset="-127"/>
                 <a:ea typeface="HY수평선M" pitchFamily="18" charset="-127"/>
               </a:rPr>
-              <a:t>신동환</a:t>
-            </a:r>
-            <a:endParaRPr lang="en-US" altLang="ko-KR" dirty="0">
+              <a:t>윤지섭</a:t>
+            </a:r>
+            <a:endParaRPr lang="en-US" altLang="ko-KR" dirty="0" smtClean="0">
               <a:latin typeface="HY수평선M" pitchFamily="18" charset="-127"/>
               <a:ea typeface="HY수평선M" pitchFamily="18" charset="-127"/>
             </a:endParaRPr>
           </a:p>
           <a:p>
             <a:r>
-              <a:rPr lang="ko-KR" altLang="en-US" dirty="0">
+              <a:rPr lang="ko-KR" altLang="en-US" dirty="0" smtClean="0">
                 <a:latin typeface="HY수평선M" pitchFamily="18" charset="-127"/>
                 <a:ea typeface="HY수평선M" pitchFamily="18" charset="-127"/>
               </a:rPr>
-              <a:t>그 동안은 </a:t>
-            </a:r>
-            <a:r>
-              <a:rPr lang="ko-KR" altLang="en-US" dirty="0" err="1">
+              <a:t>처음에는 게임을 </a:t>
+            </a:r>
+            <a:r>
+              <a:rPr lang="ko-KR" altLang="en-US" dirty="0" err="1" smtClean="0">
                 <a:latin typeface="HY수평선M" pitchFamily="18" charset="-127"/>
                 <a:ea typeface="HY수평선M" pitchFamily="18" charset="-127"/>
               </a:rPr>
-              <a:t>소비자로서만</a:t>
-            </a:r>
-            <a:r>
-              <a:rPr lang="ko-KR" altLang="en-US" dirty="0">
+              <a:t>개발해야한다는</a:t>
+            </a:r>
+            <a:r>
+              <a:rPr lang="ko-KR" altLang="en-US" dirty="0" smtClean="0">
                 <a:latin typeface="HY수평선M" pitchFamily="18" charset="-127"/>
                 <a:ea typeface="HY수평선M" pitchFamily="18" charset="-127"/>
               </a:rPr>
-              <a:t> 게임을 보았다면 이번 캠프에선 개발자로서 게임을 볼 수 있어 좋았고</a:t>
-            </a:r>
-            <a:r>
-              <a:rPr lang="en-US" altLang="ko-KR" dirty="0">
+              <a:t> 막연한 느낌에 고민이 많았으나</a:t>
+            </a:r>
+            <a:r>
+              <a:rPr lang="en-US" altLang="ko-KR" dirty="0" smtClean="0">
                 <a:latin typeface="HY수평선M" pitchFamily="18" charset="-127"/>
                 <a:ea typeface="HY수평선M" pitchFamily="18" charset="-127"/>
               </a:rPr>
               <a:t>, </a:t>
             </a:r>
             <a:r>
-              <a:rPr lang="ko-KR" altLang="en-US" dirty="0">
+              <a:rPr lang="ko-KR" altLang="en-US" dirty="0" smtClean="0">
                 <a:latin typeface="HY수평선M" pitchFamily="18" charset="-127"/>
                 <a:ea typeface="HY수평선M" pitchFamily="18" charset="-127"/>
               </a:rPr>
-              <a:t>내가 생각한걸 게임으로 실현시키고</a:t>
-            </a:r>
-            <a:r>
-              <a:rPr lang="en-US" altLang="ko-KR" dirty="0">
+              <a:t>개발 과정에서 모르는 부분은 도움을 받고 도움을 주며 해결해나가 완전한 게임을 만들어서 </a:t>
+            </a:r>
+            <a:r>
+              <a:rPr lang="ko-KR" altLang="en-US" dirty="0" err="1" smtClean="0">
+                <a:latin typeface="HY수평선M" pitchFamily="18" charset="-127"/>
+                <a:ea typeface="HY수평선M" pitchFamily="18" charset="-127"/>
+              </a:rPr>
+              <a:t>재밌었으며</a:t>
+            </a:r>
+            <a:r>
+              <a:rPr lang="en-US" altLang="ko-KR" dirty="0" smtClean="0">
                 <a:latin typeface="HY수평선M" pitchFamily="18" charset="-127"/>
                 <a:ea typeface="HY수평선M" pitchFamily="18" charset="-127"/>
               </a:rPr>
               <a:t>, </a:t>
             </a:r>
             <a:r>
-              <a:rPr lang="ko-KR" altLang="en-US" dirty="0" err="1">
+              <a:rPr lang="ko-KR" altLang="en-US" dirty="0" smtClean="0">
                 <a:latin typeface="HY수평선M" pitchFamily="18" charset="-127"/>
                 <a:ea typeface="HY수평선M" pitchFamily="18" charset="-127"/>
               </a:rPr>
-              <a:t>남한테</a:t>
-            </a:r>
-            <a:r>
-              <a:rPr lang="ko-KR" altLang="en-US" dirty="0">
-                <a:latin typeface="HY수평선M" pitchFamily="18" charset="-127"/>
-                <a:ea typeface="HY수평선M" pitchFamily="18" charset="-127"/>
-              </a:rPr>
-              <a:t> 보여준다는 것이 신기하고</a:t>
-            </a:r>
-            <a:r>
-              <a:rPr lang="en-US" altLang="ko-KR" dirty="0">
+              <a:t>팀워크를 늘리고</a:t>
+            </a:r>
+            <a:r>
+              <a:rPr lang="en-US" altLang="ko-KR" dirty="0" smtClean="0">
                 <a:latin typeface="HY수평선M" pitchFamily="18" charset="-127"/>
                 <a:ea typeface="HY수평선M" pitchFamily="18" charset="-127"/>
               </a:rPr>
               <a:t>, </a:t>
             </a:r>
             <a:r>
-              <a:rPr lang="ko-KR" altLang="en-US" dirty="0">
+              <a:rPr lang="ko-KR" altLang="en-US" dirty="0" smtClean="0">
                 <a:latin typeface="HY수평선M" pitchFamily="18" charset="-127"/>
                 <a:ea typeface="HY수평선M" pitchFamily="18" charset="-127"/>
               </a:rPr>
-              <a:t>좋았다</a:t>
-            </a:r>
-            <a:r>
-              <a:rPr lang="en-US" altLang="ko-KR" dirty="0">
-                <a:latin typeface="HY수평선M" pitchFamily="18" charset="-127"/>
-                <a:ea typeface="HY수평선M" pitchFamily="18" charset="-127"/>
-              </a:rPr>
-              <a:t>. </a:t>
-            </a:r>
-            <a:r>
-              <a:rPr lang="ko-KR" altLang="en-US" dirty="0">
-                <a:latin typeface="HY수평선M" pitchFamily="18" charset="-127"/>
-                <a:ea typeface="HY수평선M" pitchFamily="18" charset="-127"/>
-              </a:rPr>
-              <a:t>그리고 게임캠프를 하면서 다양한 게임관련 직업군을 볼 수 있었고</a:t>
-            </a:r>
-            <a:r>
-              <a:rPr lang="en-US" altLang="ko-KR" dirty="0">
-                <a:latin typeface="HY수평선M" pitchFamily="18" charset="-127"/>
-                <a:ea typeface="HY수평선M" pitchFamily="18" charset="-127"/>
-              </a:rPr>
-              <a:t>, </a:t>
-            </a:r>
-            <a:r>
-              <a:rPr lang="ko-KR" altLang="en-US" dirty="0">
-                <a:latin typeface="HY수평선M" pitchFamily="18" charset="-127"/>
-                <a:ea typeface="HY수평선M" pitchFamily="18" charset="-127"/>
-              </a:rPr>
-              <a:t>내 진로에 대해서 다시한번 생각해 볼 수 있어 좋았던 것 같다</a:t>
-            </a:r>
-            <a:r>
-              <a:rPr lang="en-US" altLang="ko-KR" dirty="0">
+              <a:t>개발과정을 알아보는 좋은 경험이 되었다고 생각한다</a:t>
+            </a:r>
+            <a:r>
+              <a:rPr lang="en-US" altLang="ko-KR" dirty="0" smtClean="0">
                 <a:latin typeface="HY수평선M" pitchFamily="18" charset="-127"/>
                 <a:ea typeface="HY수평선M" pitchFamily="18" charset="-127"/>
               </a:rPr>
@@ -6097,24 +5213,165 @@
           </a:p>
           <a:p>
             <a:r>
-              <a:rPr lang="ko-KR" altLang="en-US" dirty="0">
+              <a:rPr lang="ko-KR" altLang="en-US" dirty="0" smtClean="0">
                 <a:latin typeface="HY수평선M" pitchFamily="18" charset="-127"/>
                 <a:ea typeface="HY수평선M" pitchFamily="18" charset="-127"/>
               </a:rPr>
               <a:t>조민준</a:t>
             </a:r>
-            <a:endParaRPr lang="en-US" altLang="ko-KR" dirty="0">
+            <a:endParaRPr lang="en-US" altLang="ko-KR" dirty="0" smtClean="0">
               <a:latin typeface="HY수평선M" pitchFamily="18" charset="-127"/>
               <a:ea typeface="HY수평선M" pitchFamily="18" charset="-127"/>
             </a:endParaRPr>
           </a:p>
           <a:p>
-            <a:endParaRPr lang="en-US" altLang="ko-KR" dirty="0">
-              <a:latin typeface="HY수평선M" pitchFamily="18" charset="-127"/>
-              <a:ea typeface="HY수평선M" pitchFamily="18" charset="-127"/>
-            </a:endParaRPr>
-          </a:p>
-          <a:p>
+            <a:r>
+              <a:rPr lang="ko-KR" altLang="en-US" dirty="0" smtClean="0">
+                <a:latin typeface="HY수평선M" pitchFamily="18" charset="-127"/>
+                <a:ea typeface="HY수평선M" pitchFamily="18" charset="-127"/>
+              </a:rPr>
+              <a:t>지금까지 게임을 만들고 싶다는 생각을 했어도 실행에 옮기지 못하고 완성을 못해 항상 아쉬웠는데 그 이유가 </a:t>
+            </a:r>
+            <a:r>
+              <a:rPr lang="ko-KR" altLang="en-US" dirty="0" err="1" smtClean="0">
+                <a:latin typeface="HY수평선M" pitchFamily="18" charset="-127"/>
+                <a:ea typeface="HY수평선M" pitchFamily="18" charset="-127"/>
+              </a:rPr>
+              <a:t>혼자하여서</a:t>
+            </a:r>
+            <a:r>
+              <a:rPr lang="en-US" altLang="ko-KR" dirty="0" smtClean="0">
+                <a:latin typeface="HY수평선M" pitchFamily="18" charset="-127"/>
+                <a:ea typeface="HY수평선M" pitchFamily="18" charset="-127"/>
+              </a:rPr>
+              <a:t>, </a:t>
+            </a:r>
+            <a:r>
+              <a:rPr lang="ko-KR" altLang="en-US" dirty="0" smtClean="0">
+                <a:latin typeface="HY수평선M" pitchFamily="18" charset="-127"/>
+                <a:ea typeface="HY수평선M" pitchFamily="18" charset="-127"/>
+              </a:rPr>
+              <a:t>팀으로 만들지 </a:t>
+            </a:r>
+            <a:r>
+              <a:rPr lang="ko-KR" altLang="en-US" dirty="0" err="1" smtClean="0">
+                <a:latin typeface="HY수평선M" pitchFamily="18" charset="-127"/>
+                <a:ea typeface="HY수평선M" pitchFamily="18" charset="-127"/>
+              </a:rPr>
+              <a:t>못해서였던것</a:t>
+            </a:r>
+            <a:r>
+              <a:rPr lang="ko-KR" altLang="en-US" dirty="0" smtClean="0">
+                <a:latin typeface="HY수평선M" pitchFamily="18" charset="-127"/>
+                <a:ea typeface="HY수평선M" pitchFamily="18" charset="-127"/>
+              </a:rPr>
+              <a:t> 같습니다</a:t>
+            </a:r>
+            <a:r>
+              <a:rPr lang="en-US" altLang="ko-KR" dirty="0" smtClean="0">
+                <a:latin typeface="HY수평선M" pitchFamily="18" charset="-127"/>
+                <a:ea typeface="HY수평선M" pitchFamily="18" charset="-127"/>
+              </a:rPr>
+              <a:t>. </a:t>
+            </a:r>
+            <a:r>
+              <a:rPr lang="ko-KR" altLang="en-US" dirty="0" smtClean="0">
+                <a:latin typeface="HY수평선M" pitchFamily="18" charset="-127"/>
+                <a:ea typeface="HY수평선M" pitchFamily="18" charset="-127"/>
+              </a:rPr>
+              <a:t>게임 제작 </a:t>
+            </a:r>
+            <a:r>
+              <a:rPr lang="ko-KR" altLang="en-US" dirty="0" err="1" smtClean="0">
+                <a:latin typeface="HY수평선M" pitchFamily="18" charset="-127"/>
+                <a:ea typeface="HY수평선M" pitchFamily="18" charset="-127"/>
+              </a:rPr>
+              <a:t>첫번째</a:t>
+            </a:r>
+            <a:r>
+              <a:rPr lang="ko-KR" altLang="en-US" dirty="0" smtClean="0">
+                <a:latin typeface="HY수평선M" pitchFamily="18" charset="-127"/>
+                <a:ea typeface="HY수평선M" pitchFamily="18" charset="-127"/>
+              </a:rPr>
+              <a:t> 날 스파게티 면과 </a:t>
+            </a:r>
+            <a:r>
+              <a:rPr lang="ko-KR" altLang="en-US" dirty="0" err="1" smtClean="0">
+                <a:latin typeface="HY수평선M" pitchFamily="18" charset="-127"/>
+                <a:ea typeface="HY수평선M" pitchFamily="18" charset="-127"/>
+              </a:rPr>
+              <a:t>마시멜로로</a:t>
+            </a:r>
+            <a:r>
+              <a:rPr lang="ko-KR" altLang="en-US" dirty="0" smtClean="0">
+                <a:latin typeface="HY수평선M" pitchFamily="18" charset="-127"/>
+                <a:ea typeface="HY수평선M" pitchFamily="18" charset="-127"/>
+              </a:rPr>
+              <a:t> 건축물을 만들 때는 잘 몰랐지만 이제 보니 게임 제작의 아름다움은 한계를 느끼면 다른 돌파구를 찾고 아이디어로 기둥을 만들어 예상과는 다르지만 </a:t>
+            </a:r>
+            <a:r>
+              <a:rPr lang="ko-KR" altLang="en-US" dirty="0" err="1" smtClean="0">
+                <a:latin typeface="HY수평선M" pitchFamily="18" charset="-127"/>
+                <a:ea typeface="HY수평선M" pitchFamily="18" charset="-127"/>
+              </a:rPr>
+              <a:t>또다른</a:t>
+            </a:r>
+            <a:r>
+              <a:rPr lang="ko-KR" altLang="en-US" dirty="0" smtClean="0">
+                <a:latin typeface="HY수평선M" pitchFamily="18" charset="-127"/>
+                <a:ea typeface="HY수평선M" pitchFamily="18" charset="-127"/>
+              </a:rPr>
+              <a:t> 느낌을 연출하는 </a:t>
+            </a:r>
+            <a:r>
+              <a:rPr lang="ko-KR" altLang="en-US" dirty="0" err="1" smtClean="0">
+                <a:latin typeface="HY수평선M" pitchFamily="18" charset="-127"/>
+                <a:ea typeface="HY수평선M" pitchFamily="18" charset="-127"/>
+              </a:rPr>
+              <a:t>것같습니다</a:t>
+            </a:r>
+            <a:r>
+              <a:rPr lang="en-US" altLang="ko-KR" dirty="0" smtClean="0">
+                <a:latin typeface="HY수평선M" pitchFamily="18" charset="-127"/>
+                <a:ea typeface="HY수평선M" pitchFamily="18" charset="-127"/>
+              </a:rPr>
+              <a:t>. </a:t>
+            </a:r>
+            <a:r>
+              <a:rPr lang="ko-KR" altLang="en-US" dirty="0" smtClean="0">
+                <a:latin typeface="HY수평선M" pitchFamily="18" charset="-127"/>
+                <a:ea typeface="HY수평선M" pitchFamily="18" charset="-127"/>
+              </a:rPr>
+              <a:t>마지막으로 열심히 또 다같이 게임을 만들어온 저희 팀과 손명진 </a:t>
+            </a:r>
+            <a:r>
+              <a:rPr lang="ko-KR" altLang="en-US" dirty="0" err="1" smtClean="0">
+                <a:latin typeface="HY수평선M" pitchFamily="18" charset="-127"/>
+                <a:ea typeface="HY수평선M" pitchFamily="18" charset="-127"/>
+              </a:rPr>
+              <a:t>멘토님께</a:t>
+            </a:r>
+            <a:r>
+              <a:rPr lang="ko-KR" altLang="en-US" dirty="0" smtClean="0">
+                <a:latin typeface="HY수평선M" pitchFamily="18" charset="-127"/>
+                <a:ea typeface="HY수평선M" pitchFamily="18" charset="-127"/>
+              </a:rPr>
+              <a:t> </a:t>
+            </a:r>
+            <a:r>
+              <a:rPr lang="ko-KR" altLang="en-US" dirty="0" err="1" smtClean="0">
+                <a:latin typeface="HY수평선M" pitchFamily="18" charset="-127"/>
+                <a:ea typeface="HY수평선M" pitchFamily="18" charset="-127"/>
+              </a:rPr>
+              <a:t>감사드립니다</a:t>
+            </a:r>
+            <a:r>
+              <a:rPr lang="en-US" altLang="ko-KR" dirty="0" smtClean="0">
+                <a:latin typeface="HY수평선M" pitchFamily="18" charset="-127"/>
+                <a:ea typeface="HY수평선M" pitchFamily="18" charset="-127"/>
+              </a:rPr>
+              <a:t>.</a:t>
+            </a:r>
             <a:endParaRPr lang="en-US" altLang="ko-KR" dirty="0">
               <a:latin typeface="HY수평선M" pitchFamily="18" charset="-127"/>
               <a:ea typeface="HY수평선M" pitchFamily="18" charset="-127"/>
@@ -6125,7 +5382,7 @@
     </p:spTree>
     <p:extLst>
       <p:ext uri="{BB962C8B-B14F-4D97-AF65-F5344CB8AC3E}">
-        <p14:creationId xmlns:p14="http://schemas.microsoft.com/office/powerpoint/2010/main" val="3266389814"/>
+        <p14:creationId xmlns:p14="http://schemas.microsoft.com/office/powerpoint/2010/main" xmlns="" val="3266389814"/>
       </p:ext>
     </p:extLst>
   </p:cSld>
@@ -6225,7 +5482,7 @@
         <p:spPr>
           <a:xfrm>
             <a:off x="35496" y="627534"/>
-            <a:ext cx="9001000" cy="3139321"/>
+            <a:ext cx="9001000" cy="3416320"/>
           </a:xfrm>
           <a:prstGeom prst="rect">
             <a:avLst/>
@@ -6239,90 +5496,125 @@
           <a:lstStyle/>
           <a:p>
             <a:r>
-              <a:rPr lang="ko-KR" altLang="en-US" dirty="0" err="1">
+              <a:rPr lang="ko-KR" altLang="en-US" dirty="0" smtClean="0">
                 <a:latin typeface="HY수평선M" pitchFamily="18" charset="-127"/>
                 <a:ea typeface="HY수평선M" pitchFamily="18" charset="-127"/>
               </a:rPr>
-              <a:t>윤지섭</a:t>
-            </a:r>
-            <a:endParaRPr lang="en-US" altLang="ko-KR" dirty="0">
+              <a:t>신동환</a:t>
+            </a:r>
+            <a:endParaRPr lang="en-US" altLang="ko-KR" dirty="0" smtClean="0">
               <a:latin typeface="HY수평선M" pitchFamily="18" charset="-127"/>
               <a:ea typeface="HY수평선M" pitchFamily="18" charset="-127"/>
             </a:endParaRPr>
           </a:p>
           <a:p>
             <a:r>
-              <a:rPr lang="ko-KR" altLang="en-US" dirty="0">
+              <a:rPr lang="ko-KR" altLang="en-US" dirty="0" smtClean="0">
                 <a:latin typeface="HY수평선M" pitchFamily="18" charset="-127"/>
                 <a:ea typeface="HY수평선M" pitchFamily="18" charset="-127"/>
               </a:rPr>
-              <a:t>처음에는 게임을 </a:t>
-            </a:r>
-            <a:r>
-              <a:rPr lang="ko-KR" altLang="en-US" dirty="0" err="1">
-                <a:latin typeface="HY수평선M" pitchFamily="18" charset="-127"/>
-                <a:ea typeface="HY수평선M" pitchFamily="18" charset="-127"/>
-              </a:rPr>
-              <a:t>개발해야한다는</a:t>
-            </a:r>
-            <a:r>
-              <a:rPr lang="ko-KR" altLang="en-US" dirty="0">
-                <a:latin typeface="HY수평선M" pitchFamily="18" charset="-127"/>
-                <a:ea typeface="HY수평선M" pitchFamily="18" charset="-127"/>
-              </a:rPr>
-              <a:t> 막연한 느낌에 고민이 많았으나</a:t>
-            </a:r>
-            <a:r>
-              <a:rPr lang="en-US" altLang="ko-KR" dirty="0">
+              <a:t>그 동안은 소비자로서만 게임을 보았다면 이번 캠프에선 개발자로서 게임을 볼 수 있어 좋았고</a:t>
+            </a:r>
+            <a:r>
+              <a:rPr lang="en-US" altLang="ko-KR" dirty="0" smtClean="0">
                 <a:latin typeface="HY수평선M" pitchFamily="18" charset="-127"/>
                 <a:ea typeface="HY수평선M" pitchFamily="18" charset="-127"/>
               </a:rPr>
               <a:t>, </a:t>
             </a:r>
             <a:r>
-              <a:rPr lang="ko-KR" altLang="en-US" dirty="0">
+              <a:rPr lang="ko-KR" altLang="en-US" dirty="0" smtClean="0">
                 <a:latin typeface="HY수평선M" pitchFamily="18" charset="-127"/>
                 <a:ea typeface="HY수평선M" pitchFamily="18" charset="-127"/>
               </a:rPr>
-              <a:t>개발 과정에서 모르는 부분은 도움을 받고 도움을 주며 해결해나가 완전한 게임을 만들어서 </a:t>
-            </a:r>
-            <a:r>
-              <a:rPr lang="ko-KR" altLang="en-US" dirty="0" err="1">
-                <a:latin typeface="HY수평선M" pitchFamily="18" charset="-127"/>
-                <a:ea typeface="HY수평선M" pitchFamily="18" charset="-127"/>
-              </a:rPr>
-              <a:t>재밌었으며</a:t>
-            </a:r>
-            <a:r>
-              <a:rPr lang="en-US" altLang="ko-KR" dirty="0">
+              <a:t>내가 생각한걸 게임으로 실현시키고</a:t>
+            </a:r>
+            <a:r>
+              <a:rPr lang="en-US" altLang="ko-KR" dirty="0" smtClean="0">
                 <a:latin typeface="HY수평선M" pitchFamily="18" charset="-127"/>
                 <a:ea typeface="HY수평선M" pitchFamily="18" charset="-127"/>
               </a:rPr>
               <a:t>, </a:t>
             </a:r>
             <a:r>
-              <a:rPr lang="ko-KR" altLang="en-US" dirty="0">
+              <a:rPr lang="ko-KR" altLang="en-US" dirty="0" smtClean="0">
                 <a:latin typeface="HY수평선M" pitchFamily="18" charset="-127"/>
                 <a:ea typeface="HY수평선M" pitchFamily="18" charset="-127"/>
               </a:rPr>
-              <a:t>팀워크를 늘리고</a:t>
-            </a:r>
-            <a:r>
-              <a:rPr lang="en-US" altLang="ko-KR" dirty="0">
+              <a:t>남한테 보여준다는 것이 신기하고</a:t>
+            </a:r>
+            <a:r>
+              <a:rPr lang="en-US" altLang="ko-KR" dirty="0" smtClean="0">
                 <a:latin typeface="HY수평선M" pitchFamily="18" charset="-127"/>
                 <a:ea typeface="HY수평선M" pitchFamily="18" charset="-127"/>
               </a:rPr>
               <a:t>, </a:t>
             </a:r>
             <a:r>
-              <a:rPr lang="ko-KR" altLang="en-US" dirty="0">
+              <a:rPr lang="ko-KR" altLang="en-US" dirty="0" smtClean="0">
                 <a:latin typeface="HY수평선M" pitchFamily="18" charset="-127"/>
                 <a:ea typeface="HY수평선M" pitchFamily="18" charset="-127"/>
               </a:rPr>
-              <a:t>개발과정을 알아보는 좋은 경험이 되었다고 생각한다</a:t>
-            </a:r>
-            <a:r>
-              <a:rPr lang="en-US" altLang="ko-KR" dirty="0">
+              <a:t>좋았다</a:t>
+            </a:r>
+            <a:r>
+              <a:rPr lang="en-US" altLang="ko-KR" dirty="0" smtClean="0">
+                <a:latin typeface="HY수평선M" pitchFamily="18" charset="-127"/>
+                <a:ea typeface="HY수평선M" pitchFamily="18" charset="-127"/>
+              </a:rPr>
+              <a:t>. </a:t>
+            </a:r>
+            <a:r>
+              <a:rPr lang="ko-KR" altLang="en-US" dirty="0" smtClean="0">
+                <a:latin typeface="HY수평선M" pitchFamily="18" charset="-127"/>
+                <a:ea typeface="HY수평선M" pitchFamily="18" charset="-127"/>
+              </a:rPr>
+              <a:t>그리고 게임캠프를 하면서 다양한 게임관련 </a:t>
+            </a:r>
+            <a:r>
+              <a:rPr lang="ko-KR" altLang="en-US" dirty="0" err="1" smtClean="0">
+                <a:latin typeface="HY수평선M" pitchFamily="18" charset="-127"/>
+                <a:ea typeface="HY수평선M" pitchFamily="18" charset="-127"/>
+              </a:rPr>
+              <a:t>직업군을</a:t>
+            </a:r>
+            <a:r>
+              <a:rPr lang="ko-KR" altLang="en-US" dirty="0" smtClean="0">
+                <a:latin typeface="HY수평선M" pitchFamily="18" charset="-127"/>
+                <a:ea typeface="HY수평선M" pitchFamily="18" charset="-127"/>
+              </a:rPr>
+              <a:t> 볼 수 있었고</a:t>
+            </a:r>
+            <a:r>
+              <a:rPr lang="en-US" altLang="ko-KR" dirty="0" smtClean="0">
+                <a:latin typeface="HY수평선M" pitchFamily="18" charset="-127"/>
+                <a:ea typeface="HY수평선M" pitchFamily="18" charset="-127"/>
+              </a:rPr>
+              <a:t>, </a:t>
+            </a:r>
+            <a:r>
+              <a:rPr lang="ko-KR" altLang="en-US" dirty="0" smtClean="0">
+                <a:latin typeface="HY수평선M" pitchFamily="18" charset="-127"/>
+                <a:ea typeface="HY수평선M" pitchFamily="18" charset="-127"/>
+              </a:rPr>
+              <a:t>내 진로에 대해서 </a:t>
+            </a:r>
+            <a:r>
+              <a:rPr lang="ko-KR" altLang="en-US" dirty="0" err="1" smtClean="0">
+                <a:latin typeface="HY수평선M" pitchFamily="18" charset="-127"/>
+                <a:ea typeface="HY수평선M" pitchFamily="18" charset="-127"/>
+              </a:rPr>
+              <a:t>다시한번</a:t>
+            </a:r>
+            <a:r>
+              <a:rPr lang="ko-KR" altLang="en-US" dirty="0" smtClean="0">
+                <a:latin typeface="HY수평선M" pitchFamily="18" charset="-127"/>
+                <a:ea typeface="HY수평선M" pitchFamily="18" charset="-127"/>
+              </a:rPr>
+              <a:t> 생각해 볼 수 있어 좋았던 것 같다</a:t>
+            </a:r>
+            <a:r>
+              <a:rPr lang="en-US" altLang="ko-KR" dirty="0" smtClean="0">
                 <a:latin typeface="HY수평선M" pitchFamily="18" charset="-127"/>
                 <a:ea typeface="HY수평선M" pitchFamily="18" charset="-127"/>
               </a:rPr>
@@ -6502,7 +5794,7 @@
     </p:spTree>
     <p:extLst>
       <p:ext uri="{BB962C8B-B14F-4D97-AF65-F5344CB8AC3E}">
-        <p14:creationId xmlns:p14="http://schemas.microsoft.com/office/powerpoint/2010/main" val="3646660060"/>
+        <p14:creationId xmlns:p14="http://schemas.microsoft.com/office/powerpoint/2010/main" xmlns="" val="3646660060"/>
       </p:ext>
     </p:extLst>
   </p:cSld>
@@ -6845,7 +6137,7 @@
     </p:spTree>
     <p:extLst>
       <p:ext uri="{BB962C8B-B14F-4D97-AF65-F5344CB8AC3E}">
-        <p14:creationId xmlns:p14="http://schemas.microsoft.com/office/powerpoint/2010/main" val="1451004859"/>
+        <p14:creationId xmlns:p14="http://schemas.microsoft.com/office/powerpoint/2010/main" xmlns="" val="1451004859"/>
       </p:ext>
     </p:extLst>
   </p:cSld>
@@ -6911,7 +6203,7 @@
     </p:spTree>
     <p:extLst>
       <p:ext uri="{BB962C8B-B14F-4D97-AF65-F5344CB8AC3E}">
-        <p14:creationId xmlns:p14="http://schemas.microsoft.com/office/powerpoint/2010/main" val="2695258211"/>
+        <p14:creationId xmlns:p14="http://schemas.microsoft.com/office/powerpoint/2010/main" xmlns="" val="2695258211"/>
       </p:ext>
     </p:extLst>
   </p:cSld>
@@ -6927,7 +6219,7 @@
     <p:bg>
       <p:bgPr>
         <a:blipFill dpi="0" rotWithShape="1">
-          <a:blip r:embed="rId2">
+          <a:blip r:embed="rId2" cstate="print">
             <a:lum/>
           </a:blip>
           <a:srcRect/>
@@ -6964,7 +6256,7 @@
           <a:blip r:embed="rId3" cstate="print">
             <a:extLst>
               <a:ext uri="{28A0092B-C50C-407E-A947-70E740481C1C}">
-                <a14:useLocalDpi xmlns:a14="http://schemas.microsoft.com/office/drawing/2010/main" val="0"/>
+                <a14:useLocalDpi xmlns:a14="http://schemas.microsoft.com/office/drawing/2010/main" xmlns="" val="0"/>
               </a:ext>
             </a:extLst>
           </a:blip>
@@ -7275,7 +6567,7 @@
     </p:spTree>
     <p:extLst>
       <p:ext uri="{BB962C8B-B14F-4D97-AF65-F5344CB8AC3E}">
-        <p14:creationId xmlns:p14="http://schemas.microsoft.com/office/powerpoint/2010/main" val="1265255212"/>
+        <p14:creationId xmlns:p14="http://schemas.microsoft.com/office/powerpoint/2010/main" xmlns="" val="1265255212"/>
       </p:ext>
     </p:extLst>
   </p:cSld>
@@ -10391,7 +9683,7 @@
     </p:spTree>
     <p:extLst>
       <p:ext uri="{BB962C8B-B14F-4D97-AF65-F5344CB8AC3E}">
-        <p14:creationId xmlns:p14="http://schemas.microsoft.com/office/powerpoint/2010/main" val="2150269163"/>
+        <p14:creationId xmlns:p14="http://schemas.microsoft.com/office/powerpoint/2010/main" xmlns="" val="2150269163"/>
       </p:ext>
     </p:extLst>
   </p:cSld>
@@ -13818,7 +13110,7 @@
     </p:spTree>
     <p:extLst>
       <p:ext uri="{BB962C8B-B14F-4D97-AF65-F5344CB8AC3E}">
-        <p14:creationId xmlns:p14="http://schemas.microsoft.com/office/powerpoint/2010/main" val="2247773661"/>
+        <p14:creationId xmlns:p14="http://schemas.microsoft.com/office/powerpoint/2010/main" xmlns="" val="2247773661"/>
       </p:ext>
     </p:extLst>
   </p:cSld>
@@ -17972,7 +17264,7 @@
     </p:spTree>
     <p:extLst>
       <p:ext uri="{BB962C8B-B14F-4D97-AF65-F5344CB8AC3E}">
-        <p14:creationId xmlns:p14="http://schemas.microsoft.com/office/powerpoint/2010/main" val="3701246458"/>
+        <p14:creationId xmlns:p14="http://schemas.microsoft.com/office/powerpoint/2010/main" xmlns="" val="3701246458"/>
       </p:ext>
     </p:extLst>
   </p:cSld>
@@ -22729,7 +22021,7 @@
     </p:spTree>
     <p:extLst>
       <p:ext uri="{BB962C8B-B14F-4D97-AF65-F5344CB8AC3E}">
-        <p14:creationId xmlns:p14="http://schemas.microsoft.com/office/powerpoint/2010/main" val="1133506497"/>
+        <p14:creationId xmlns:p14="http://schemas.microsoft.com/office/powerpoint/2010/main" xmlns="" val="1133506497"/>
       </p:ext>
     </p:extLst>
   </p:cSld>
@@ -23018,20 +22310,20 @@
     </p:spTree>
     <p:extLst>
       <p:ext uri="{BB962C8B-B14F-4D97-AF65-F5344CB8AC3E}">
-        <p14:creationId xmlns:p14="http://schemas.microsoft.com/office/powerpoint/2010/main" val="2022494068"/>
+        <p14:creationId xmlns:p14="http://schemas.microsoft.com/office/powerpoint/2010/main" xmlns="" val="2022494068"/>
       </p:ext>
     </p:extLst>
   </p:cSld>
   <p:clrMapOvr>
     <a:masterClrMapping/>
   </p:clrMapOvr>
-  <mc:AlternateContent xmlns:mc="http://schemas.openxmlformats.org/markup-compatibility/2006" xmlns:p14="http://schemas.microsoft.com/office/powerpoint/2010/main">
-    <mc:Choice Requires="p14">
+  <mc:AlternateContent xmlns:mc="http://schemas.openxmlformats.org/markup-compatibility/2006">
+    <mc:Choice xmlns:p14="http://schemas.microsoft.com/office/powerpoint/2010/main" xmlns="" Requires="p14">
       <p:transition spd="med" p14:dur="700">
         <p:fade/>
       </p:transition>
     </mc:Choice>
-    <mc:Fallback xmlns="">
+    <mc:Fallback>
       <p:transition spd="med">
         <p:fade/>
       </p:transition>
@@ -23143,10 +22435,10 @@
             <p:nvPr/>
           </p:nvPicPr>
           <p:blipFill>
-            <a:blip r:embed="rId2">
+            <a:blip r:embed="rId2" cstate="print">
               <a:extLst>
                 <a:ext uri="{28A0092B-C50C-407E-A947-70E740481C1C}">
-                  <a14:useLocalDpi xmlns:a14="http://schemas.microsoft.com/office/drawing/2010/main" val="0"/>
+                  <a14:useLocalDpi xmlns:a14="http://schemas.microsoft.com/office/drawing/2010/main" xmlns="" val="0"/>
                 </a:ext>
               </a:extLst>
             </a:blip>
@@ -23173,10 +22465,10 @@
             <p:nvPr/>
           </p:nvPicPr>
           <p:blipFill>
-            <a:blip r:embed="rId3">
+            <a:blip r:embed="rId3" cstate="print">
               <a:extLst>
                 <a:ext uri="{28A0092B-C50C-407E-A947-70E740481C1C}">
-                  <a14:useLocalDpi xmlns:a14="http://schemas.microsoft.com/office/drawing/2010/main" val="0"/>
+                  <a14:useLocalDpi xmlns:a14="http://schemas.microsoft.com/office/drawing/2010/main" xmlns="" val="0"/>
                 </a:ext>
               </a:extLst>
             </a:blip>
@@ -23385,7 +22677,7 @@
     </p:spTree>
     <p:extLst>
       <p:ext uri="{BB962C8B-B14F-4D97-AF65-F5344CB8AC3E}">
-        <p14:creationId xmlns:p14="http://schemas.microsoft.com/office/powerpoint/2010/main" val="3790662786"/>
+        <p14:creationId xmlns:p14="http://schemas.microsoft.com/office/powerpoint/2010/main" xmlns="" val="3790662786"/>
       </p:ext>
     </p:extLst>
   </p:cSld>
@@ -23633,7 +22925,7 @@
             <a:blip r:embed="rId2" cstate="print">
               <a:extLst>
                 <a:ext uri="{28A0092B-C50C-407E-A947-70E740481C1C}">
-                  <a14:useLocalDpi xmlns:a14="http://schemas.microsoft.com/office/drawing/2010/main" val="0"/>
+                  <a14:useLocalDpi xmlns:a14="http://schemas.microsoft.com/office/drawing/2010/main" xmlns="" val="0"/>
                 </a:ext>
               </a:extLst>
             </a:blip>
@@ -23663,7 +22955,7 @@
             <a:blip r:embed="rId3" cstate="print">
               <a:extLst>
                 <a:ext uri="{28A0092B-C50C-407E-A947-70E740481C1C}">
-                  <a14:useLocalDpi xmlns:a14="http://schemas.microsoft.com/office/drawing/2010/main" val="0"/>
+                  <a14:useLocalDpi xmlns:a14="http://schemas.microsoft.com/office/drawing/2010/main" xmlns="" val="0"/>
                 </a:ext>
               </a:extLst>
             </a:blip>
@@ -23845,7 +23137,7 @@
     </p:spTree>
     <p:extLst>
       <p:ext uri="{BB962C8B-B14F-4D97-AF65-F5344CB8AC3E}">
-        <p14:creationId xmlns:p14="http://schemas.microsoft.com/office/powerpoint/2010/main" val="1465602538"/>
+        <p14:creationId xmlns:p14="http://schemas.microsoft.com/office/powerpoint/2010/main" xmlns="" val="1465602538"/>
       </p:ext>
     </p:extLst>
   </p:cSld>
@@ -24183,7 +23475,7 @@
     </a:clrScheme>
     <a:fontScheme name="Office">
       <a:majorFont>
-        <a:latin typeface="맑은 고딕" panose="020F0302020204030204"/>
+        <a:latin typeface="맑은 고딕"/>
         <a:ea typeface=""/>
         <a:cs typeface=""/>
         <a:font script="Jpan" typeface="游ゴシック Light"/>
@@ -24235,7 +23527,7 @@
         <a:font script="Tfng" typeface="Ebrima"/>
       </a:majorFont>
       <a:minorFont>
-        <a:latin typeface="맑은 고딕" panose="020F0502020204030204"/>
+        <a:latin typeface="맑은 고딕"/>
         <a:ea typeface=""/>
         <a:cs typeface=""/>
         <a:font script="Jpan" typeface="游ゴシック"/>
@@ -24429,7 +23721,7 @@
   <a:extraClrSchemeLst/>
   <a:extLst>
     <a:ext uri="{05A4C25C-085E-4340-85A3-A5531E510DB2}">
-      <thm15:themeFamily xmlns:thm15="http://schemas.microsoft.com/office/thememl/2012/main" name="Office Theme" id="{62F939B6-93AF-4DB8-9C6B-D6C7DFDC589F}" vid="{4A3C46E8-61CC-4603-A589-7422A47A8E4A}"/>
+      <thm15:themeFamily xmlns:thm15="http://schemas.microsoft.com/office/thememl/2012/main" xmlns="" name="Office Theme" id="{62F939B6-93AF-4DB8-9C6B-D6C7DFDC589F}" vid="{4A3C46E8-61CC-4603-A589-7422A47A8E4A}"/>
     </a:ext>
   </a:extLst>
 </a:theme>
